--- a/SV [Autosaved].pptx
+++ b/SV [Autosaved].pptx
@@ -6,38 +6,47 @@
   </p:sldMasterIdLst>
   <p:sldIdLst>
     <p:sldId id="256" r:id="rId2"/>
-    <p:sldId id="258" r:id="rId3"/>
-    <p:sldId id="275" r:id="rId4"/>
-    <p:sldId id="274" r:id="rId5"/>
-    <p:sldId id="273" r:id="rId6"/>
-    <p:sldId id="280" r:id="rId7"/>
-    <p:sldId id="279" r:id="rId8"/>
-    <p:sldId id="278" r:id="rId9"/>
-    <p:sldId id="277" r:id="rId10"/>
-    <p:sldId id="276" r:id="rId11"/>
-    <p:sldId id="272" r:id="rId12"/>
-    <p:sldId id="282" r:id="rId13"/>
-    <p:sldId id="281" r:id="rId14"/>
-    <p:sldId id="284" r:id="rId15"/>
-    <p:sldId id="285" r:id="rId16"/>
-    <p:sldId id="286" r:id="rId17"/>
-    <p:sldId id="289" r:id="rId18"/>
-    <p:sldId id="290" r:id="rId19"/>
-    <p:sldId id="291" r:id="rId20"/>
-    <p:sldId id="283" r:id="rId21"/>
-    <p:sldId id="259" r:id="rId22"/>
-    <p:sldId id="260" r:id="rId23"/>
-    <p:sldId id="261" r:id="rId24"/>
-    <p:sldId id="262" r:id="rId25"/>
-    <p:sldId id="263" r:id="rId26"/>
-    <p:sldId id="264" r:id="rId27"/>
-    <p:sldId id="265" r:id="rId28"/>
-    <p:sldId id="266" r:id="rId29"/>
-    <p:sldId id="267" r:id="rId30"/>
-    <p:sldId id="268" r:id="rId31"/>
-    <p:sldId id="269" r:id="rId32"/>
-    <p:sldId id="270" r:id="rId33"/>
-    <p:sldId id="271" r:id="rId34"/>
+    <p:sldId id="300" r:id="rId3"/>
+    <p:sldId id="258" r:id="rId4"/>
+    <p:sldId id="275" r:id="rId5"/>
+    <p:sldId id="274" r:id="rId6"/>
+    <p:sldId id="273" r:id="rId7"/>
+    <p:sldId id="280" r:id="rId8"/>
+    <p:sldId id="279" r:id="rId9"/>
+    <p:sldId id="278" r:id="rId10"/>
+    <p:sldId id="277" r:id="rId11"/>
+    <p:sldId id="276" r:id="rId12"/>
+    <p:sldId id="272" r:id="rId13"/>
+    <p:sldId id="299" r:id="rId14"/>
+    <p:sldId id="282" r:id="rId15"/>
+    <p:sldId id="281" r:id="rId16"/>
+    <p:sldId id="284" r:id="rId17"/>
+    <p:sldId id="285" r:id="rId18"/>
+    <p:sldId id="286" r:id="rId19"/>
+    <p:sldId id="289" r:id="rId20"/>
+    <p:sldId id="290" r:id="rId21"/>
+    <p:sldId id="292" r:id="rId22"/>
+    <p:sldId id="291" r:id="rId23"/>
+    <p:sldId id="295" r:id="rId24"/>
+    <p:sldId id="296" r:id="rId25"/>
+    <p:sldId id="297" r:id="rId26"/>
+    <p:sldId id="283" r:id="rId27"/>
+    <p:sldId id="259" r:id="rId28"/>
+    <p:sldId id="260" r:id="rId29"/>
+    <p:sldId id="261" r:id="rId30"/>
+    <p:sldId id="262" r:id="rId31"/>
+    <p:sldId id="293" r:id="rId32"/>
+    <p:sldId id="264" r:id="rId33"/>
+    <p:sldId id="294" r:id="rId34"/>
+    <p:sldId id="265" r:id="rId35"/>
+    <p:sldId id="266" r:id="rId36"/>
+    <p:sldId id="267" r:id="rId37"/>
+    <p:sldId id="268" r:id="rId38"/>
+    <p:sldId id="269" r:id="rId39"/>
+    <p:sldId id="270" r:id="rId40"/>
+    <p:sldId id="298" r:id="rId41"/>
+    <p:sldId id="271" r:id="rId42"/>
+    <p:sldId id="301" r:id="rId43"/>
   </p:sldIdLst>
   <p:sldSz cx="9144000" cy="6858000" type="screen4x3"/>
   <p:notesSz cx="6858000" cy="9144000"/>
@@ -136,6 +145,22 @@
       </a:defRPr>
     </a:lvl9pPr>
   </p:defaultTextStyle>
+  <p:extLst>
+    <p:ext uri="{EFAFB233-063F-42B5-8137-9DF3F51BA10A}">
+      <p15:sldGuideLst xmlns:p15="http://schemas.microsoft.com/office/powerpoint/2012/main">
+        <p15:guide id="1" orient="horz" pos="2160">
+          <p15:clr>
+            <a:srgbClr val="A4A3A4"/>
+          </p15:clr>
+        </p15:guide>
+        <p15:guide id="2" pos="2880">
+          <p15:clr>
+            <a:srgbClr val="A4A3A4"/>
+          </p15:clr>
+        </p15:guide>
+      </p15:sldGuideLst>
+    </p:ext>
+  </p:extLst>
 </p:presentation>
 </file>
 
@@ -1092,7 +1117,7 @@
       </dgm:t>
     </dgm:pt>
     <dgm:pt modelId="{3C7D4096-9D07-45B7-AF05-F797B95A75D5}" type="pres">
-      <dgm:prSet presAssocID="{3E70F5EC-6348-4EE0-A234-0ED773F47F07}" presName="ellipse" presStyleLbl="trBgShp" presStyleIdx="0" presStyleCnt="1"/>
+      <dgm:prSet presAssocID="{3E70F5EC-6348-4EE0-A234-0ED773F47F07}" presName="ellipse" presStyleLbl="trBgShp" presStyleIdx="0" presStyleCnt="1" custLinFactNeighborX="38" custLinFactNeighborY="-2483"/>
       <dgm:spPr/>
     </dgm:pt>
     <dgm:pt modelId="{929C6F54-7D37-43D6-B5FD-2FB17FB2827F}" type="pres">
@@ -1130,7 +1155,7 @@
       </dgm:t>
     </dgm:pt>
     <dgm:pt modelId="{75CC8593-67F9-4DB9-9651-B16386487C04}" type="pres">
-      <dgm:prSet presAssocID="{7EA28083-9D19-4DE1-A2F9-A147916681C1}" presName="item2" presStyleLbl="node1" presStyleIdx="1" presStyleCnt="3">
+      <dgm:prSet presAssocID="{7EA28083-9D19-4DE1-A2F9-A147916681C1}" presName="item2" presStyleLbl="node1" presStyleIdx="1" presStyleCnt="3" custLinFactNeighborX="-2627" custLinFactNeighborY="1223">
         <dgm:presLayoutVars>
           <dgm:bulletEnabled val="1"/>
         </dgm:presLayoutVars>
@@ -1145,7 +1170,7 @@
       </dgm:t>
     </dgm:pt>
     <dgm:pt modelId="{5F3A500E-4830-4C58-BE72-1E5E35B68BF2}" type="pres">
-      <dgm:prSet presAssocID="{803C7C63-7590-45F2-81E7-822965475A87}" presName="item3" presStyleLbl="node1" presStyleIdx="2" presStyleCnt="3">
+      <dgm:prSet presAssocID="{803C7C63-7590-45F2-81E7-822965475A87}" presName="item3" presStyleLbl="node1" presStyleIdx="2" presStyleCnt="3" custLinFactNeighborX="2903" custLinFactNeighborY="7442">
         <dgm:presLayoutVars>
           <dgm:bulletEnabled val="1"/>
         </dgm:presLayoutVars>
@@ -1165,14 +1190,14 @@
     </dgm:pt>
   </dgm:ptLst>
   <dgm:cxnLst>
+    <dgm:cxn modelId="{269F5CE4-8B90-4FAD-810F-A80F279833C3}" srcId="{3E70F5EC-6348-4EE0-A234-0ED773F47F07}" destId="{9B7AD837-8A6C-46CD-8A81-DCB33BDFF733}" srcOrd="1" destOrd="0" parTransId="{7BEB6A98-74BA-496C-8C37-8FB334ED1C19}" sibTransId="{622D2527-10DF-47A1-811D-50660CB96426}"/>
+    <dgm:cxn modelId="{738C6CAB-7C9D-4021-AF90-53791590510D}" srcId="{3E70F5EC-6348-4EE0-A234-0ED773F47F07}" destId="{4E37C55A-C0FE-43F8-A2AD-1D761201C93E}" srcOrd="0" destOrd="0" parTransId="{9A01E6AB-BB96-4B19-8946-8AC0E4394A32}" sibTransId="{B5B5D920-7D4C-4603-BCE9-73C32BB9E7BC}"/>
+    <dgm:cxn modelId="{E0929A65-D066-44B0-8D4B-404F95111B09}" type="presOf" srcId="{7EA28083-9D19-4DE1-A2F9-A147916681C1}" destId="{C9F39B41-6A83-4235-B417-6D31D14C6AD5}" srcOrd="0" destOrd="0" presId="urn:microsoft.com/office/officeart/2005/8/layout/funnel1"/>
     <dgm:cxn modelId="{D9002607-B6E1-4DBB-8ECB-FAEDE32A8C04}" srcId="{3E70F5EC-6348-4EE0-A234-0ED773F47F07}" destId="{803C7C63-7590-45F2-81E7-822965475A87}" srcOrd="3" destOrd="0" parTransId="{5E88EF26-A477-4CFE-A6C0-E659ECF47C07}" sibTransId="{326AE645-E499-4470-8518-F11386F5E1E3}"/>
     <dgm:cxn modelId="{05E5B3D6-0A04-41A4-B071-9A084EB39F27}" srcId="{3E70F5EC-6348-4EE0-A234-0ED773F47F07}" destId="{7EA28083-9D19-4DE1-A2F9-A147916681C1}" srcOrd="2" destOrd="0" parTransId="{ADF7F28D-45F6-40BC-9486-C55C96FAB02C}" sibTransId="{D03ABACD-1C8A-42BB-91CD-B89B81B9B5D3}"/>
-    <dgm:cxn modelId="{738C6CAB-7C9D-4021-AF90-53791590510D}" srcId="{3E70F5EC-6348-4EE0-A234-0ED773F47F07}" destId="{4E37C55A-C0FE-43F8-A2AD-1D761201C93E}" srcOrd="0" destOrd="0" parTransId="{9A01E6AB-BB96-4B19-8946-8AC0E4394A32}" sibTransId="{B5B5D920-7D4C-4603-BCE9-73C32BB9E7BC}"/>
     <dgm:cxn modelId="{43ED6CE3-BDDC-47ED-8FB2-CD0EBB78B9F5}" type="presOf" srcId="{4E37C55A-C0FE-43F8-A2AD-1D761201C93E}" destId="{5F3A500E-4830-4C58-BE72-1E5E35B68BF2}" srcOrd="0" destOrd="0" presId="urn:microsoft.com/office/officeart/2005/8/layout/funnel1"/>
-    <dgm:cxn modelId="{E0929A65-D066-44B0-8D4B-404F95111B09}" type="presOf" srcId="{7EA28083-9D19-4DE1-A2F9-A147916681C1}" destId="{C9F39B41-6A83-4235-B417-6D31D14C6AD5}" srcOrd="0" destOrd="0" presId="urn:microsoft.com/office/officeart/2005/8/layout/funnel1"/>
     <dgm:cxn modelId="{856E4C7F-1715-47FB-BB56-CB155AD03AA1}" type="presOf" srcId="{803C7C63-7590-45F2-81E7-822965475A87}" destId="{894C6144-4E2A-4A9F-9DF2-2E7E24AFB5F2}" srcOrd="0" destOrd="0" presId="urn:microsoft.com/office/officeart/2005/8/layout/funnel1"/>
     <dgm:cxn modelId="{78C3A613-C369-4EF4-B22C-630F7E921DCC}" type="presOf" srcId="{3E70F5EC-6348-4EE0-A234-0ED773F47F07}" destId="{3EB1E0FD-0065-44B0-8BFB-12C5FB9125BD}" srcOrd="0" destOrd="0" presId="urn:microsoft.com/office/officeart/2005/8/layout/funnel1"/>
-    <dgm:cxn modelId="{269F5CE4-8B90-4FAD-810F-A80F279833C3}" srcId="{3E70F5EC-6348-4EE0-A234-0ED773F47F07}" destId="{9B7AD837-8A6C-46CD-8A81-DCB33BDFF733}" srcOrd="1" destOrd="0" parTransId="{7BEB6A98-74BA-496C-8C37-8FB334ED1C19}" sibTransId="{622D2527-10DF-47A1-811D-50660CB96426}"/>
     <dgm:cxn modelId="{E7AF6B05-5798-4760-B023-79051B6B0551}" type="presOf" srcId="{9B7AD837-8A6C-46CD-8A81-DCB33BDFF733}" destId="{75CC8593-67F9-4DB9-9651-B16386487C04}" srcOrd="0" destOrd="0" presId="urn:microsoft.com/office/officeart/2005/8/layout/funnel1"/>
     <dgm:cxn modelId="{618FE47D-491D-43F2-ABF2-90F32E5FBA96}" type="presParOf" srcId="{3EB1E0FD-0065-44B0-8BFB-12C5FB9125BD}" destId="{3C7D4096-9D07-45B7-AF05-F797B95A75D5}" srcOrd="0" destOrd="0" presId="urn:microsoft.com/office/officeart/2005/8/layout/funnel1"/>
     <dgm:cxn modelId="{1FE8C904-3CAE-4C6C-9EBF-37B0E79FD682}" type="presParOf" srcId="{3EB1E0FD-0065-44B0-8BFB-12C5FB9125BD}" destId="{929C6F54-7D37-43D6-B5FD-2FB17FB2827F}" srcOrd="1" destOrd="0" presId="urn:microsoft.com/office/officeart/2005/8/layout/funnel1"/>
@@ -1186,14 +1211,14 @@
   <dgm:whole/>
   <dgm:extLst>
     <a:ext uri="http://schemas.microsoft.com/office/drawing/2008/diagram">
-      <dsp:dataModelExt xmlns:dsp="http://schemas.microsoft.com/office/drawing/2008/diagram" xmlns="" relId="rId7" minVer="http://schemas.openxmlformats.org/drawingml/2006/diagram"/>
+      <dsp:dataModelExt xmlns:dsp="http://schemas.microsoft.com/office/drawing/2008/diagram" relId="rId7" minVer="http://schemas.openxmlformats.org/drawingml/2006/diagram"/>
     </a:ext>
   </dgm:extLst>
 </dgm:dataModel>
 </file>
 
 <file path=ppt/diagrams/drawing1.xml><?xml version="1.0" encoding="utf-8"?>
-<dsp:drawing xmlns:dgm="http://schemas.openxmlformats.org/drawingml/2006/diagram" xmlns:a="http://schemas.openxmlformats.org/drawingml/2006/main" xmlns:dsp="http://schemas.microsoft.com/office/drawing/2008/diagram">
+<dsp:drawing xmlns:dgm="http://schemas.openxmlformats.org/drawingml/2006/diagram" xmlns:dsp="http://schemas.microsoft.com/office/drawing/2008/diagram" xmlns:a="http://schemas.openxmlformats.org/drawingml/2006/main">
   <dsp:spTree>
     <dsp:nvGrpSpPr>
       <dsp:cNvPr id="0" name=""/>
@@ -1207,7 +1232,7 @@
       </dsp:nvSpPr>
       <dsp:spPr>
         <a:xfrm>
-          <a:off x="2284613" y="183867"/>
+          <a:off x="2286000" y="152400"/>
           <a:ext cx="3649057" cy="1267269"/>
         </a:xfrm>
         <a:prstGeom prst="ellipse">
@@ -1438,8 +1463,8 @@
         </a:p>
       </dsp:txBody>
       <dsp:txXfrm>
-        <a:off x="3611286" y="1549010"/>
-        <a:ext cx="1272927" cy="1272927"/>
+        <a:off x="3797702" y="1735426"/>
+        <a:ext cx="900095" cy="900095"/>
       </dsp:txXfrm>
     </dsp:sp>
     <dsp:sp modelId="{75CC8593-67F9-4DB9-9651-B16386487C04}">
@@ -1449,7 +1474,7 @@
       </dsp:nvSpPr>
       <dsp:spPr>
         <a:xfrm>
-          <a:off x="2700436" y="594032"/>
+          <a:off x="2666996" y="609600"/>
           <a:ext cx="1272927" cy="1272927"/>
         </a:xfrm>
         <a:prstGeom prst="ellipse">
@@ -1533,8 +1558,8 @@
         </a:p>
       </dsp:txBody>
       <dsp:txXfrm>
-        <a:off x="2700436" y="594032"/>
-        <a:ext cx="1272927" cy="1272927"/>
+        <a:off x="2853412" y="796016"/>
+        <a:ext cx="900095" cy="900095"/>
       </dsp:txXfrm>
     </dsp:sp>
     <dsp:sp modelId="{5F3A500E-4830-4C58-BE72-1E5E35B68BF2}">
@@ -1544,7 +1569,7 @@
       </dsp:nvSpPr>
       <dsp:spPr>
         <a:xfrm>
-          <a:off x="4001650" y="286267"/>
+          <a:off x="4038603" y="380998"/>
           <a:ext cx="1272927" cy="1272927"/>
         </a:xfrm>
         <a:prstGeom prst="ellipse">
@@ -1614,8 +1639,8 @@
         </a:p>
       </dsp:txBody>
       <dsp:txXfrm>
-        <a:off x="4001650" y="286267"/>
-        <a:ext cx="1272927" cy="1272927"/>
+        <a:off x="4225019" y="567414"/>
+        <a:ext cx="900095" cy="900095"/>
       </dsp:txXfrm>
     </dsp:sp>
     <dsp:sp modelId="{B5E257DA-BDFF-4595-8906-53E0C9CA184A}">
@@ -3204,7 +3229,7 @@
             <a:fld id="{1D8BD707-D9CF-40AE-B4C6-C98DA3205C09}" type="datetimeFigureOut">
               <a:rPr lang="en-US" smtClean="0"/>
               <a:pPr/>
-              <a:t>5/31/2016</a:t>
+              <a:t>6/1/2016</a:t>
             </a:fld>
             <a:endParaRPr lang="en-US"/>
           </a:p>
@@ -3371,7 +3396,7 @@
             <a:fld id="{1D8BD707-D9CF-40AE-B4C6-C98DA3205C09}" type="datetimeFigureOut">
               <a:rPr lang="en-US" smtClean="0"/>
               <a:pPr/>
-              <a:t>5/31/2016</a:t>
+              <a:t>6/1/2016</a:t>
             </a:fld>
             <a:endParaRPr lang="en-US"/>
           </a:p>
@@ -3548,7 +3573,7 @@
             <a:fld id="{1D8BD707-D9CF-40AE-B4C6-C98DA3205C09}" type="datetimeFigureOut">
               <a:rPr lang="en-US" smtClean="0"/>
               <a:pPr/>
-              <a:t>5/31/2016</a:t>
+              <a:t>6/1/2016</a:t>
             </a:fld>
             <a:endParaRPr lang="en-US"/>
           </a:p>
@@ -3715,7 +3740,7 @@
             <a:fld id="{1D8BD707-D9CF-40AE-B4C6-C98DA3205C09}" type="datetimeFigureOut">
               <a:rPr lang="en-US" smtClean="0"/>
               <a:pPr/>
-              <a:t>5/31/2016</a:t>
+              <a:t>6/1/2016</a:t>
             </a:fld>
             <a:endParaRPr lang="en-US"/>
           </a:p>
@@ -3958,7 +3983,7 @@
             <a:fld id="{1D8BD707-D9CF-40AE-B4C6-C98DA3205C09}" type="datetimeFigureOut">
               <a:rPr lang="en-US" smtClean="0"/>
               <a:pPr/>
-              <a:t>5/31/2016</a:t>
+              <a:t>6/1/2016</a:t>
             </a:fld>
             <a:endParaRPr lang="en-US"/>
           </a:p>
@@ -4243,7 +4268,7 @@
             <a:fld id="{1D8BD707-D9CF-40AE-B4C6-C98DA3205C09}" type="datetimeFigureOut">
               <a:rPr lang="en-US" smtClean="0"/>
               <a:pPr/>
-              <a:t>5/31/2016</a:t>
+              <a:t>6/1/2016</a:t>
             </a:fld>
             <a:endParaRPr lang="en-US"/>
           </a:p>
@@ -4662,7 +4687,7 @@
             <a:fld id="{1D8BD707-D9CF-40AE-B4C6-C98DA3205C09}" type="datetimeFigureOut">
               <a:rPr lang="en-US" smtClean="0"/>
               <a:pPr/>
-              <a:t>5/31/2016</a:t>
+              <a:t>6/1/2016</a:t>
             </a:fld>
             <a:endParaRPr lang="en-US"/>
           </a:p>
@@ -4777,7 +4802,7 @@
             <a:fld id="{1D8BD707-D9CF-40AE-B4C6-C98DA3205C09}" type="datetimeFigureOut">
               <a:rPr lang="en-US" smtClean="0"/>
               <a:pPr/>
-              <a:t>5/31/2016</a:t>
+              <a:t>6/1/2016</a:t>
             </a:fld>
             <a:endParaRPr lang="en-US"/>
           </a:p>
@@ -4869,7 +4894,7 @@
             <a:fld id="{1D8BD707-D9CF-40AE-B4C6-C98DA3205C09}" type="datetimeFigureOut">
               <a:rPr lang="en-US" smtClean="0"/>
               <a:pPr/>
-              <a:t>5/31/2016</a:t>
+              <a:t>6/1/2016</a:t>
             </a:fld>
             <a:endParaRPr lang="en-US"/>
           </a:p>
@@ -5143,7 +5168,7 @@
             <a:fld id="{1D8BD707-D9CF-40AE-B4C6-C98DA3205C09}" type="datetimeFigureOut">
               <a:rPr lang="en-US" smtClean="0"/>
               <a:pPr/>
-              <a:t>5/31/2016</a:t>
+              <a:t>6/1/2016</a:t>
             </a:fld>
             <a:endParaRPr lang="en-US"/>
           </a:p>
@@ -5393,7 +5418,7 @@
             <a:fld id="{1D8BD707-D9CF-40AE-B4C6-C98DA3205C09}" type="datetimeFigureOut">
               <a:rPr lang="en-US" smtClean="0"/>
               <a:pPr/>
-              <a:t>5/31/2016</a:t>
+              <a:t>6/1/2016</a:t>
             </a:fld>
             <a:endParaRPr lang="en-US"/>
           </a:p>
@@ -5603,7 +5628,7 @@
             <a:fld id="{1D8BD707-D9CF-40AE-B4C6-C98DA3205C09}" type="datetimeFigureOut">
               <a:rPr lang="en-US" smtClean="0"/>
               <a:pPr/>
-              <a:t>5/31/2016</a:t>
+              <a:t>6/1/2016</a:t>
             </a:fld>
             <a:endParaRPr lang="en-US"/>
           </a:p>
@@ -5987,7 +6012,7 @@
         <p:spPr>
           <a:xfrm>
             <a:off x="762000" y="1676400"/>
-            <a:ext cx="7772400" cy="1470025"/>
+            <a:ext cx="7772400" cy="1905000"/>
           </a:xfrm>
         </p:spPr>
         <p:txBody>
@@ -5995,10 +6020,21 @@
           <a:lstStyle/>
           <a:p>
             <a:r>
+              <a:rPr lang="en-US" sz="5400" b="1" dirty="0" smtClean="0"/>
+              <a:t>Amalgamation</a:t>
+            </a:r>
+            <a:r>
               <a:rPr lang="en-US" b="1" dirty="0" smtClean="0"/>
-              <a:t>Amalgamation</a:t>
-            </a:r>
-            <a:endParaRPr lang="en-US" b="1" dirty="0"/>
+              <a:t/>
+            </a:r>
+            <a:br>
+              <a:rPr lang="en-US" b="1" dirty="0" smtClean="0"/>
+            </a:br>
+            <a:r>
+              <a:rPr lang="en-US" sz="2000" i="1" dirty="0" smtClean="0"/>
+              <a:t>(Jan 2016 – May 2016)</a:t>
+            </a:r>
+            <a:endParaRPr lang="en-US" i="1" dirty="0"/>
           </a:p>
         </p:txBody>
       </p:sp>
@@ -6015,7 +6051,7 @@
         <p:spPr>
           <a:xfrm>
             <a:off x="5105400" y="4038600"/>
-            <a:ext cx="2667000" cy="1600200"/>
+            <a:ext cx="2667000" cy="685800"/>
           </a:xfrm>
         </p:spPr>
         <p:txBody>
@@ -6023,10 +6059,10 @@
           <a:lstStyle/>
           <a:p>
             <a:r>
-              <a:rPr lang="en-US" dirty="0" smtClean="0"/>
-              <a:t>-Kishan A V</a:t>
-            </a:r>
-            <a:endParaRPr lang="en-US" dirty="0"/>
+              <a:rPr lang="en-US" b="1" dirty="0" smtClean="0"/>
+              <a:t>- Kishan A V</a:t>
+            </a:r>
+            <a:endParaRPr lang="en-US" b="1" dirty="0"/>
           </a:p>
         </p:txBody>
       </p:sp>
@@ -6061,6 +6097,13 @@
   <p:clrMapOvr>
     <a:masterClrMapping/>
   </p:clrMapOvr>
+  <p:timing>
+    <p:tnLst>
+      <p:par>
+        <p:cTn id="1" dur="indefinite" restart="never" nodeType="tmRoot"/>
+      </p:par>
+    </p:tnLst>
+  </p:timing>
 </p:sld>
 </file>
 
@@ -6128,89 +6171,27 @@
         <p:spPr/>
         <p:txBody>
           <a:bodyPr>
-            <a:normAutofit fontScale="77500" lnSpcReduction="20000"/>
+            <a:normAutofit lnSpcReduction="10000"/>
           </a:bodyPr>
           <a:lstStyle/>
           <a:p>
             <a:r>
               <a:rPr lang="en-US" dirty="0" smtClean="0"/>
-              <a:t>Learning Involved-</a:t>
-            </a:r>
-          </a:p>
-          <a:p>
-            <a:pPr lvl="1"/>
-            <a:r>
-              <a:rPr lang="en-US" dirty="0" smtClean="0"/>
-              <a:t>Language Style </a:t>
-            </a:r>
-          </a:p>
-          <a:p>
-            <a:pPr lvl="1"/>
-            <a:r>
-              <a:rPr lang="en-US" dirty="0" smtClean="0"/>
-              <a:t>Building control flow statements</a:t>
-            </a:r>
-          </a:p>
-          <a:p>
-            <a:pPr lvl="1"/>
-            <a:r>
-              <a:rPr lang="en-US" dirty="0" smtClean="0"/>
-              <a:t>Looping Statements</a:t>
-            </a:r>
-          </a:p>
-          <a:p>
-            <a:pPr lvl="1"/>
-            <a:r>
-              <a:rPr lang="en-US" dirty="0" smtClean="0"/>
-              <a:t>Concepts of Entity, Process, Architecture, Components and  Packages</a:t>
-            </a:r>
-          </a:p>
-          <a:p>
-            <a:pPr lvl="1"/>
-            <a:r>
-              <a:rPr lang="en-US" dirty="0" smtClean="0"/>
-              <a:t>Concepts of Concurrent and Sequential codes.</a:t>
-            </a:r>
-          </a:p>
-          <a:p>
-            <a:pPr lvl="1"/>
-            <a:r>
-              <a:rPr lang="en-US" dirty="0" smtClean="0"/>
-              <a:t>Implementation of flip flops and counter using VHDL and </a:t>
+              <a:t>Well known Hardware Descriptive Language widely used all over the globe.</a:t>
+            </a:r>
+          </a:p>
+          <a:p>
+            <a:r>
+              <a:rPr lang="en-US" dirty="0" smtClean="0"/>
+              <a:t>Having known the basics of </a:t>
             </a:r>
             <a:r>
               <a:rPr lang="en-US" dirty="0" err="1" smtClean="0"/>
               <a:t>Verilog</a:t>
             </a:r>
-            <a:endParaRPr lang="en-US" dirty="0" smtClean="0"/>
-          </a:p>
-          <a:p>
-            <a:pPr lvl="1"/>
-            <a:r>
-              <a:rPr lang="en-US" dirty="0" smtClean="0"/>
-              <a:t>Getting used to Cadence tool.</a:t>
-            </a:r>
-          </a:p>
-          <a:p>
-            <a:pPr lvl="1"/>
-            <a:r>
-              <a:rPr lang="en-US" dirty="0" smtClean="0"/>
-              <a:t>Simulation and waveform generation using a </a:t>
-            </a:r>
-            <a:r>
-              <a:rPr lang="en-US" dirty="0" err="1" smtClean="0"/>
-              <a:t>Testbench</a:t>
-            </a:r>
-            <a:r>
-              <a:rPr lang="en-US" dirty="0" smtClean="0"/>
-              <a:t> </a:t>
-            </a:r>
-          </a:p>
-          <a:p>
-            <a:pPr lvl="1"/>
-            <a:r>
-              <a:rPr lang="en-US" dirty="0" smtClean="0"/>
-              <a:t>Comparative study of VHDL and </a:t>
+            <a:r>
+              <a:rPr lang="en-US" dirty="0" smtClean="0"/>
+              <a:t>, it was easy to learn the pre-</a:t>
             </a:r>
             <a:r>
               <a:rPr lang="en-US" dirty="0" err="1" smtClean="0"/>
@@ -6218,11 +6199,13 @@
             </a:r>
             <a:r>
               <a:rPr lang="en-US" dirty="0" smtClean="0"/>
-              <a:t> understanding the differences between </a:t>
-            </a:r>
-            <a:r>
-              <a:rPr lang="en-US" smtClean="0"/>
-              <a:t>them.</a:t>
+              <a:t> version i.e.”VHDL”.</a:t>
+            </a:r>
+          </a:p>
+          <a:p>
+            <a:r>
+              <a:rPr lang="en-US" dirty="0" smtClean="0"/>
+              <a:t>VHDL is strongly typed and is known for the standard coding style. This feature gives less flexibility but helps a new person understand the code easily.</a:t>
             </a:r>
           </a:p>
         </p:txBody>
@@ -6302,16 +6285,12 @@
           <a:p>
             <a:r>
               <a:rPr lang="en-US" dirty="0" smtClean="0"/>
-              <a:t>Use of </a:t>
+              <a:t>VHDL and </a:t>
             </a:r>
             <a:r>
               <a:rPr lang="en-US" dirty="0" err="1" smtClean="0"/>
               <a:t>Verilog</a:t>
             </a:r>
-            <a:r>
-              <a:rPr lang="en-US" dirty="0" smtClean="0"/>
-              <a:t> and VHDL</a:t>
-            </a:r>
             <a:endParaRPr lang="en-US" dirty="0"/>
           </a:p>
         </p:txBody>
@@ -6328,74 +6307,103 @@
         </p:nvSpPr>
         <p:spPr/>
         <p:txBody>
-          <a:bodyPr/>
+          <a:bodyPr>
+            <a:normAutofit fontScale="77500" lnSpcReduction="20000"/>
+          </a:bodyPr>
           <a:lstStyle/>
           <a:p>
             <a:r>
               <a:rPr lang="en-US" dirty="0" smtClean="0"/>
-              <a:t>Used </a:t>
+              <a:t>Learning Involved-</a:t>
+            </a:r>
+          </a:p>
+          <a:p>
+            <a:pPr lvl="1"/>
+            <a:r>
+              <a:rPr lang="en-US" dirty="0" smtClean="0"/>
+              <a:t>Language Style </a:t>
+            </a:r>
+          </a:p>
+          <a:p>
+            <a:pPr lvl="1"/>
+            <a:r>
+              <a:rPr lang="en-US" dirty="0" smtClean="0"/>
+              <a:t>Building control flow statements</a:t>
+            </a:r>
+          </a:p>
+          <a:p>
+            <a:pPr lvl="1"/>
+            <a:r>
+              <a:rPr lang="en-US" dirty="0" smtClean="0"/>
+              <a:t>Looping Statements</a:t>
+            </a:r>
+          </a:p>
+          <a:p>
+            <a:pPr lvl="1"/>
+            <a:r>
+              <a:rPr lang="en-US" dirty="0" smtClean="0"/>
+              <a:t>Concepts of Entity, Process, Architecture, Components and  Packages</a:t>
+            </a:r>
+          </a:p>
+          <a:p>
+            <a:pPr lvl="1"/>
+            <a:r>
+              <a:rPr lang="en-US" dirty="0" smtClean="0"/>
+              <a:t>Concepts of Concurrent and Sequential codes.</a:t>
+            </a:r>
+          </a:p>
+          <a:p>
+            <a:pPr lvl="1"/>
+            <a:r>
+              <a:rPr lang="en-US" dirty="0" smtClean="0"/>
+              <a:t>Implementation of flip flops and counter using VHDL and </a:t>
             </a:r>
             <a:r>
               <a:rPr lang="en-US" dirty="0" err="1" smtClean="0"/>
               <a:t>Verilog</a:t>
             </a:r>
-            <a:r>
-              <a:rPr lang="en-US" dirty="0" smtClean="0"/>
-              <a:t> and VHDL till date for development of design and its verification</a:t>
-            </a:r>
-            <a:r>
-              <a:rPr lang="en-US" dirty="0" smtClean="0"/>
-              <a:t>.</a:t>
-            </a:r>
             <a:endParaRPr lang="en-US" dirty="0" smtClean="0"/>
           </a:p>
           <a:p>
-            <a:r>
-              <a:rPr lang="en-US" dirty="0" smtClean="0"/>
-              <a:t>It was used for the design of some basic blocks lik</a:t>
-            </a:r>
-            <a:r>
-              <a:rPr lang="en-US" dirty="0" smtClean="0"/>
-              <a:t>e :</a:t>
-            </a:r>
-          </a:p>
-          <a:p>
             <a:pPr lvl="1"/>
             <a:r>
-              <a:rPr lang="en-US" sz="2400" dirty="0" smtClean="0"/>
-              <a:t>Latch</a:t>
+              <a:rPr lang="en-US" dirty="0" smtClean="0"/>
+              <a:t>Getting used to Cadence tool.</a:t>
             </a:r>
           </a:p>
           <a:p>
             <a:pPr lvl="1"/>
             <a:r>
-              <a:rPr lang="en-US" sz="2400" dirty="0" smtClean="0"/>
-              <a:t>Flip flop</a:t>
+              <a:rPr lang="en-US" dirty="0" smtClean="0"/>
+              <a:t>Simulation and waveform generation using a </a:t>
+            </a:r>
+            <a:r>
+              <a:rPr lang="en-US" dirty="0" err="1" smtClean="0"/>
+              <a:t>Testbench</a:t>
+            </a:r>
+            <a:r>
+              <a:rPr lang="en-US" dirty="0" smtClean="0"/>
+              <a:t> </a:t>
             </a:r>
           </a:p>
           <a:p>
             <a:pPr lvl="1"/>
             <a:r>
-              <a:rPr lang="en-US" sz="2400" dirty="0" smtClean="0"/>
-              <a:t>Counter</a:t>
-            </a:r>
-          </a:p>
-          <a:p>
-            <a:pPr>
-              <a:buNone/>
-            </a:pPr>
-            <a:endParaRPr lang="en-US" dirty="0" smtClean="0"/>
-          </a:p>
-          <a:p>
-            <a:endParaRPr lang="en-US" dirty="0" smtClean="0"/>
-          </a:p>
-          <a:p>
-            <a:pPr lvl="1"/>
-            <a:endParaRPr lang="en-US" dirty="0" smtClean="0"/>
-          </a:p>
-          <a:p>
-            <a:pPr lvl="1"/>
-            <a:endParaRPr lang="en-US" dirty="0"/>
+              <a:rPr lang="en-US" dirty="0" smtClean="0"/>
+              <a:t>Comparative study of VHDL and </a:t>
+            </a:r>
+            <a:r>
+              <a:rPr lang="en-US" dirty="0" err="1" smtClean="0"/>
+              <a:t>Verilog</a:t>
+            </a:r>
+            <a:r>
+              <a:rPr lang="en-US" dirty="0" smtClean="0"/>
+              <a:t> understanding the differences between </a:t>
+            </a:r>
+            <a:r>
+              <a:rPr lang="en-US" smtClean="0"/>
+              <a:t>them.</a:t>
+            </a:r>
           </a:p>
         </p:txBody>
       </p:sp>
@@ -6474,7 +6482,15 @@
           <a:p>
             <a:r>
               <a:rPr lang="en-US" dirty="0" smtClean="0"/>
-              <a:t>Counter Design</a:t>
+              <a:t>Use of </a:t>
+            </a:r>
+            <a:r>
+              <a:rPr lang="en-US" dirty="0" err="1" smtClean="0"/>
+              <a:t>Verilog</a:t>
+            </a:r>
+            <a:r>
+              <a:rPr lang="en-US" dirty="0" smtClean="0"/>
+              <a:t> and VHDL</a:t>
             </a:r>
             <a:endParaRPr lang="en-US" dirty="0"/>
           </a:p>
@@ -6495,10 +6511,61 @@
           <a:bodyPr/>
           <a:lstStyle/>
           <a:p>
-            <a:pPr lvl="1">
-              <a:buFont typeface="Arial" pitchFamily="34" charset="0"/>
-              <a:buChar char="•"/>
+            <a:r>
+              <a:rPr lang="en-US" dirty="0" smtClean="0"/>
+              <a:t>Used </a:t>
+            </a:r>
+            <a:r>
+              <a:rPr lang="en-US" dirty="0" err="1" smtClean="0"/>
+              <a:t>Verilog</a:t>
+            </a:r>
+            <a:r>
+              <a:rPr lang="en-US" dirty="0" smtClean="0"/>
+              <a:t> and VHDL till date for development of design and its verification.</a:t>
+            </a:r>
+          </a:p>
+          <a:p>
+            <a:r>
+              <a:rPr lang="en-US" dirty="0" smtClean="0"/>
+              <a:t>It was used for the design of some basic blocks like :</a:t>
+            </a:r>
+          </a:p>
+          <a:p>
+            <a:pPr lvl="1"/>
+            <a:r>
+              <a:rPr lang="en-US" sz="2400" dirty="0" smtClean="0"/>
+              <a:t>Flip flop</a:t>
+            </a:r>
+          </a:p>
+          <a:p>
+            <a:pPr lvl="1"/>
+            <a:r>
+              <a:rPr lang="en-US" sz="2400" dirty="0" smtClean="0"/>
+              <a:t>Multiplexer</a:t>
+            </a:r>
+          </a:p>
+          <a:p>
+            <a:pPr lvl="1"/>
+            <a:r>
+              <a:rPr lang="en-US" sz="2400" dirty="0" smtClean="0"/>
+              <a:t>Counter</a:t>
+            </a:r>
+          </a:p>
+          <a:p>
+            <a:pPr>
+              <a:buNone/>
             </a:pPr>
+            <a:endParaRPr lang="en-US" dirty="0" smtClean="0"/>
+          </a:p>
+          <a:p>
+            <a:endParaRPr lang="en-US" dirty="0" smtClean="0"/>
+          </a:p>
+          <a:p>
+            <a:pPr lvl="1"/>
+            <a:endParaRPr lang="en-US" dirty="0" smtClean="0"/>
+          </a:p>
+          <a:p>
+            <a:pPr lvl="1"/>
             <a:endParaRPr lang="en-US" dirty="0"/>
           </a:p>
         </p:txBody>
@@ -6564,21 +6631,14 @@
             <p:ph type="title"/>
           </p:nvPr>
         </p:nvSpPr>
-        <p:spPr>
-          <a:xfrm>
-            <a:off x="457200" y="609600"/>
-            <a:ext cx="8229600" cy="1143000"/>
-          </a:xfrm>
-        </p:spPr>
-        <p:txBody>
-          <a:bodyPr>
-            <a:normAutofit/>
-          </a:bodyPr>
+        <p:spPr/>
+        <p:txBody>
+          <a:bodyPr/>
           <a:lstStyle/>
           <a:p>
             <a:r>
               <a:rPr lang="en-US" dirty="0" smtClean="0"/>
-              <a:t>Counter Design</a:t>
+              <a:t>Hardware Implementation</a:t>
             </a:r>
             <a:endParaRPr lang="en-US" dirty="0"/>
           </a:p>
@@ -6596,106 +6656,44 @@
         </p:nvSpPr>
         <p:spPr/>
         <p:txBody>
-          <a:bodyPr>
-            <a:normAutofit lnSpcReduction="10000"/>
-          </a:bodyPr>
+          <a:bodyPr/>
           <a:lstStyle/>
           <a:p>
             <a:r>
               <a:rPr lang="en-US" dirty="0" smtClean="0"/>
-              <a:t>Design of a synchronous and asynchronous counter using both </a:t>
-            </a:r>
+              <a:t>Counter</a:t>
+            </a:r>
+          </a:p>
+          <a:p>
+            <a:r>
+              <a:rPr lang="en-US" dirty="0" smtClean="0"/>
+              <a:t>Memory	</a:t>
+            </a:r>
+          </a:p>
+          <a:p>
+            <a:r>
+              <a:rPr lang="en-US" dirty="0" smtClean="0"/>
+              <a:t>Synch FIFO (one clock)</a:t>
+            </a:r>
+          </a:p>
+          <a:p>
+            <a:r>
+              <a:rPr lang="en-US" dirty="0" smtClean="0"/>
+              <a:t>Synch FIFO (multi clock)</a:t>
+            </a:r>
+          </a:p>
+          <a:p>
             <a:r>
               <a:rPr lang="en-US" dirty="0" err="1" smtClean="0"/>
-              <a:t>Verilog</a:t>
-            </a:r>
-            <a:r>
-              <a:rPr lang="en-US" dirty="0" smtClean="0"/>
-              <a:t> and VHDL.</a:t>
-            </a:r>
-          </a:p>
-          <a:p>
-            <a:r>
-              <a:rPr lang="en-US" dirty="0" smtClean="0"/>
-              <a:t>Inputs:</a:t>
-            </a:r>
-          </a:p>
-          <a:p>
-            <a:pPr lvl="1"/>
-            <a:r>
-              <a:rPr lang="en-US" sz="2000" dirty="0" smtClean="0"/>
-              <a:t>Clock</a:t>
-            </a:r>
-          </a:p>
-          <a:p>
-            <a:pPr lvl="1"/>
-            <a:r>
-              <a:rPr lang="en-US" sz="2000" dirty="0" smtClean="0"/>
-              <a:t>Reset</a:t>
-            </a:r>
-          </a:p>
-          <a:p>
-            <a:pPr lvl="1"/>
-            <a:r>
-              <a:rPr lang="en-US" sz="2000" dirty="0" smtClean="0"/>
-              <a:t>Enable</a:t>
-            </a:r>
-          </a:p>
-          <a:p>
-            <a:r>
-              <a:rPr lang="en-US" dirty="0" smtClean="0"/>
-              <a:t>Outputs:</a:t>
-            </a:r>
-          </a:p>
-          <a:p>
-            <a:pPr lvl="1"/>
-            <a:r>
-              <a:rPr lang="en-US" sz="2000" dirty="0" smtClean="0"/>
-              <a:t>Count</a:t>
-            </a:r>
-            <a:endParaRPr lang="en-US" dirty="0" smtClean="0"/>
-          </a:p>
-          <a:p>
-            <a:r>
-              <a:rPr lang="en-US" dirty="0" err="1" smtClean="0"/>
-              <a:t>Verilog</a:t>
-            </a:r>
-            <a:r>
-              <a:rPr lang="en-US" dirty="0" smtClean="0"/>
-              <a:t> and VHDL test benches were developed for the same.</a:t>
-            </a:r>
-          </a:p>
-          <a:p>
-            <a:endParaRPr lang="en-US" dirty="0" smtClean="0"/>
-          </a:p>
-        </p:txBody>
-      </p:sp>
-      <p:pic>
-        <p:nvPicPr>
-          <p:cNvPr id="4" name="Picture 2" descr="http://www.suggestcamera.com/wp-content/uploads/2015/08/Canon-logo.png"/>
-          <p:cNvPicPr>
-            <a:picLocks noChangeAspect="1" noChangeArrowheads="1"/>
-          </p:cNvPicPr>
-          <p:nvPr/>
-        </p:nvPicPr>
-        <p:blipFill>
-          <a:blip r:embed="rId2" cstate="print"/>
-          <a:srcRect/>
-          <a:stretch>
-            <a:fillRect/>
-          </a:stretch>
-        </p:blipFill>
-        <p:spPr bwMode="auto">
-          <a:xfrm>
-            <a:off x="0" y="0"/>
-            <a:ext cx="1981200" cy="554117"/>
-          </a:xfrm>
-          <a:prstGeom prst="rect">
-            <a:avLst/>
-          </a:prstGeom>
-          <a:noFill/>
-        </p:spPr>
-      </p:pic>
+              <a:t>Asynch</a:t>
+            </a:r>
+            <a:r>
+              <a:rPr lang="en-US" dirty="0" smtClean="0"/>
+              <a:t> FIFO</a:t>
+            </a:r>
+          </a:p>
+        </p:txBody>
+      </p:sp>
     </p:spTree>
   </p:cSld>
   <p:clrMapOvr>
@@ -6745,41 +6743,35 @@
           <a:p>
             <a:r>
               <a:rPr lang="en-US" dirty="0" smtClean="0"/>
-              <a:t>Hardware </a:t>
-            </a:r>
-            <a:r>
-              <a:rPr lang="en-US" dirty="0" err="1" smtClean="0"/>
-              <a:t>realisation</a:t>
-            </a:r>
-            <a:r>
-              <a:rPr lang="en-US" dirty="0" smtClean="0"/>
-              <a:t> of Counter</a:t>
+              <a:t>Counter Design</a:t>
             </a:r>
             <a:endParaRPr lang="en-US" dirty="0"/>
           </a:p>
         </p:txBody>
       </p:sp>
-      <p:sp>
-        <p:nvSpPr>
-          <p:cNvPr id="3" name="Content Placeholder 2"/>
-          <p:cNvSpPr>
-            <a:spLocks noGrp="1"/>
-          </p:cNvSpPr>
+      <p:pic>
+        <p:nvPicPr>
+          <p:cNvPr id="5" name="Content Placeholder 4" descr="seq25.gif"/>
+          <p:cNvPicPr>
+            <a:picLocks noGrp="1" noChangeAspect="1"/>
+          </p:cNvPicPr>
           <p:nvPr>
             <p:ph idx="1"/>
           </p:nvPr>
-        </p:nvSpPr>
-        <p:spPr/>
-        <p:txBody>
-          <a:bodyPr>
-            <a:normAutofit/>
-          </a:bodyPr>
-          <a:lstStyle/>
-          <a:p>
-            <a:endParaRPr lang="en-US" dirty="0" smtClean="0"/>
-          </a:p>
-        </p:txBody>
-      </p:sp>
+        </p:nvPicPr>
+        <p:blipFill>
+          <a:blip r:embed="rId2" cstate="print"/>
+          <a:stretch>
+            <a:fillRect/>
+          </a:stretch>
+        </p:blipFill>
+        <p:spPr>
+          <a:xfrm>
+            <a:off x="1676400" y="1981200"/>
+            <a:ext cx="5855884" cy="3263106"/>
+          </a:xfrm>
+        </p:spPr>
+      </p:pic>
       <p:pic>
         <p:nvPicPr>
           <p:cNvPr id="4" name="Picture 2" descr="http://www.suggestcamera.com/wp-content/uploads/2015/08/Canon-logo.png"/>
@@ -6789,7 +6781,7 @@
           <p:nvPr/>
         </p:nvPicPr>
         <p:blipFill>
-          <a:blip r:embed="rId2" cstate="print"/>
+          <a:blip r:embed="rId3" cstate="print"/>
           <a:srcRect/>
           <a:stretch>
             <a:fillRect/>
@@ -6855,7 +6847,7 @@
           <a:p>
             <a:r>
               <a:rPr lang="en-US" dirty="0" smtClean="0"/>
-              <a:t>Memory Design</a:t>
+              <a:t>Counter Design</a:t>
             </a:r>
             <a:endParaRPr lang="en-US" dirty="0"/>
           </a:p>
@@ -6874,13 +6866,13 @@
         <p:spPr/>
         <p:txBody>
           <a:bodyPr>
-            <a:normAutofit fontScale="92500" lnSpcReduction="10000"/>
+            <a:normAutofit fontScale="92500" lnSpcReduction="20000"/>
           </a:bodyPr>
           <a:lstStyle/>
           <a:p>
             <a:r>
               <a:rPr lang="en-US" dirty="0" smtClean="0"/>
-              <a:t>Design of a memory using both </a:t>
+              <a:t>Design of a synchronous and asynchronous counter using both </a:t>
             </a:r>
             <a:r>
               <a:rPr lang="en-US" dirty="0" err="1" smtClean="0"/>
@@ -6901,52 +6893,41 @@
             <a:pPr lvl="1"/>
             <a:r>
               <a:rPr lang="en-US" sz="2000" dirty="0" smtClean="0"/>
-              <a:t>Write Enable</a:t>
+              <a:t>Clock</a:t>
             </a:r>
           </a:p>
           <a:p>
             <a:pPr lvl="1"/>
             <a:r>
               <a:rPr lang="en-US" sz="2000" dirty="0" smtClean="0"/>
-              <a:t>Read Enable</a:t>
+              <a:t>Reset</a:t>
             </a:r>
           </a:p>
           <a:p>
             <a:pPr lvl="1"/>
             <a:r>
               <a:rPr lang="en-US" sz="2000" dirty="0" smtClean="0"/>
-              <a:t>Read pointer </a:t>
+              <a:t>Enable</a:t>
+            </a:r>
+          </a:p>
+          <a:p>
+            <a:r>
+              <a:rPr lang="en-US" dirty="0" smtClean="0"/>
+              <a:t>Outputs:</a:t>
             </a:r>
           </a:p>
           <a:p>
             <a:pPr lvl="1"/>
             <a:r>
-              <a:rPr lang="en-US" sz="2000" dirty="0" smtClean="0"/>
-              <a:t>Write pointer</a:t>
-            </a:r>
-          </a:p>
-          <a:p>
-            <a:pPr lvl="1"/>
-            <a:r>
-              <a:rPr lang="en-US" sz="2000" dirty="0" smtClean="0"/>
-              <a:t>Data in</a:t>
-            </a:r>
-            <a:endParaRPr lang="en-US" sz="2000" dirty="0" smtClean="0"/>
-          </a:p>
-          <a:p>
-            <a:r>
-              <a:rPr lang="en-US" dirty="0" smtClean="0"/>
-              <a:t>Output:</a:t>
-            </a:r>
-            <a:endParaRPr lang="en-US" dirty="0" smtClean="0"/>
-          </a:p>
-          <a:p>
-            <a:pPr lvl="1"/>
-            <a:r>
-              <a:rPr lang="en-US" sz="2000" dirty="0" smtClean="0"/>
-              <a:t>Data out</a:t>
-            </a:r>
-            <a:endParaRPr lang="en-US" dirty="0" smtClean="0"/>
+              <a:rPr lang="en-US" dirty="0" smtClean="0"/>
+              <a:t>Count</a:t>
+            </a:r>
+          </a:p>
+          <a:p>
+            <a:r>
+              <a:rPr lang="en-US" dirty="0" smtClean="0"/>
+              <a:t>Depth(generic variable) </a:t>
+            </a:r>
           </a:p>
           <a:p>
             <a:r>
@@ -6959,6 +6940,9 @@
             </a:r>
           </a:p>
           <a:p>
+            <a:pPr>
+              <a:buNone/>
+            </a:pPr>
             <a:endParaRPr lang="en-US" dirty="0" smtClean="0"/>
           </a:p>
         </p:txBody>
@@ -7038,137 +7022,35 @@
           <a:p>
             <a:r>
               <a:rPr lang="en-US" dirty="0" smtClean="0"/>
-              <a:t>FIFO Design</a:t>
+              <a:t>Hardware realization of Counter</a:t>
             </a:r>
             <a:endParaRPr lang="en-US" dirty="0"/>
           </a:p>
         </p:txBody>
       </p:sp>
-      <p:sp>
-        <p:nvSpPr>
-          <p:cNvPr id="3" name="Content Placeholder 2"/>
-          <p:cNvSpPr>
-            <a:spLocks noGrp="1"/>
-          </p:cNvSpPr>
+      <p:pic>
+        <p:nvPicPr>
+          <p:cNvPr id="5" name="Content Placeholder 4" descr="1214_001p.jpg"/>
+          <p:cNvPicPr>
+            <a:picLocks noGrp="1" noChangeAspect="1"/>
+          </p:cNvPicPr>
           <p:nvPr>
             <p:ph idx="1"/>
           </p:nvPr>
-        </p:nvSpPr>
-        <p:spPr/>
-        <p:txBody>
-          <a:bodyPr>
-            <a:normAutofit fontScale="70000" lnSpcReduction="20000"/>
-          </a:bodyPr>
-          <a:lstStyle/>
-          <a:p>
-            <a:r>
-              <a:rPr lang="en-US" dirty="0" smtClean="0"/>
-              <a:t>Design of a FIFO using VHDL.</a:t>
-            </a:r>
-          </a:p>
-          <a:p>
-            <a:r>
-              <a:rPr lang="en-US" dirty="0" smtClean="0"/>
-              <a:t>Inputs:</a:t>
-            </a:r>
-          </a:p>
-          <a:p>
-            <a:pPr lvl="1"/>
-            <a:r>
-              <a:rPr lang="en-US" sz="2000" dirty="0" smtClean="0"/>
-              <a:t>Push</a:t>
-            </a:r>
-          </a:p>
-          <a:p>
-            <a:pPr lvl="1"/>
-            <a:r>
-              <a:rPr lang="en-US" sz="2000" dirty="0" smtClean="0"/>
-              <a:t>Pop</a:t>
-            </a:r>
-          </a:p>
-          <a:p>
-            <a:pPr lvl="1"/>
-            <a:r>
-              <a:rPr lang="en-US" sz="2000" dirty="0" smtClean="0"/>
-              <a:t>Clock </a:t>
-            </a:r>
-          </a:p>
-          <a:p>
-            <a:pPr lvl="1"/>
-            <a:r>
-              <a:rPr lang="en-US" sz="2000" dirty="0" smtClean="0"/>
-              <a:t>Reset</a:t>
-            </a:r>
-          </a:p>
-          <a:p>
-            <a:pPr lvl="1"/>
-            <a:r>
-              <a:rPr lang="en-US" sz="2000" dirty="0" smtClean="0"/>
-              <a:t>Data in</a:t>
-            </a:r>
-            <a:endParaRPr lang="en-US" sz="2000" dirty="0" smtClean="0"/>
-          </a:p>
-          <a:p>
-            <a:r>
-              <a:rPr lang="en-US" dirty="0" smtClean="0"/>
-              <a:t>Output:</a:t>
-            </a:r>
-            <a:endParaRPr lang="en-US" dirty="0" smtClean="0"/>
-          </a:p>
-          <a:p>
-            <a:pPr lvl="1"/>
-            <a:r>
-              <a:rPr lang="en-US" sz="2000" dirty="0" smtClean="0"/>
-              <a:t>Data out</a:t>
-            </a:r>
-          </a:p>
-          <a:p>
-            <a:pPr lvl="1"/>
-            <a:r>
-              <a:rPr lang="en-US" sz="2000" dirty="0" smtClean="0"/>
-              <a:t>Full</a:t>
-            </a:r>
-          </a:p>
-          <a:p>
-            <a:pPr lvl="1"/>
-            <a:r>
-              <a:rPr lang="en-US" sz="2000" dirty="0" smtClean="0"/>
-              <a:t>Empty</a:t>
-            </a:r>
-          </a:p>
-          <a:p>
-            <a:pPr lvl="1"/>
-            <a:r>
-              <a:rPr lang="en-US" sz="2000" dirty="0" smtClean="0"/>
-              <a:t>Almost Full</a:t>
-            </a:r>
-          </a:p>
-          <a:p>
-            <a:pPr lvl="1"/>
-            <a:r>
-              <a:rPr lang="en-US" sz="2000" dirty="0" smtClean="0"/>
-              <a:t>Almost Empty</a:t>
-            </a:r>
-            <a:endParaRPr lang="en-US" dirty="0" smtClean="0"/>
-          </a:p>
-          <a:p>
-            <a:r>
-              <a:rPr lang="en-US" dirty="0" smtClean="0"/>
-              <a:t>Depth, width and Threshold were used as parameters.</a:t>
-            </a:r>
-          </a:p>
-          <a:p>
-            <a:r>
-              <a:rPr lang="en-US" dirty="0" err="1" smtClean="0"/>
-              <a:t>Verilog</a:t>
-            </a:r>
-            <a:r>
-              <a:rPr lang="en-US" dirty="0" smtClean="0"/>
-              <a:t> and VHDL test benches were developed for the same.</a:t>
-            </a:r>
-          </a:p>
-        </p:txBody>
-      </p:sp>
+        </p:nvPicPr>
+        <p:blipFill>
+          <a:blip r:embed="rId2" cstate="print"/>
+          <a:stretch>
+            <a:fillRect/>
+          </a:stretch>
+        </p:blipFill>
+        <p:spPr>
+          <a:xfrm>
+            <a:off x="2057400" y="1676400"/>
+            <a:ext cx="5745626" cy="4026408"/>
+          </a:xfrm>
+        </p:spPr>
+      </p:pic>
       <p:pic>
         <p:nvPicPr>
           <p:cNvPr id="4" name="Picture 2" descr="http://www.suggestcamera.com/wp-content/uploads/2015/08/Canon-logo.png"/>
@@ -7178,7 +7060,7 @@
           <p:nvPr/>
         </p:nvPicPr>
         <p:blipFill>
-          <a:blip r:embed="rId2" cstate="print"/>
+          <a:blip r:embed="rId3" cstate="print"/>
           <a:srcRect/>
           <a:stretch>
             <a:fillRect/>
@@ -7244,7 +7126,7 @@
           <a:p>
             <a:r>
               <a:rPr lang="en-US" dirty="0" smtClean="0"/>
-              <a:t>FIFO Design</a:t>
+              <a:t>Memory Design</a:t>
             </a:r>
             <a:endParaRPr lang="en-US" dirty="0"/>
           </a:p>
@@ -7263,44 +7145,90 @@
         <p:spPr/>
         <p:txBody>
           <a:bodyPr>
-            <a:normAutofit lnSpcReduction="10000"/>
+            <a:normAutofit fontScale="92500" lnSpcReduction="10000"/>
           </a:bodyPr>
           <a:lstStyle/>
           <a:p>
             <a:r>
               <a:rPr lang="en-US" dirty="0" smtClean="0"/>
-              <a:t>Single Controller based design for the FIFO was developed </a:t>
-            </a:r>
-            <a:r>
-              <a:rPr lang="en-US" dirty="0" smtClean="0"/>
-              <a:t>making use of only one clock for both read and write operations.</a:t>
-            </a:r>
-          </a:p>
-          <a:p>
-            <a:r>
-              <a:rPr lang="en-US" dirty="0" smtClean="0"/>
-              <a:t>Practically a read and write clock is used for the same.</a:t>
-            </a:r>
-          </a:p>
-          <a:p>
-            <a:r>
-              <a:rPr lang="en-US" dirty="0" smtClean="0"/>
-              <a:t>The design had to have two clocks: read clock and write clock.</a:t>
-            </a:r>
-          </a:p>
-          <a:p>
-            <a:r>
-              <a:rPr lang="en-US" dirty="0" smtClean="0"/>
-              <a:t>Then came of problem of </a:t>
+              <a:t>Design of a memory using both </a:t>
             </a:r>
             <a:r>
               <a:rPr lang="en-US" dirty="0" err="1" smtClean="0"/>
-              <a:t>metastability</a:t>
-            </a:r>
-            <a:r>
-              <a:rPr lang="en-US" dirty="0" smtClean="0"/>
-              <a:t> in states due to clock domain crossing</a:t>
-            </a:r>
+              <a:t>Verilog</a:t>
+            </a:r>
+            <a:r>
+              <a:rPr lang="en-US" dirty="0" smtClean="0"/>
+              <a:t> and VHDL.</a:t>
+            </a:r>
+          </a:p>
+          <a:p>
+            <a:r>
+              <a:rPr lang="en-US" dirty="0" smtClean="0"/>
+              <a:t>Inputs:</a:t>
+            </a:r>
+          </a:p>
+          <a:p>
+            <a:pPr lvl="1"/>
+            <a:r>
+              <a:rPr lang="en-US" sz="2000" dirty="0" smtClean="0"/>
+              <a:t>Write Enable</a:t>
+            </a:r>
+          </a:p>
+          <a:p>
+            <a:pPr lvl="1"/>
+            <a:r>
+              <a:rPr lang="en-US" sz="2000" dirty="0" smtClean="0"/>
+              <a:t>Read Enable</a:t>
+            </a:r>
+          </a:p>
+          <a:p>
+            <a:pPr lvl="1"/>
+            <a:r>
+              <a:rPr lang="en-US" sz="2000" dirty="0" smtClean="0"/>
+              <a:t>Read pointer </a:t>
+            </a:r>
+          </a:p>
+          <a:p>
+            <a:pPr lvl="1"/>
+            <a:r>
+              <a:rPr lang="en-US" sz="2000" dirty="0" smtClean="0"/>
+              <a:t>Write pointer</a:t>
+            </a:r>
+          </a:p>
+          <a:p>
+            <a:pPr lvl="1"/>
+            <a:r>
+              <a:rPr lang="en-US" sz="2000" dirty="0" smtClean="0"/>
+              <a:t>Data in</a:t>
+            </a:r>
+          </a:p>
+          <a:p>
+            <a:r>
+              <a:rPr lang="en-US" dirty="0" smtClean="0"/>
+              <a:t>Output:</a:t>
+            </a:r>
+          </a:p>
+          <a:p>
+            <a:pPr lvl="1"/>
+            <a:r>
+              <a:rPr lang="en-US" sz="2000" dirty="0" smtClean="0"/>
+              <a:t>Data out</a:t>
+            </a:r>
+            <a:endParaRPr lang="en-US" dirty="0" smtClean="0"/>
+          </a:p>
+          <a:p>
+            <a:r>
+              <a:rPr lang="en-US" dirty="0" err="1" smtClean="0"/>
+              <a:t>Verilog</a:t>
+            </a:r>
+            <a:r>
+              <a:rPr lang="en-US" dirty="0" smtClean="0"/>
+              <a:t> and VHDL test benches were developed for the same.</a:t>
+            </a:r>
+          </a:p>
+          <a:p>
+            <a:endParaRPr lang="en-US" dirty="0" smtClean="0"/>
           </a:p>
         </p:txBody>
       </p:sp>
@@ -7379,7 +7307,7 @@
           <a:p>
             <a:r>
               <a:rPr lang="en-US" dirty="0" smtClean="0"/>
-              <a:t>Clock domain crossing</a:t>
+              <a:t>FIFO Design</a:t>
             </a:r>
             <a:endParaRPr lang="en-US" dirty="0"/>
           </a:p>
@@ -7398,13 +7326,112 @@
         <p:spPr/>
         <p:txBody>
           <a:bodyPr>
-            <a:normAutofit/>
+            <a:normAutofit fontScale="70000" lnSpcReduction="20000"/>
           </a:bodyPr>
           <a:lstStyle/>
           <a:p>
             <a:r>
               <a:rPr lang="en-US" dirty="0" smtClean="0"/>
-              <a:t>Clock domain crossing</a:t>
+              <a:t>Design of a FIFO using VHDL.</a:t>
+            </a:r>
+          </a:p>
+          <a:p>
+            <a:r>
+              <a:rPr lang="en-US" dirty="0" smtClean="0"/>
+              <a:t>Inputs:</a:t>
+            </a:r>
+          </a:p>
+          <a:p>
+            <a:pPr lvl="1"/>
+            <a:r>
+              <a:rPr lang="en-US" sz="2000" dirty="0" smtClean="0"/>
+              <a:t>Push</a:t>
+            </a:r>
+          </a:p>
+          <a:p>
+            <a:pPr lvl="1"/>
+            <a:r>
+              <a:rPr lang="en-US" sz="2000" dirty="0" smtClean="0"/>
+              <a:t>Pop</a:t>
+            </a:r>
+          </a:p>
+          <a:p>
+            <a:pPr lvl="1"/>
+            <a:r>
+              <a:rPr lang="en-US" sz="2000" dirty="0" smtClean="0"/>
+              <a:t>Clock </a:t>
+            </a:r>
+          </a:p>
+          <a:p>
+            <a:pPr lvl="1"/>
+            <a:r>
+              <a:rPr lang="en-US" sz="2000" dirty="0" smtClean="0"/>
+              <a:t>Reset</a:t>
+            </a:r>
+          </a:p>
+          <a:p>
+            <a:pPr lvl="1"/>
+            <a:r>
+              <a:rPr lang="en-US" sz="2000" dirty="0" smtClean="0"/>
+              <a:t>Data in</a:t>
+            </a:r>
+          </a:p>
+          <a:p>
+            <a:r>
+              <a:rPr lang="en-US" dirty="0" smtClean="0"/>
+              <a:t>Output:</a:t>
+            </a:r>
+          </a:p>
+          <a:p>
+            <a:pPr lvl="1"/>
+            <a:r>
+              <a:rPr lang="en-US" sz="2000" dirty="0" smtClean="0"/>
+              <a:t>Data out</a:t>
+            </a:r>
+          </a:p>
+          <a:p>
+            <a:pPr lvl="1"/>
+            <a:r>
+              <a:rPr lang="en-US" sz="2000" dirty="0" smtClean="0"/>
+              <a:t>Full</a:t>
+            </a:r>
+          </a:p>
+          <a:p>
+            <a:pPr lvl="1"/>
+            <a:r>
+              <a:rPr lang="en-US" sz="2000" dirty="0" smtClean="0"/>
+              <a:t>Empty</a:t>
+            </a:r>
+          </a:p>
+          <a:p>
+            <a:pPr lvl="1"/>
+            <a:r>
+              <a:rPr lang="en-US" sz="2000" dirty="0" smtClean="0"/>
+              <a:t>Almost Full</a:t>
+            </a:r>
+          </a:p>
+          <a:p>
+            <a:pPr lvl="1"/>
+            <a:r>
+              <a:rPr lang="en-US" sz="2000" dirty="0" smtClean="0"/>
+              <a:t>Almost Empty</a:t>
+            </a:r>
+            <a:endParaRPr lang="en-US" dirty="0" smtClean="0"/>
+          </a:p>
+          <a:p>
+            <a:r>
+              <a:rPr lang="en-US" dirty="0" smtClean="0"/>
+              <a:t>Depth, width and Threshold were used as parameters.</a:t>
+            </a:r>
+          </a:p>
+          <a:p>
+            <a:r>
+              <a:rPr lang="en-US" dirty="0" err="1" smtClean="0"/>
+              <a:t>Verilog</a:t>
+            </a:r>
+            <a:r>
+              <a:rPr lang="en-US" dirty="0" smtClean="0"/>
+              <a:t> and VHDL test benches were developed for the same.</a:t>
             </a:r>
           </a:p>
         </p:txBody>
@@ -7484,7 +7511,7 @@
           <a:p>
             <a:r>
               <a:rPr lang="en-US" dirty="0" smtClean="0"/>
-              <a:t>Redesign of FIFO using CDC</a:t>
+              <a:t>FIFO Design</a:t>
             </a:r>
             <a:endParaRPr lang="en-US" dirty="0"/>
           </a:p>
@@ -7503,15 +7530,40 @@
         <p:spPr/>
         <p:txBody>
           <a:bodyPr>
-            <a:normAutofit/>
+            <a:normAutofit lnSpcReduction="10000"/>
           </a:bodyPr>
           <a:lstStyle/>
           <a:p>
             <a:r>
-              <a:rPr lang="en-US" smtClean="0"/>
-              <a:t>Clock</a:t>
-            </a:r>
-            <a:endParaRPr lang="en-US" dirty="0" smtClean="0"/>
+              <a:rPr lang="en-US" dirty="0" smtClean="0"/>
+              <a:t>Single Controller based design for the FIFO was developed making use of only one clock for both read and write operations.</a:t>
+            </a:r>
+          </a:p>
+          <a:p>
+            <a:r>
+              <a:rPr lang="en-US" dirty="0" smtClean="0"/>
+              <a:t>Practically a read and write clock is used for the same.</a:t>
+            </a:r>
+          </a:p>
+          <a:p>
+            <a:r>
+              <a:rPr lang="en-US" dirty="0" smtClean="0"/>
+              <a:t>The design had to have two clocks: read clock and write clock.</a:t>
+            </a:r>
+          </a:p>
+          <a:p>
+            <a:r>
+              <a:rPr lang="en-US" dirty="0" smtClean="0"/>
+              <a:t>Then came of problem of </a:t>
+            </a:r>
+            <a:r>
+              <a:rPr lang="en-US" dirty="0" err="1" smtClean="0"/>
+              <a:t>metastability</a:t>
+            </a:r>
+            <a:r>
+              <a:rPr lang="en-US" dirty="0" smtClean="0"/>
+              <a:t> in states due to clock domain crossing</a:t>
+            </a:r>
           </a:p>
         </p:txBody>
       </p:sp>
@@ -7576,36 +7628,6 @@
             <p:ph type="title"/>
           </p:nvPr>
         </p:nvSpPr>
-        <p:spPr>
-          <a:xfrm>
-            <a:off x="457200" y="609600"/>
-            <a:ext cx="8229600" cy="1143000"/>
-          </a:xfrm>
-        </p:spPr>
-        <p:txBody>
-          <a:bodyPr>
-            <a:normAutofit/>
-          </a:bodyPr>
-          <a:lstStyle/>
-          <a:p>
-            <a:r>
-              <a:rPr lang="en-US" dirty="0" smtClean="0"/>
-              <a:t>Life Before Joining CANON</a:t>
-            </a:r>
-            <a:endParaRPr lang="en-US" dirty="0"/>
-          </a:p>
-        </p:txBody>
-      </p:sp>
-      <p:sp>
-        <p:nvSpPr>
-          <p:cNvPr id="3" name="Content Placeholder 2"/>
-          <p:cNvSpPr>
-            <a:spLocks noGrp="1"/>
-          </p:cNvSpPr>
-          <p:nvPr>
-            <p:ph idx="1"/>
-          </p:nvPr>
-        </p:nvSpPr>
         <p:spPr/>
         <p:txBody>
           <a:bodyPr/>
@@ -7613,34 +7635,92 @@
           <a:p>
             <a:r>
               <a:rPr lang="en-US" dirty="0" smtClean="0"/>
-              <a:t>Worked on Linux platform for simple applications. </a:t>
-            </a:r>
-          </a:p>
-          <a:p>
-            <a:r>
-              <a:rPr lang="en-US" dirty="0" smtClean="0"/>
-              <a:t>Knew only C programming and Java.</a:t>
-            </a:r>
-          </a:p>
-          <a:p>
-            <a:r>
-              <a:rPr lang="en-US" dirty="0" smtClean="0"/>
-              <a:t>Learnt basics of </a:t>
-            </a:r>
-            <a:r>
-              <a:rPr lang="en-US" dirty="0" err="1" smtClean="0"/>
+              <a:t>Agenda</a:t>
+            </a:r>
+            <a:endParaRPr lang="en-US" dirty="0"/>
+          </a:p>
+        </p:txBody>
+      </p:sp>
+      <p:sp>
+        <p:nvSpPr>
+          <p:cNvPr id="3" name="Content Placeholder 2"/>
+          <p:cNvSpPr>
+            <a:spLocks noGrp="1"/>
+          </p:cNvSpPr>
+          <p:nvPr>
+            <p:ph idx="1"/>
+          </p:nvPr>
+        </p:nvSpPr>
+        <p:spPr/>
+        <p:txBody>
+          <a:bodyPr/>
+          <a:lstStyle/>
+          <a:p>
+            <a:r>
+              <a:rPr lang="en-US" dirty="0" smtClean="0"/>
+              <a:t>Before Joining Canon : Overview</a:t>
+            </a:r>
+          </a:p>
+          <a:p>
+            <a:r>
+              <a:rPr lang="en-US" dirty="0"/>
+              <a:t>Lessons learnt at </a:t>
+            </a:r>
+            <a:r>
+              <a:rPr lang="en-US" dirty="0" smtClean="0"/>
+              <a:t>Canon</a:t>
+            </a:r>
+          </a:p>
+          <a:p>
+            <a:pPr lvl="1"/>
+            <a:r>
+              <a:rPr lang="en-US" dirty="0"/>
+              <a:t>PERL Programming</a:t>
+            </a:r>
+          </a:p>
+          <a:p>
+            <a:pPr lvl="1"/>
+            <a:r>
+              <a:rPr lang="en-US" dirty="0"/>
+              <a:t>UNIX and Shell Programming</a:t>
+            </a:r>
+          </a:p>
+          <a:p>
+            <a:pPr lvl="1"/>
+            <a:r>
+              <a:rPr lang="en-US" dirty="0"/>
+              <a:t>VHDL and Verilog</a:t>
+            </a:r>
+          </a:p>
+          <a:p>
+            <a:pPr lvl="1"/>
+            <a:r>
+              <a:rPr lang="en-US" dirty="0"/>
+              <a:t>System </a:t>
+            </a:r>
+            <a:r>
+              <a:rPr lang="en-US" dirty="0" smtClean="0"/>
               <a:t>Verilog</a:t>
             </a:r>
-            <a:r>
-              <a:rPr lang="en-US" dirty="0" smtClean="0"/>
-              <a:t>.</a:t>
-            </a:r>
-          </a:p>
-          <a:p>
-            <a:r>
-              <a:rPr lang="en-US" dirty="0" smtClean="0"/>
-              <a:t>Interested towards VLSI, Artificial Intelligence and concepts related to Image Processing.</a:t>
-            </a:r>
+          </a:p>
+          <a:p>
+            <a:r>
+              <a:rPr lang="en-US" dirty="0"/>
+              <a:t>Hardware Implementation</a:t>
+            </a:r>
+            <a:endParaRPr lang="en-US" dirty="0" smtClean="0"/>
+          </a:p>
+          <a:p>
+            <a:endParaRPr lang="en-US" dirty="0" smtClean="0"/>
+          </a:p>
+          <a:p>
+            <a:endParaRPr lang="en-US" dirty="0" smtClean="0"/>
+          </a:p>
+          <a:p>
+            <a:endParaRPr lang="en-US" dirty="0" smtClean="0"/>
+          </a:p>
+          <a:p>
+            <a:endParaRPr lang="en-US" dirty="0" smtClean="0"/>
           </a:p>
         </p:txBody>
       </p:sp>
@@ -7718,16 +7798,8 @@
           <a:lstStyle/>
           <a:p>
             <a:r>
-              <a:rPr lang="en-US" dirty="0" smtClean="0"/>
-              <a:t>Use of </a:t>
-            </a:r>
-            <a:r>
               <a:rPr lang="en-US" dirty="0" err="1" smtClean="0"/>
-              <a:t>Verilog</a:t>
-            </a:r>
-            <a:r>
-              <a:rPr lang="en-US" dirty="0" smtClean="0"/>
-              <a:t> and VHDL</a:t>
+              <a:t>Metastability</a:t>
             </a:r>
             <a:endParaRPr lang="en-US" dirty="0"/>
           </a:p>
@@ -7745,50 +7817,61 @@
         </p:nvSpPr>
         <p:spPr/>
         <p:txBody>
-          <a:bodyPr/>
+          <a:bodyPr>
+            <a:normAutofit lnSpcReduction="10000"/>
+          </a:bodyPr>
           <a:lstStyle/>
           <a:p>
             <a:r>
-              <a:rPr lang="en-US" dirty="0" smtClean="0"/>
-              <a:t>I have used </a:t>
-            </a:r>
-            <a:r>
               <a:rPr lang="en-US" dirty="0" err="1" smtClean="0"/>
-              <a:t>Verilog</a:t>
-            </a:r>
-            <a:r>
-              <a:rPr lang="en-US" dirty="0" smtClean="0"/>
-              <a:t> and VHDL till date for development of design and its verification.</a:t>
-            </a:r>
-          </a:p>
-          <a:p>
-            <a:r>
-              <a:rPr lang="en-US" dirty="0" smtClean="0"/>
-              <a:t>Developed basic test benches for verification.</a:t>
-            </a:r>
-          </a:p>
-          <a:p>
-            <a:r>
-              <a:rPr lang="en-US" dirty="0" smtClean="0"/>
-              <a:t>Verification was done using </a:t>
+              <a:t>Metastability</a:t>
+            </a:r>
+            <a:r>
+              <a:rPr lang="en-US" dirty="0" smtClean="0"/>
+              <a:t> is a quasi stable state where is output is unpredictable.</a:t>
+            </a:r>
+          </a:p>
+          <a:p>
+            <a:r>
+              <a:rPr lang="en-US" dirty="0" smtClean="0"/>
+              <a:t>Causes :</a:t>
             </a:r>
           </a:p>
           <a:p>
             <a:pPr lvl="1"/>
             <a:r>
               <a:rPr lang="en-US" dirty="0" smtClean="0"/>
-              <a:t>Simulation outputs </a:t>
+              <a:t>Input is asynchronous</a:t>
             </a:r>
           </a:p>
           <a:p>
             <a:pPr lvl="1"/>
             <a:r>
               <a:rPr lang="en-US" dirty="0" smtClean="0"/>
-              <a:t>Waveforms</a:t>
-            </a:r>
-          </a:p>
-          <a:p>
-            <a:endParaRPr lang="en-US" dirty="0"/>
+              <a:t>Clock skew is low </a:t>
+            </a:r>
+          </a:p>
+          <a:p>
+            <a:pPr lvl="1"/>
+            <a:r>
+              <a:rPr lang="en-US" dirty="0" smtClean="0"/>
+              <a:t>Two domains operate at two different frequencies or same frequency with different phase.</a:t>
+            </a:r>
+          </a:p>
+          <a:p>
+            <a:pPr lvl="1"/>
+            <a:r>
+              <a:rPr lang="en-US" dirty="0" smtClean="0"/>
+              <a:t>Flip Flop input changes in critical window (</a:t>
+            </a:r>
+            <a:r>
+              <a:rPr lang="en-US" dirty="0" err="1" smtClean="0"/>
+              <a:t>steup</a:t>
+            </a:r>
+            <a:r>
+              <a:rPr lang="en-US" dirty="0" smtClean="0"/>
+              <a:t> or hold)</a:t>
+            </a:r>
           </a:p>
         </p:txBody>
       </p:sp>
@@ -7855,7 +7938,7 @@
         </p:nvSpPr>
         <p:spPr>
           <a:xfrm>
-            <a:off x="457200" y="533400"/>
+            <a:off x="457200" y="609600"/>
             <a:ext cx="8229600" cy="1143000"/>
           </a:xfrm>
         </p:spPr>
@@ -7866,12 +7949,8 @@
           <a:lstStyle/>
           <a:p>
             <a:r>
-              <a:rPr lang="en-US" dirty="0" smtClean="0"/>
-              <a:t>Introduction to System </a:t>
-            </a:r>
-            <a:r>
               <a:rPr lang="en-US" dirty="0" err="1" smtClean="0"/>
-              <a:t>Verilog</a:t>
+              <a:t>Metastability</a:t>
             </a:r>
             <a:endParaRPr lang="en-US" dirty="0"/>
           </a:p>
@@ -7890,53 +7969,79 @@
         <p:spPr/>
         <p:txBody>
           <a:bodyPr>
-            <a:normAutofit lnSpcReduction="10000"/>
+            <a:normAutofit/>
           </a:bodyPr>
           <a:lstStyle/>
           <a:p>
             <a:r>
               <a:rPr lang="en-US" dirty="0" smtClean="0"/>
-              <a:t>System </a:t>
+              <a:t>Solution to </a:t>
             </a:r>
             <a:r>
               <a:rPr lang="en-US" dirty="0" err="1" smtClean="0"/>
-              <a:t>Verilog</a:t>
-            </a:r>
-            <a:r>
-              <a:rPr lang="en-US" dirty="0" smtClean="0"/>
-              <a:t> is a combined Hardware descriptive language and Hardware verification language based on extensions to  </a:t>
+              <a:t>metastability</a:t>
+            </a:r>
+            <a:r>
+              <a:rPr lang="en-US" dirty="0" smtClean="0"/>
+              <a:t> :</a:t>
+            </a:r>
+          </a:p>
+          <a:p>
+            <a:pPr lvl="1"/>
+            <a:r>
+              <a:rPr lang="en-US" dirty="0" smtClean="0"/>
+              <a:t>Two Flip Flop Synchronizer</a:t>
+            </a:r>
+          </a:p>
+          <a:p>
+            <a:pPr lvl="1"/>
+            <a:r>
+              <a:rPr lang="en-US" dirty="0" smtClean="0"/>
+              <a:t>Toggle Synchronizer</a:t>
+            </a:r>
+          </a:p>
+          <a:p>
+            <a:pPr lvl="1"/>
+            <a:r>
+              <a:rPr lang="en-US" dirty="0" smtClean="0"/>
+              <a:t>Handshake based Pulse Synchronizer</a:t>
+            </a:r>
+          </a:p>
+          <a:p>
+            <a:pPr lvl="1"/>
+            <a:r>
+              <a:rPr lang="en-US" dirty="0" smtClean="0"/>
+              <a:t>Gray Encoding</a:t>
+            </a:r>
+          </a:p>
+          <a:p>
+            <a:pPr lvl="1"/>
+            <a:r>
+              <a:rPr lang="en-US" dirty="0" smtClean="0"/>
+              <a:t>Recirculation </a:t>
             </a:r>
             <a:r>
               <a:rPr lang="en-US" dirty="0" err="1" smtClean="0"/>
-              <a:t>Verilog</a:t>
-            </a:r>
-            <a:r>
-              <a:rPr lang="en-US" dirty="0" smtClean="0"/>
-              <a:t>.</a:t>
-            </a:r>
-          </a:p>
-          <a:p>
-            <a:r>
-              <a:rPr lang="en-US" dirty="0" smtClean="0"/>
-              <a:t>SV helps us in quantitatively </a:t>
+              <a:t>Mux</a:t>
+            </a:r>
+            <a:r>
+              <a:rPr lang="en-US" dirty="0" smtClean="0"/>
+              <a:t> Synchronizer</a:t>
+            </a:r>
+          </a:p>
+          <a:p>
+            <a:r>
+              <a:rPr lang="en-US" dirty="0" smtClean="0"/>
+              <a:t>In the case of FIFO Two Flip Flop Synchronizer and Gray Encoding is </a:t>
             </a:r>
             <a:r>
               <a:rPr lang="en-US" dirty="0" err="1" smtClean="0"/>
-              <a:t>analysing</a:t>
-            </a:r>
-            <a:r>
-              <a:rPr lang="en-US" dirty="0" smtClean="0"/>
-              <a:t> the design with a very systematic Test bench.</a:t>
-            </a:r>
-          </a:p>
-          <a:p>
-            <a:r>
-              <a:rPr lang="en-US" dirty="0" smtClean="0"/>
-              <a:t>With SV, we can analyze loopholes in the existing design easily and correct them as and when required. </a:t>
-            </a:r>
-          </a:p>
-          <a:p>
-            <a:endParaRPr lang="en-US" dirty="0"/>
+              <a:t>relavant</a:t>
+            </a:r>
+            <a:r>
+              <a:rPr lang="en-US" dirty="0" smtClean="0"/>
+              <a:t> </a:t>
+            </a:r>
           </a:p>
         </p:txBody>
       </p:sp>
@@ -8001,7 +8106,12 @@
             <p:ph type="title"/>
           </p:nvPr>
         </p:nvSpPr>
-        <p:spPr/>
+        <p:spPr>
+          <a:xfrm>
+            <a:off x="457200" y="609600"/>
+            <a:ext cx="8229600" cy="1143000"/>
+          </a:xfrm>
+        </p:spPr>
         <p:txBody>
           <a:bodyPr>
             <a:normAutofit/>
@@ -8010,11 +8120,7 @@
           <a:p>
             <a:r>
               <a:rPr lang="en-US" dirty="0" smtClean="0"/>
-              <a:t>Additions in System </a:t>
-            </a:r>
-            <a:r>
-              <a:rPr lang="en-US" dirty="0" err="1" smtClean="0"/>
-              <a:t>Verilog</a:t>
+              <a:t>Redesign of FIFO using CDC</a:t>
             </a:r>
             <a:endParaRPr lang="en-US" dirty="0"/>
           </a:p>
@@ -8033,132 +8139,81 @@
         <p:spPr/>
         <p:txBody>
           <a:bodyPr>
-            <a:normAutofit fontScale="85000" lnSpcReduction="20000"/>
+            <a:normAutofit fontScale="92500" lnSpcReduction="10000"/>
           </a:bodyPr>
           <a:lstStyle/>
           <a:p>
             <a:r>
               <a:rPr lang="en-US" dirty="0" smtClean="0"/>
-              <a:t>Some of the new features in System </a:t>
-            </a:r>
-            <a:r>
-              <a:rPr lang="en-US" dirty="0" err="1" smtClean="0"/>
-              <a:t>Verilog</a:t>
-            </a:r>
-            <a:r>
-              <a:rPr lang="en-US" dirty="0" smtClean="0"/>
-              <a:t> are as listed below. </a:t>
+              <a:t>Some of the VHDL modules for the same include :</a:t>
             </a:r>
           </a:p>
           <a:p>
             <a:pPr lvl="1"/>
             <a:r>
               <a:rPr lang="en-US" dirty="0" smtClean="0"/>
-              <a:t>C type data types like </a:t>
-            </a:r>
-            <a:r>
-              <a:rPr lang="en-US" dirty="0" err="1" smtClean="0"/>
-              <a:t>int</a:t>
-            </a:r>
-            <a:r>
-              <a:rPr lang="en-US" dirty="0" smtClean="0"/>
-              <a:t>, </a:t>
-            </a:r>
-            <a:r>
-              <a:rPr lang="en-US" dirty="0" err="1" smtClean="0"/>
-              <a:t>typedef</a:t>
-            </a:r>
-            <a:r>
-              <a:rPr lang="en-US" dirty="0" smtClean="0"/>
-              <a:t>, </a:t>
-            </a:r>
-            <a:r>
-              <a:rPr lang="en-US" dirty="0" err="1" smtClean="0"/>
-              <a:t>struct</a:t>
-            </a:r>
-            <a:r>
-              <a:rPr lang="en-US" dirty="0" smtClean="0"/>
-              <a:t>, union, </a:t>
-            </a:r>
-            <a:r>
-              <a:rPr lang="en-US" dirty="0" err="1" smtClean="0"/>
-              <a:t>enum</a:t>
-            </a:r>
-            <a:r>
-              <a:rPr lang="en-US" dirty="0" smtClean="0"/>
-              <a:t>.</a:t>
+              <a:t>Dff1.vhd</a:t>
             </a:r>
           </a:p>
           <a:p>
             <a:pPr lvl="1"/>
             <a:r>
               <a:rPr lang="en-US" dirty="0" smtClean="0"/>
-              <a:t>Dynamic data types : </a:t>
-            </a:r>
-            <a:r>
-              <a:rPr lang="en-US" dirty="0" err="1" smtClean="0"/>
-              <a:t>struct</a:t>
-            </a:r>
-            <a:r>
-              <a:rPr lang="en-US" dirty="0" smtClean="0"/>
-              <a:t>, classes, dynamic queues, dynamic arrays</a:t>
+              <a:t>Dff2.vhd</a:t>
             </a:r>
           </a:p>
           <a:p>
             <a:pPr lvl="1"/>
             <a:r>
               <a:rPr lang="en-US" dirty="0" smtClean="0"/>
-              <a:t>New operators and built in methods</a:t>
+              <a:t>BtoG.vhd</a:t>
             </a:r>
           </a:p>
           <a:p>
             <a:pPr lvl="1"/>
             <a:r>
               <a:rPr lang="en-US" dirty="0" smtClean="0"/>
-              <a:t>Enhanced flow control like, </a:t>
-            </a:r>
-            <a:r>
-              <a:rPr lang="en-US" dirty="0" err="1" smtClean="0"/>
-              <a:t>foreach</a:t>
-            </a:r>
-            <a:r>
-              <a:rPr lang="en-US" dirty="0" smtClean="0"/>
-              <a:t>, return, break, continue</a:t>
+              <a:t>GtoB.vhd</a:t>
             </a:r>
           </a:p>
           <a:p>
             <a:pPr lvl="1"/>
             <a:r>
               <a:rPr lang="en-US" dirty="0" smtClean="0"/>
-              <a:t>Semaphores, mailboxes, event extensions</a:t>
+              <a:t>Xorgate.vhd</a:t>
             </a:r>
           </a:p>
           <a:p>
             <a:pPr lvl="1"/>
             <a:r>
               <a:rPr lang="en-US" dirty="0" smtClean="0"/>
-              <a:t>Classes for object oriented programming</a:t>
+              <a:t>Write_control.vhd</a:t>
             </a:r>
           </a:p>
           <a:p>
             <a:pPr lvl="1"/>
             <a:r>
               <a:rPr lang="en-US" dirty="0" smtClean="0"/>
-              <a:t>Assertions</a:t>
+              <a:t>Read_control.vhd</a:t>
             </a:r>
           </a:p>
           <a:p>
             <a:pPr lvl="1"/>
             <a:r>
               <a:rPr lang="en-US" dirty="0" smtClean="0"/>
-              <a:t>Coverage</a:t>
-            </a:r>
-          </a:p>
-          <a:p>
-            <a:pPr>
-              <a:buNone/>
-            </a:pPr>
-            <a:endParaRPr lang="en-US" dirty="0"/>
+              <a:t>Mem.vhd</a:t>
+            </a:r>
+          </a:p>
+          <a:p>
+            <a:pPr lvl="1"/>
+            <a:r>
+              <a:rPr lang="en-US" dirty="0" smtClean="0"/>
+              <a:t>Controller.vhd</a:t>
+            </a:r>
+          </a:p>
+          <a:p>
+            <a:pPr lvl="1"/>
+            <a:endParaRPr lang="en-US" dirty="0" smtClean="0"/>
           </a:p>
         </p:txBody>
       </p:sp>
@@ -8225,8 +8280,8 @@
         </p:nvSpPr>
         <p:spPr>
           <a:xfrm>
-            <a:off x="533400" y="609600"/>
-            <a:ext cx="8229600" cy="1143000"/>
+            <a:off x="457200" y="609600"/>
+            <a:ext cx="8305800" cy="1219200"/>
           </a:xfrm>
         </p:spPr>
         <p:txBody>
@@ -8237,19 +8292,7 @@
           <a:p>
             <a:r>
               <a:rPr lang="en-US" dirty="0" smtClean="0"/>
-              <a:t>Basic Block Diagram of System </a:t>
-            </a:r>
-            <a:r>
-              <a:rPr lang="en-US" dirty="0" err="1" smtClean="0"/>
-              <a:t>Verilog</a:t>
-            </a:r>
-            <a:r>
-              <a:rPr lang="en-US" dirty="0" smtClean="0"/>
-              <a:t> </a:t>
-            </a:r>
-            <a:r>
-              <a:rPr lang="en-US" dirty="0" err="1" smtClean="0"/>
-              <a:t>Testbench</a:t>
+              <a:t>Instantiation Diagram of FIFO using CDC</a:t>
             </a:r>
             <a:endParaRPr lang="en-US" dirty="0"/>
           </a:p>
@@ -8257,7 +8300,7 @@
       </p:sp>
       <p:pic>
         <p:nvPicPr>
-          <p:cNvPr id="5" name="Content Placeholder 4" descr="onescounterenv.PNG"/>
+          <p:cNvPr id="5" name="Content Placeholder 4" descr="Untitled1.png"/>
           <p:cNvPicPr>
             <a:picLocks noGrp="1" noChangeAspect="1"/>
           </p:cNvPicPr>
@@ -8273,8 +8316,8 @@
         </p:blipFill>
         <p:spPr>
           <a:xfrm>
-            <a:off x="773834" y="1754501"/>
-            <a:ext cx="7596331" cy="4217361"/>
+            <a:off x="1600200" y="1905000"/>
+            <a:ext cx="6245461" cy="4525963"/>
           </a:xfrm>
         </p:spPr>
       </p:pic>
@@ -8341,8 +8384,8 @@
         </p:nvSpPr>
         <p:spPr>
           <a:xfrm>
-            <a:off x="533400" y="609600"/>
-            <a:ext cx="8229600" cy="1143000"/>
+            <a:off x="457200" y="609600"/>
+            <a:ext cx="8305800" cy="1219200"/>
           </a:xfrm>
         </p:spPr>
         <p:txBody>
@@ -8353,663 +8396,7 @@
           <a:p>
             <a:r>
               <a:rPr lang="en-US" dirty="0" smtClean="0"/>
-              <a:t>Counter </a:t>
-            </a:r>
-            <a:r>
-              <a:rPr lang="en-US" dirty="0" err="1" smtClean="0"/>
-              <a:t>Testbench</a:t>
-            </a:r>
-            <a:r>
-              <a:rPr lang="en-US" dirty="0" smtClean="0"/>
-              <a:t> Overview </a:t>
-            </a:r>
-            <a:endParaRPr lang="en-US" dirty="0"/>
-          </a:p>
-        </p:txBody>
-      </p:sp>
-      <p:pic>
-        <p:nvPicPr>
-          <p:cNvPr id="4" name="Picture 2" descr="http://www.suggestcamera.com/wp-content/uploads/2015/08/Canon-logo.png"/>
-          <p:cNvPicPr>
-            <a:picLocks noChangeAspect="1" noChangeArrowheads="1"/>
-          </p:cNvPicPr>
-          <p:nvPr/>
-        </p:nvPicPr>
-        <p:blipFill>
-          <a:blip r:embed="rId2" cstate="print"/>
-          <a:srcRect/>
-          <a:stretch>
-            <a:fillRect/>
-          </a:stretch>
-        </p:blipFill>
-        <p:spPr bwMode="auto">
-          <a:xfrm>
-            <a:off x="0" y="0"/>
-            <a:ext cx="1981200" cy="554117"/>
-          </a:xfrm>
-          <a:prstGeom prst="rect">
-            <a:avLst/>
-          </a:prstGeom>
-          <a:noFill/>
-        </p:spPr>
-      </p:pic>
-      <p:sp>
-        <p:nvSpPr>
-          <p:cNvPr id="6" name="Content Placeholder 5"/>
-          <p:cNvSpPr>
-            <a:spLocks noGrp="1"/>
-          </p:cNvSpPr>
-          <p:nvPr>
-            <p:ph idx="1"/>
-          </p:nvPr>
-        </p:nvSpPr>
-        <p:spPr/>
-        <p:txBody>
-          <a:bodyPr>
-            <a:normAutofit lnSpcReduction="10000"/>
-          </a:bodyPr>
-          <a:lstStyle/>
-          <a:p>
-            <a:r>
-              <a:rPr lang="en-US" dirty="0" smtClean="0"/>
-              <a:t>Some of the Assertions and test coverage includes:</a:t>
-            </a:r>
-          </a:p>
-          <a:p>
-            <a:pPr lvl="1"/>
-            <a:r>
-              <a:rPr lang="en-US" dirty="0" smtClean="0"/>
-              <a:t>Reset pin setting the count to zero within stipulated number of clock cycles.</a:t>
-            </a:r>
-          </a:p>
-          <a:p>
-            <a:pPr lvl="1"/>
-            <a:r>
-              <a:rPr lang="en-US" dirty="0" smtClean="0"/>
-              <a:t>Rollover of the counter when it is full.</a:t>
-            </a:r>
-          </a:p>
-          <a:p>
-            <a:pPr lvl="1"/>
-            <a:r>
-              <a:rPr lang="en-US" dirty="0" smtClean="0"/>
-              <a:t>Covering all cross possibilities of reset and enable pins to verify the case.</a:t>
-            </a:r>
-          </a:p>
-          <a:p>
-            <a:pPr lvl="1"/>
-            <a:r>
-              <a:rPr lang="en-US" dirty="0" smtClean="0"/>
-              <a:t>Checking that the devices are clock sensitive and work in synchronous with the positive edge of the clock.</a:t>
-            </a:r>
-            <a:endParaRPr lang="en-US" dirty="0"/>
-          </a:p>
-        </p:txBody>
-      </p:sp>
-    </p:spTree>
-  </p:cSld>
-  <p:clrMapOvr>
-    <a:masterClrMapping/>
-  </p:clrMapOvr>
-</p:sld>
-</file>
-
-<file path=ppt/slides/slide25.xml><?xml version="1.0" encoding="utf-8"?>
-<p:sld xmlns:a="http://schemas.openxmlformats.org/drawingml/2006/main" xmlns:r="http://schemas.openxmlformats.org/officeDocument/2006/relationships" xmlns:p="http://schemas.openxmlformats.org/presentationml/2006/main">
-  <p:cSld>
-    <p:spTree>
-      <p:nvGrpSpPr>
-        <p:cNvPr id="1" name=""/>
-        <p:cNvGrpSpPr/>
-        <p:nvPr/>
-      </p:nvGrpSpPr>
-      <p:grpSpPr>
-        <a:xfrm>
-          <a:off x="0" y="0"/>
-          <a:ext cx="0" cy="0"/>
-          <a:chOff x="0" y="0"/>
-          <a:chExt cx="0" cy="0"/>
-        </a:xfrm>
-      </p:grpSpPr>
-      <p:sp>
-        <p:nvSpPr>
-          <p:cNvPr id="2" name="Title 1"/>
-          <p:cNvSpPr>
-            <a:spLocks noGrp="1"/>
-          </p:cNvSpPr>
-          <p:nvPr>
-            <p:ph type="title"/>
-          </p:nvPr>
-        </p:nvSpPr>
-        <p:spPr>
-          <a:xfrm>
-            <a:off x="533400" y="609600"/>
-            <a:ext cx="8229600" cy="1143000"/>
-          </a:xfrm>
-        </p:spPr>
-        <p:txBody>
-          <a:bodyPr>
-            <a:normAutofit fontScale="90000"/>
-          </a:bodyPr>
-          <a:lstStyle/>
-          <a:p>
-            <a:r>
-              <a:rPr lang="en-US" dirty="0" smtClean="0"/>
-              <a:t>Counter </a:t>
-            </a:r>
-            <a:r>
-              <a:rPr lang="en-US" dirty="0" err="1" smtClean="0"/>
-              <a:t>Testbench</a:t>
-            </a:r>
-            <a:r>
-              <a:rPr lang="en-US" dirty="0" smtClean="0"/>
-              <a:t> Coverage Results</a:t>
-            </a:r>
-            <a:endParaRPr lang="en-US" dirty="0"/>
-          </a:p>
-        </p:txBody>
-      </p:sp>
-      <p:pic>
-        <p:nvPicPr>
-          <p:cNvPr id="4" name="Picture 2" descr="http://www.suggestcamera.com/wp-content/uploads/2015/08/Canon-logo.png"/>
-          <p:cNvPicPr>
-            <a:picLocks noChangeAspect="1" noChangeArrowheads="1"/>
-          </p:cNvPicPr>
-          <p:nvPr/>
-        </p:nvPicPr>
-        <p:blipFill>
-          <a:blip r:embed="rId2" cstate="print"/>
-          <a:srcRect/>
-          <a:stretch>
-            <a:fillRect/>
-          </a:stretch>
-        </p:blipFill>
-        <p:spPr bwMode="auto">
-          <a:xfrm>
-            <a:off x="0" y="0"/>
-            <a:ext cx="1981200" cy="554117"/>
-          </a:xfrm>
-          <a:prstGeom prst="rect">
-            <a:avLst/>
-          </a:prstGeom>
-          <a:noFill/>
-        </p:spPr>
-      </p:pic>
-      <p:sp>
-        <p:nvSpPr>
-          <p:cNvPr id="6" name="Content Placeholder 5"/>
-          <p:cNvSpPr>
-            <a:spLocks noGrp="1"/>
-          </p:cNvSpPr>
-          <p:nvPr>
-            <p:ph idx="1"/>
-          </p:nvPr>
-        </p:nvSpPr>
-        <p:spPr/>
-        <p:txBody>
-          <a:bodyPr>
-            <a:normAutofit/>
-          </a:bodyPr>
-          <a:lstStyle/>
-          <a:p>
-            <a:r>
-              <a:rPr lang="en-US" dirty="0" smtClean="0"/>
-              <a:t>Some of the results include:</a:t>
-            </a:r>
-          </a:p>
-          <a:p>
-            <a:pPr lvl="1"/>
-            <a:r>
-              <a:rPr lang="en-US" dirty="0" smtClean="0"/>
-              <a:t>100% coverage to all the values of the counter</a:t>
-            </a:r>
-          </a:p>
-          <a:p>
-            <a:pPr lvl="1"/>
-            <a:r>
-              <a:rPr lang="en-US" dirty="0" smtClean="0"/>
-              <a:t>100% coverage to all the cross coverage features of the reset and enable pins</a:t>
-            </a:r>
-          </a:p>
-          <a:p>
-            <a:pPr lvl="1"/>
-            <a:r>
-              <a:rPr lang="en-US" dirty="0" smtClean="0"/>
-              <a:t>100% coverage to the </a:t>
-            </a:r>
-            <a:r>
-              <a:rPr lang="en-US" dirty="0" err="1" smtClean="0"/>
-              <a:t>coverpoint</a:t>
-            </a:r>
-            <a:r>
-              <a:rPr lang="en-US" dirty="0" smtClean="0"/>
-              <a:t> involving the rollover of the count variable</a:t>
-            </a:r>
-          </a:p>
-          <a:p>
-            <a:pPr lvl="1"/>
-            <a:r>
-              <a:rPr lang="en-US" dirty="0" smtClean="0"/>
-              <a:t>Verification of the Reset and an assertion in case of an error in the design.</a:t>
-            </a:r>
-          </a:p>
-        </p:txBody>
-      </p:sp>
-    </p:spTree>
-  </p:cSld>
-  <p:clrMapOvr>
-    <a:masterClrMapping/>
-  </p:clrMapOvr>
-</p:sld>
-</file>
-
-<file path=ppt/slides/slide26.xml><?xml version="1.0" encoding="utf-8"?>
-<p:sld xmlns:a="http://schemas.openxmlformats.org/drawingml/2006/main" xmlns:r="http://schemas.openxmlformats.org/officeDocument/2006/relationships" xmlns:p="http://schemas.openxmlformats.org/presentationml/2006/main">
-  <p:cSld>
-    <p:spTree>
-      <p:nvGrpSpPr>
-        <p:cNvPr id="1" name=""/>
-        <p:cNvGrpSpPr/>
-        <p:nvPr/>
-      </p:nvGrpSpPr>
-      <p:grpSpPr>
-        <a:xfrm>
-          <a:off x="0" y="0"/>
-          <a:ext cx="0" cy="0"/>
-          <a:chOff x="0" y="0"/>
-          <a:chExt cx="0" cy="0"/>
-        </a:xfrm>
-      </p:grpSpPr>
-      <p:sp>
-        <p:nvSpPr>
-          <p:cNvPr id="2" name="Title 1"/>
-          <p:cNvSpPr>
-            <a:spLocks noGrp="1"/>
-          </p:cNvSpPr>
-          <p:nvPr>
-            <p:ph type="title"/>
-          </p:nvPr>
-        </p:nvSpPr>
-        <p:spPr>
-          <a:xfrm>
-            <a:off x="533400" y="533400"/>
-            <a:ext cx="8229600" cy="1143000"/>
-          </a:xfrm>
-        </p:spPr>
-        <p:txBody>
-          <a:bodyPr>
-            <a:normAutofit/>
-          </a:bodyPr>
-          <a:lstStyle/>
-          <a:p>
-            <a:r>
-              <a:rPr lang="en-US" dirty="0" smtClean="0"/>
-              <a:t>FIFO </a:t>
-            </a:r>
-            <a:r>
-              <a:rPr lang="en-US" dirty="0" err="1" smtClean="0"/>
-              <a:t>Testbench</a:t>
-            </a:r>
-            <a:r>
-              <a:rPr lang="en-US" dirty="0" smtClean="0"/>
-              <a:t> Overview </a:t>
-            </a:r>
-            <a:endParaRPr lang="en-US" dirty="0"/>
-          </a:p>
-        </p:txBody>
-      </p:sp>
-      <p:pic>
-        <p:nvPicPr>
-          <p:cNvPr id="4" name="Picture 2" descr="http://www.suggestcamera.com/wp-content/uploads/2015/08/Canon-logo.png"/>
-          <p:cNvPicPr>
-            <a:picLocks noChangeAspect="1" noChangeArrowheads="1"/>
-          </p:cNvPicPr>
-          <p:nvPr/>
-        </p:nvPicPr>
-        <p:blipFill>
-          <a:blip r:embed="rId2" cstate="print"/>
-          <a:srcRect/>
-          <a:stretch>
-            <a:fillRect/>
-          </a:stretch>
-        </p:blipFill>
-        <p:spPr bwMode="auto">
-          <a:xfrm>
-            <a:off x="0" y="0"/>
-            <a:ext cx="1981200" cy="554117"/>
-          </a:xfrm>
-          <a:prstGeom prst="rect">
-            <a:avLst/>
-          </a:prstGeom>
-          <a:noFill/>
-        </p:spPr>
-      </p:pic>
-      <p:sp>
-        <p:nvSpPr>
-          <p:cNvPr id="6" name="Content Placeholder 5"/>
-          <p:cNvSpPr>
-            <a:spLocks noGrp="1"/>
-          </p:cNvSpPr>
-          <p:nvPr>
-            <p:ph idx="1"/>
-          </p:nvPr>
-        </p:nvSpPr>
-        <p:spPr>
-          <a:xfrm>
-            <a:off x="457200" y="1524000"/>
-            <a:ext cx="8229600" cy="4525963"/>
-          </a:xfrm>
-        </p:spPr>
-        <p:txBody>
-          <a:bodyPr>
-            <a:normAutofit fontScale="92500"/>
-          </a:bodyPr>
-          <a:lstStyle/>
-          <a:p>
-            <a:r>
-              <a:rPr lang="en-US" dirty="0" smtClean="0"/>
-              <a:t>Some of the test coverage cases includes:	</a:t>
-            </a:r>
-          </a:p>
-          <a:p>
-            <a:pPr lvl="1"/>
-            <a:r>
-              <a:rPr lang="en-US" sz="2200" dirty="0" smtClean="0"/>
-              <a:t>All the read and write pointer addresses are covered i.e. from 0 to N</a:t>
-            </a:r>
-          </a:p>
-          <a:p>
-            <a:pPr lvl="1"/>
-            <a:r>
-              <a:rPr lang="en-US" sz="2200" dirty="0" smtClean="0"/>
-              <a:t>The read and write pointer addresses roll over after reaching N.</a:t>
-            </a:r>
-          </a:p>
-          <a:p>
-            <a:pPr lvl="1"/>
-            <a:r>
-              <a:rPr lang="en-US" sz="2200" dirty="0" smtClean="0"/>
-              <a:t>Read and write pointer addresses increment when the read and write enable is made high respectively.</a:t>
-            </a:r>
-          </a:p>
-          <a:p>
-            <a:pPr lvl="1"/>
-            <a:r>
-              <a:rPr lang="en-US" sz="2200" dirty="0" smtClean="0"/>
-              <a:t>All the states of Write enable are covered</a:t>
-            </a:r>
-          </a:p>
-          <a:p>
-            <a:pPr lvl="1"/>
-            <a:r>
-              <a:rPr lang="en-US" sz="2200" dirty="0" smtClean="0"/>
-              <a:t>All the states of Read enable are covered</a:t>
-            </a:r>
-          </a:p>
-          <a:p>
-            <a:pPr lvl="1"/>
-            <a:r>
-              <a:rPr lang="en-US" sz="2200" dirty="0" smtClean="0"/>
-              <a:t>All the states of Reset are covered</a:t>
-            </a:r>
-          </a:p>
-          <a:p>
-            <a:pPr lvl="1"/>
-            <a:r>
-              <a:rPr lang="en-US" sz="2200" dirty="0" smtClean="0"/>
-              <a:t>All the states of full and empty flags are covered</a:t>
-            </a:r>
-          </a:p>
-          <a:p>
-            <a:pPr lvl="1"/>
-            <a:r>
-              <a:rPr lang="en-US" sz="2200" dirty="0" smtClean="0"/>
-              <a:t>All the states of almost full and almost empty flags are covered</a:t>
-            </a:r>
-          </a:p>
-          <a:p>
-            <a:pPr lvl="1"/>
-            <a:r>
-              <a:rPr lang="en-US" sz="2200" dirty="0" smtClean="0"/>
-              <a:t>Cross Coverage for read enable, write enable and reset is covered with all possible combinations of the same.</a:t>
-            </a:r>
-          </a:p>
-        </p:txBody>
-      </p:sp>
-    </p:spTree>
-  </p:cSld>
-  <p:clrMapOvr>
-    <a:masterClrMapping/>
-  </p:clrMapOvr>
-</p:sld>
-</file>
-
-<file path=ppt/slides/slide27.xml><?xml version="1.0" encoding="utf-8"?>
-<p:sld xmlns:a="http://schemas.openxmlformats.org/drawingml/2006/main" xmlns:r="http://schemas.openxmlformats.org/officeDocument/2006/relationships" xmlns:p="http://schemas.openxmlformats.org/presentationml/2006/main">
-  <p:cSld>
-    <p:spTree>
-      <p:nvGrpSpPr>
-        <p:cNvPr id="1" name=""/>
-        <p:cNvGrpSpPr/>
-        <p:nvPr/>
-      </p:nvGrpSpPr>
-      <p:grpSpPr>
-        <a:xfrm>
-          <a:off x="0" y="0"/>
-          <a:ext cx="0" cy="0"/>
-          <a:chOff x="0" y="0"/>
-          <a:chExt cx="0" cy="0"/>
-        </a:xfrm>
-      </p:grpSpPr>
-      <p:sp>
-        <p:nvSpPr>
-          <p:cNvPr id="2" name="Title 1"/>
-          <p:cNvSpPr>
-            <a:spLocks noGrp="1"/>
-          </p:cNvSpPr>
-          <p:nvPr>
-            <p:ph type="title"/>
-          </p:nvPr>
-        </p:nvSpPr>
-        <p:spPr>
-          <a:xfrm>
-            <a:off x="533400" y="533400"/>
-            <a:ext cx="8229600" cy="1143000"/>
-          </a:xfrm>
-        </p:spPr>
-        <p:txBody>
-          <a:bodyPr>
-            <a:normAutofit/>
-          </a:bodyPr>
-          <a:lstStyle/>
-          <a:p>
-            <a:r>
-              <a:rPr lang="en-US" dirty="0" smtClean="0"/>
-              <a:t>FIFO </a:t>
-            </a:r>
-            <a:r>
-              <a:rPr lang="en-US" dirty="0" err="1" smtClean="0"/>
-              <a:t>Testbench</a:t>
-            </a:r>
-            <a:r>
-              <a:rPr lang="en-US" dirty="0" smtClean="0"/>
-              <a:t> Coverage Results</a:t>
-            </a:r>
-            <a:endParaRPr lang="en-US" dirty="0"/>
-          </a:p>
-        </p:txBody>
-      </p:sp>
-      <p:pic>
-        <p:nvPicPr>
-          <p:cNvPr id="4" name="Picture 2" descr="http://www.suggestcamera.com/wp-content/uploads/2015/08/Canon-logo.png"/>
-          <p:cNvPicPr>
-            <a:picLocks noChangeAspect="1" noChangeArrowheads="1"/>
-          </p:cNvPicPr>
-          <p:nvPr/>
-        </p:nvPicPr>
-        <p:blipFill>
-          <a:blip r:embed="rId2" cstate="print"/>
-          <a:srcRect/>
-          <a:stretch>
-            <a:fillRect/>
-          </a:stretch>
-        </p:blipFill>
-        <p:spPr bwMode="auto">
-          <a:xfrm>
-            <a:off x="0" y="0"/>
-            <a:ext cx="1981200" cy="554117"/>
-          </a:xfrm>
-          <a:prstGeom prst="rect">
-            <a:avLst/>
-          </a:prstGeom>
-          <a:noFill/>
-        </p:spPr>
-      </p:pic>
-      <p:sp>
-        <p:nvSpPr>
-          <p:cNvPr id="6" name="Content Placeholder 5"/>
-          <p:cNvSpPr>
-            <a:spLocks noGrp="1"/>
-          </p:cNvSpPr>
-          <p:nvPr>
-            <p:ph idx="1"/>
-          </p:nvPr>
-        </p:nvSpPr>
-        <p:spPr/>
-        <p:txBody>
-          <a:bodyPr>
-            <a:normAutofit fontScale="85000" lnSpcReduction="20000"/>
-          </a:bodyPr>
-          <a:lstStyle/>
-          <a:p>
-            <a:r>
-              <a:rPr lang="en-US" dirty="0" smtClean="0"/>
-              <a:t>Some of the results include:</a:t>
-            </a:r>
-          </a:p>
-          <a:p>
-            <a:pPr lvl="1"/>
-            <a:r>
-              <a:rPr lang="en-US" dirty="0" smtClean="0"/>
-              <a:t>100% coverage to all the variables:</a:t>
-            </a:r>
-          </a:p>
-          <a:p>
-            <a:pPr lvl="2"/>
-            <a:r>
-              <a:rPr lang="en-US" dirty="0" smtClean="0"/>
-              <a:t>Write and read pointer </a:t>
-            </a:r>
-          </a:p>
-          <a:p>
-            <a:pPr lvl="2"/>
-            <a:r>
-              <a:rPr lang="en-US" dirty="0" smtClean="0"/>
-              <a:t>Write and read enable</a:t>
-            </a:r>
-          </a:p>
-          <a:p>
-            <a:pPr lvl="2"/>
-            <a:r>
-              <a:rPr lang="en-US" dirty="0" smtClean="0"/>
-              <a:t>Reset</a:t>
-            </a:r>
-          </a:p>
-          <a:p>
-            <a:pPr lvl="2"/>
-            <a:r>
-              <a:rPr lang="en-US" dirty="0" smtClean="0"/>
-              <a:t>Full and empty</a:t>
-            </a:r>
-          </a:p>
-          <a:p>
-            <a:pPr lvl="2"/>
-            <a:r>
-              <a:rPr lang="en-US" dirty="0" smtClean="0"/>
-              <a:t>Almost full and almost empty</a:t>
-            </a:r>
-          </a:p>
-          <a:p>
-            <a:pPr lvl="1"/>
-            <a:r>
-              <a:rPr lang="en-US" dirty="0" smtClean="0"/>
-              <a:t>100% coverage to all the cross coverage features of the reset and read and write enable pins</a:t>
-            </a:r>
-          </a:p>
-          <a:p>
-            <a:pPr lvl="1"/>
-            <a:r>
-              <a:rPr lang="en-US" dirty="0" smtClean="0"/>
-              <a:t>100% coverage to the cover point involving the rollover of the pointer variables</a:t>
-            </a:r>
-          </a:p>
-          <a:p>
-            <a:pPr lvl="1"/>
-            <a:r>
-              <a:rPr lang="en-US" dirty="0" smtClean="0"/>
-              <a:t>Verification of the Reset and an assertion in case of an error in the design.</a:t>
-            </a:r>
-          </a:p>
-        </p:txBody>
-      </p:sp>
-    </p:spTree>
-  </p:cSld>
-  <p:clrMapOvr>
-    <a:masterClrMapping/>
-  </p:clrMapOvr>
-</p:sld>
-</file>
-
-<file path=ppt/slides/slide28.xml><?xml version="1.0" encoding="utf-8"?>
-<p:sld xmlns:a="http://schemas.openxmlformats.org/drawingml/2006/main" xmlns:r="http://schemas.openxmlformats.org/officeDocument/2006/relationships" xmlns:p="http://schemas.openxmlformats.org/presentationml/2006/main">
-  <p:cSld>
-    <p:spTree>
-      <p:nvGrpSpPr>
-        <p:cNvPr id="1" name=""/>
-        <p:cNvGrpSpPr/>
-        <p:nvPr/>
-      </p:nvGrpSpPr>
-      <p:grpSpPr>
-        <a:xfrm>
-          <a:off x="0" y="0"/>
-          <a:ext cx="0" cy="0"/>
-          <a:chOff x="0" y="0"/>
-          <a:chExt cx="0" cy="0"/>
-        </a:xfrm>
-      </p:grpSpPr>
-      <p:sp>
-        <p:nvSpPr>
-          <p:cNvPr id="2" name="Title 1"/>
-          <p:cNvSpPr>
-            <a:spLocks noGrp="1"/>
-          </p:cNvSpPr>
-          <p:nvPr>
-            <p:ph type="title"/>
-          </p:nvPr>
-        </p:nvSpPr>
-        <p:spPr>
-          <a:xfrm>
-            <a:off x="533400" y="609600"/>
-            <a:ext cx="8229600" cy="1143000"/>
-          </a:xfrm>
-        </p:spPr>
-        <p:txBody>
-          <a:bodyPr>
-            <a:normAutofit/>
-          </a:bodyPr>
-          <a:lstStyle/>
-          <a:p>
-            <a:r>
-              <a:rPr lang="en-US" dirty="0" smtClean="0"/>
-              <a:t>FIFO </a:t>
-            </a:r>
-            <a:r>
-              <a:rPr lang="en-US" dirty="0" err="1" smtClean="0"/>
-              <a:t>Testbench</a:t>
-            </a:r>
-            <a:r>
-              <a:rPr lang="en-US" dirty="0" smtClean="0"/>
-              <a:t> Coverage Results</a:t>
+              <a:t>Block Diagram of FIFO using CDC</a:t>
             </a:r>
             <a:endParaRPr lang="en-US" dirty="0"/>
           </a:p>
@@ -9043,7 +8430,7 @@
       </p:pic>
       <p:pic>
         <p:nvPicPr>
-          <p:cNvPr id="7" name="Content Placeholder 6" descr="Untitled7.png"/>
+          <p:cNvPr id="5" name="Content Placeholder 4" descr="1211_001p.png"/>
           <p:cNvPicPr>
             <a:picLocks noGrp="1" noChangeAspect="1"/>
           </p:cNvPicPr>
@@ -9059,8 +8446,8 @@
         </p:blipFill>
         <p:spPr>
           <a:xfrm>
-            <a:off x="548922" y="1600200"/>
-            <a:ext cx="8046156" cy="4525963"/>
+            <a:off x="1447800" y="1477166"/>
+            <a:ext cx="6049324" cy="5380834"/>
           </a:xfrm>
         </p:spPr>
       </p:pic>
@@ -9069,10 +8456,17 @@
   <p:clrMapOvr>
     <a:masterClrMapping/>
   </p:clrMapOvr>
+  <p:timing>
+    <p:tnLst>
+      <p:par>
+        <p:cTn id="1" dur="indefinite" restart="never" nodeType="tmRoot"/>
+      </p:par>
+    </p:tnLst>
+  </p:timing>
 </p:sld>
 </file>
 
-<file path=ppt/slides/slide29.xml><?xml version="1.0" encoding="utf-8"?>
+<file path=ppt/slides/slide25.xml><?xml version="1.0" encoding="utf-8"?>
 <p:sld xmlns:a="http://schemas.openxmlformats.org/drawingml/2006/main" xmlns:r="http://schemas.openxmlformats.org/officeDocument/2006/relationships" xmlns:p="http://schemas.openxmlformats.org/presentationml/2006/main">
   <p:cSld>
     <p:spTree>
@@ -9101,8 +8495,8 @@
         </p:nvSpPr>
         <p:spPr>
           <a:xfrm>
-            <a:off x="533400" y="609600"/>
-            <a:ext cx="8229600" cy="1143000"/>
+            <a:off x="457200" y="381000"/>
+            <a:ext cx="8305800" cy="1219200"/>
           </a:xfrm>
         </p:spPr>
         <p:txBody>
@@ -9113,15 +8507,7 @@
           <a:p>
             <a:r>
               <a:rPr lang="en-US" dirty="0" smtClean="0"/>
-              <a:t>FIFO </a:t>
-            </a:r>
-            <a:r>
-              <a:rPr lang="en-US" dirty="0" err="1" smtClean="0"/>
-              <a:t>Testbench</a:t>
-            </a:r>
-            <a:r>
-              <a:rPr lang="en-US" dirty="0" smtClean="0"/>
-              <a:t> Coverage Results</a:t>
+              <a:t>Waveforms of FIFO using CDC</a:t>
             </a:r>
             <a:endParaRPr lang="en-US" dirty="0"/>
           </a:p>
@@ -9155,7 +8541,7 @@
       </p:pic>
       <p:pic>
         <p:nvPicPr>
-          <p:cNvPr id="6" name="Content Placeholder 5" descr="Untitled8.png"/>
+          <p:cNvPr id="5" name="Content Placeholder 4" descr="Painy12.png"/>
           <p:cNvPicPr>
             <a:picLocks noGrp="1" noChangeAspect="1"/>
           </p:cNvPicPr>
@@ -9171,8 +8557,8 @@
         </p:blipFill>
         <p:spPr>
           <a:xfrm>
-            <a:off x="548922" y="1600200"/>
-            <a:ext cx="8046156" cy="4525963"/>
+            <a:off x="486570" y="1524000"/>
+            <a:ext cx="8200229" cy="4800600"/>
           </a:xfrm>
         </p:spPr>
       </p:pic>
@@ -9181,10 +8567,17 @@
   <p:clrMapOvr>
     <a:masterClrMapping/>
   </p:clrMapOvr>
+  <p:timing>
+    <p:tnLst>
+      <p:par>
+        <p:cTn id="1" dur="indefinite" restart="never" nodeType="tmRoot"/>
+      </p:par>
+    </p:tnLst>
+  </p:timing>
 </p:sld>
 </file>
 
-<file path=ppt/slides/slide3.xml><?xml version="1.0" encoding="utf-8"?>
+<file path=ppt/slides/slide26.xml><?xml version="1.0" encoding="utf-8"?>
 <p:sld xmlns:a="http://schemas.openxmlformats.org/drawingml/2006/main" xmlns:r="http://schemas.openxmlformats.org/officeDocument/2006/relationships" xmlns:p="http://schemas.openxmlformats.org/presentationml/2006/main">
   <p:cSld>
     <p:spTree>
@@ -9225,8 +8618,75 @@
           <a:p>
             <a:r>
               <a:rPr lang="en-US" dirty="0" smtClean="0"/>
-              <a:t>Lessons learnt at Canon</a:t>
-            </a:r>
+              <a:t>Use of </a:t>
+            </a:r>
+            <a:r>
+              <a:rPr lang="en-US" dirty="0" err="1" smtClean="0"/>
+              <a:t>Verilog</a:t>
+            </a:r>
+            <a:r>
+              <a:rPr lang="en-US" dirty="0" smtClean="0"/>
+              <a:t> and VHDL</a:t>
+            </a:r>
+            <a:endParaRPr lang="en-US" dirty="0"/>
+          </a:p>
+        </p:txBody>
+      </p:sp>
+      <p:sp>
+        <p:nvSpPr>
+          <p:cNvPr id="3" name="Content Placeholder 2"/>
+          <p:cNvSpPr>
+            <a:spLocks noGrp="1"/>
+          </p:cNvSpPr>
+          <p:nvPr>
+            <p:ph idx="1"/>
+          </p:nvPr>
+        </p:nvSpPr>
+        <p:spPr/>
+        <p:txBody>
+          <a:bodyPr/>
+          <a:lstStyle/>
+          <a:p>
+            <a:r>
+              <a:rPr lang="en-US" dirty="0" smtClean="0"/>
+              <a:t>I have used </a:t>
+            </a:r>
+            <a:r>
+              <a:rPr lang="en-US" dirty="0" err="1" smtClean="0"/>
+              <a:t>Verilog</a:t>
+            </a:r>
+            <a:r>
+              <a:rPr lang="en-US" dirty="0" smtClean="0"/>
+              <a:t> and VHDL till date for development of design and its verification.</a:t>
+            </a:r>
+          </a:p>
+          <a:p>
+            <a:r>
+              <a:rPr lang="en-US" dirty="0" smtClean="0"/>
+              <a:t>Developed basic test benches for verification.</a:t>
+            </a:r>
+          </a:p>
+          <a:p>
+            <a:r>
+              <a:rPr lang="en-US" dirty="0" smtClean="0"/>
+              <a:t>Verification was done using </a:t>
+            </a:r>
+          </a:p>
+          <a:p>
+            <a:pPr lvl="1"/>
+            <a:r>
+              <a:rPr lang="en-US" dirty="0" smtClean="0"/>
+              <a:t>Simulation outputs </a:t>
+            </a:r>
+          </a:p>
+          <a:p>
+            <a:pPr lvl="1"/>
+            <a:r>
+              <a:rPr lang="en-US" dirty="0" smtClean="0"/>
+              <a:t>Waveforms</a:t>
+            </a:r>
+          </a:p>
+          <a:p>
             <a:endParaRPr lang="en-US" dirty="0"/>
           </a:p>
         </p:txBody>
@@ -9257,35 +8717,22 @@
           <a:noFill/>
         </p:spPr>
       </p:pic>
-      <p:graphicFrame>
-        <p:nvGraphicFramePr>
-          <p:cNvPr id="5" name="Content Placeholder 3"/>
-          <p:cNvGraphicFramePr>
-            <a:graphicFrameLocks noGrp="1"/>
-          </p:cNvGraphicFramePr>
-          <p:nvPr>
-            <p:ph idx="1"/>
-          </p:nvPr>
-        </p:nvGraphicFramePr>
-        <p:xfrm>
-          <a:off x="457200" y="1600200"/>
-          <a:ext cx="8229600" cy="4525963"/>
-        </p:xfrm>
-        <a:graphic>
-          <a:graphicData uri="http://schemas.openxmlformats.org/drawingml/2006/diagram">
-            <dgm:relIds xmlns:dgm="http://schemas.openxmlformats.org/drawingml/2006/diagram" xmlns:r="http://schemas.openxmlformats.org/officeDocument/2006/relationships" r:dm="rId3" r:lo="rId4" r:qs="rId5" r:cs="rId6"/>
-          </a:graphicData>
-        </a:graphic>
-      </p:graphicFrame>
     </p:spTree>
   </p:cSld>
   <p:clrMapOvr>
     <a:masterClrMapping/>
   </p:clrMapOvr>
+  <p:timing>
+    <p:tnLst>
+      <p:par>
+        <p:cTn id="1" dur="indefinite" restart="never" nodeType="tmRoot"/>
+      </p:par>
+    </p:tnLst>
+  </p:timing>
 </p:sld>
 </file>
 
-<file path=ppt/slides/slide30.xml><?xml version="1.0" encoding="utf-8"?>
+<file path=ppt/slides/slide27.xml><?xml version="1.0" encoding="utf-8"?>
 <p:sld xmlns:a="http://schemas.openxmlformats.org/drawingml/2006/main" xmlns:r="http://schemas.openxmlformats.org/officeDocument/2006/relationships" xmlns:p="http://schemas.openxmlformats.org/presentationml/2006/main">
   <p:cSld>
     <p:spTree>
@@ -9314,7 +8761,7 @@
         </p:nvSpPr>
         <p:spPr>
           <a:xfrm>
-            <a:off x="533400" y="609600"/>
+            <a:off x="457200" y="533400"/>
             <a:ext cx="8229600" cy="1143000"/>
           </a:xfrm>
         </p:spPr>
@@ -9326,16 +8773,75 @@
           <a:p>
             <a:r>
               <a:rPr lang="en-US" dirty="0" smtClean="0"/>
-              <a:t>FIFO </a:t>
+              <a:t>Introduction to System </a:t>
             </a:r>
             <a:r>
               <a:rPr lang="en-US" dirty="0" err="1" smtClean="0"/>
-              <a:t>Testbench</a:t>
-            </a:r>
-            <a:r>
-              <a:rPr lang="en-US" dirty="0" smtClean="0"/>
-              <a:t> Coverage Results</a:t>
-            </a:r>
+              <a:t>Verilog</a:t>
+            </a:r>
+            <a:endParaRPr lang="en-US" dirty="0"/>
+          </a:p>
+        </p:txBody>
+      </p:sp>
+      <p:sp>
+        <p:nvSpPr>
+          <p:cNvPr id="3" name="Content Placeholder 2"/>
+          <p:cNvSpPr>
+            <a:spLocks noGrp="1"/>
+          </p:cNvSpPr>
+          <p:nvPr>
+            <p:ph idx="1"/>
+          </p:nvPr>
+        </p:nvSpPr>
+        <p:spPr/>
+        <p:txBody>
+          <a:bodyPr>
+            <a:normAutofit lnSpcReduction="10000"/>
+          </a:bodyPr>
+          <a:lstStyle/>
+          <a:p>
+            <a:r>
+              <a:rPr lang="en-US" dirty="0" smtClean="0"/>
+              <a:t>System </a:t>
+            </a:r>
+            <a:r>
+              <a:rPr lang="en-US" dirty="0" err="1" smtClean="0"/>
+              <a:t>Verilog</a:t>
+            </a:r>
+            <a:r>
+              <a:rPr lang="en-US" dirty="0" smtClean="0"/>
+              <a:t> is a combined Hardware descriptive language and Hardware verification language based on extensions to  </a:t>
+            </a:r>
+            <a:r>
+              <a:rPr lang="en-US" dirty="0" err="1" smtClean="0"/>
+              <a:t>Verilog</a:t>
+            </a:r>
+            <a:r>
+              <a:rPr lang="en-US" dirty="0" smtClean="0"/>
+              <a:t>.</a:t>
+            </a:r>
+          </a:p>
+          <a:p>
+            <a:r>
+              <a:rPr lang="en-US" dirty="0" smtClean="0"/>
+              <a:t>SV helps us in quantitatively </a:t>
+            </a:r>
+            <a:r>
+              <a:rPr lang="en-US" dirty="0" err="1" smtClean="0"/>
+              <a:t>analysing</a:t>
+            </a:r>
+            <a:r>
+              <a:rPr lang="en-US" dirty="0" smtClean="0"/>
+              <a:t> the design with a very systematic Test bench.</a:t>
+            </a:r>
+          </a:p>
+          <a:p>
+            <a:r>
+              <a:rPr lang="en-US" dirty="0" smtClean="0"/>
+              <a:t>With SV, we can analyze loopholes in the existing design easily and correct them as and when required. </a:t>
+            </a:r>
+          </a:p>
+          <a:p>
             <a:endParaRPr lang="en-US" dirty="0"/>
           </a:p>
         </p:txBody>
@@ -9366,38 +8872,22 @@
           <a:noFill/>
         </p:spPr>
       </p:pic>
-      <p:pic>
-        <p:nvPicPr>
-          <p:cNvPr id="6" name="Content Placeholder 5" descr="Untitled9.png"/>
-          <p:cNvPicPr>
-            <a:picLocks noGrp="1" noChangeAspect="1"/>
-          </p:cNvPicPr>
-          <p:nvPr>
-            <p:ph idx="1"/>
-          </p:nvPr>
-        </p:nvPicPr>
-        <p:blipFill>
-          <a:blip r:embed="rId3" cstate="print"/>
-          <a:stretch>
-            <a:fillRect/>
-          </a:stretch>
-        </p:blipFill>
-        <p:spPr>
-          <a:xfrm>
-            <a:off x="548922" y="1600200"/>
-            <a:ext cx="8046156" cy="4525963"/>
-          </a:xfrm>
-        </p:spPr>
-      </p:pic>
     </p:spTree>
   </p:cSld>
   <p:clrMapOvr>
     <a:masterClrMapping/>
   </p:clrMapOvr>
+  <p:timing>
+    <p:tnLst>
+      <p:par>
+        <p:cTn id="1" dur="indefinite" restart="never" nodeType="tmRoot"/>
+      </p:par>
+    </p:tnLst>
+  </p:timing>
 </p:sld>
 </file>
 
-<file path=ppt/slides/slide31.xml><?xml version="1.0" encoding="utf-8"?>
+<file path=ppt/slides/slide28.xml><?xml version="1.0" encoding="utf-8"?>
 <p:sld xmlns:a="http://schemas.openxmlformats.org/drawingml/2006/main" xmlns:r="http://schemas.openxmlformats.org/officeDocument/2006/relationships" xmlns:p="http://schemas.openxmlformats.org/presentationml/2006/main">
   <p:cSld>
     <p:spTree>
@@ -9424,12 +8914,7 @@
             <p:ph type="title"/>
           </p:nvPr>
         </p:nvSpPr>
-        <p:spPr>
-          <a:xfrm>
-            <a:off x="533400" y="609600"/>
-            <a:ext cx="8229600" cy="1143000"/>
-          </a:xfrm>
-        </p:spPr>
+        <p:spPr/>
         <p:txBody>
           <a:bodyPr>
             <a:normAutofit/>
@@ -9438,406 +8923,154 @@
           <a:p>
             <a:r>
               <a:rPr lang="en-US" dirty="0" smtClean="0"/>
-              <a:t>FIFO </a:t>
+              <a:t>Additions in System </a:t>
             </a:r>
             <a:r>
               <a:rPr lang="en-US" dirty="0" err="1" smtClean="0"/>
-              <a:t>Testbench</a:t>
-            </a:r>
-            <a:r>
-              <a:rPr lang="en-US" dirty="0" smtClean="0"/>
-              <a:t> Coverage Results</a:t>
+              <a:t>Verilog</a:t>
             </a:r>
             <a:endParaRPr lang="en-US" dirty="0"/>
           </a:p>
         </p:txBody>
       </p:sp>
-      <p:pic>
-        <p:nvPicPr>
-          <p:cNvPr id="4" name="Picture 2" descr="http://www.suggestcamera.com/wp-content/uploads/2015/08/Canon-logo.png"/>
-          <p:cNvPicPr>
-            <a:picLocks noChangeAspect="1" noChangeArrowheads="1"/>
-          </p:cNvPicPr>
-          <p:nvPr/>
-        </p:nvPicPr>
-        <p:blipFill>
-          <a:blip r:embed="rId2" cstate="print"/>
-          <a:srcRect/>
-          <a:stretch>
-            <a:fillRect/>
-          </a:stretch>
-        </p:blipFill>
-        <p:spPr bwMode="auto">
-          <a:xfrm>
-            <a:off x="0" y="0"/>
-            <a:ext cx="1981200" cy="554117"/>
-          </a:xfrm>
-          <a:prstGeom prst="rect">
-            <a:avLst/>
-          </a:prstGeom>
-          <a:noFill/>
-        </p:spPr>
-      </p:pic>
-      <p:pic>
-        <p:nvPicPr>
-          <p:cNvPr id="6" name="Content Placeholder 5" descr="Untitled1.png"/>
-          <p:cNvPicPr>
-            <a:picLocks noGrp="1" noChangeAspect="1"/>
-          </p:cNvPicPr>
+      <p:sp>
+        <p:nvSpPr>
+          <p:cNvPr id="3" name="Content Placeholder 2"/>
+          <p:cNvSpPr>
+            <a:spLocks noGrp="1"/>
+          </p:cNvSpPr>
           <p:nvPr>
             <p:ph idx="1"/>
           </p:nvPr>
-        </p:nvPicPr>
-        <p:blipFill>
-          <a:blip r:embed="rId3" cstate="print"/>
-          <a:stretch>
-            <a:fillRect/>
-          </a:stretch>
-        </p:blipFill>
-        <p:spPr>
-          <a:xfrm>
-            <a:off x="548922" y="1600200"/>
-            <a:ext cx="8046156" cy="4525963"/>
-          </a:xfrm>
-        </p:spPr>
-      </p:pic>
-    </p:spTree>
-  </p:cSld>
-  <p:clrMapOvr>
-    <a:masterClrMapping/>
-  </p:clrMapOvr>
-</p:sld>
-</file>
-
-<file path=ppt/slides/slide32.xml><?xml version="1.0" encoding="utf-8"?>
-<p:sld xmlns:a="http://schemas.openxmlformats.org/drawingml/2006/main" xmlns:r="http://schemas.openxmlformats.org/officeDocument/2006/relationships" xmlns:p="http://schemas.openxmlformats.org/presentationml/2006/main">
-  <p:cSld>
-    <p:spTree>
-      <p:nvGrpSpPr>
-        <p:cNvPr id="1" name=""/>
-        <p:cNvGrpSpPr/>
-        <p:nvPr/>
-      </p:nvGrpSpPr>
-      <p:grpSpPr>
-        <a:xfrm>
-          <a:off x="0" y="0"/>
-          <a:ext cx="0" cy="0"/>
-          <a:chOff x="0" y="0"/>
-          <a:chExt cx="0" cy="0"/>
-        </a:xfrm>
-      </p:grpSpPr>
-      <p:sp>
-        <p:nvSpPr>
-          <p:cNvPr id="2" name="Title 1"/>
-          <p:cNvSpPr>
-            <a:spLocks noGrp="1"/>
-          </p:cNvSpPr>
-          <p:nvPr>
-            <p:ph type="title"/>
-          </p:nvPr>
-        </p:nvSpPr>
-        <p:spPr>
-          <a:xfrm>
-            <a:off x="533400" y="609600"/>
-            <a:ext cx="8229600" cy="1143000"/>
-          </a:xfrm>
-        </p:spPr>
+        </p:nvSpPr>
+        <p:spPr/>
         <p:txBody>
           <a:bodyPr>
-            <a:normAutofit/>
+            <a:normAutofit fontScale="85000" lnSpcReduction="20000"/>
           </a:bodyPr>
           <a:lstStyle/>
           <a:p>
             <a:r>
               <a:rPr lang="en-US" dirty="0" smtClean="0"/>
-              <a:t>FIFO </a:t>
+              <a:t>Some of the new features in System </a:t>
             </a:r>
             <a:r>
               <a:rPr lang="en-US" dirty="0" err="1" smtClean="0"/>
-              <a:t>Testbench</a:t>
-            </a:r>
-            <a:r>
-              <a:rPr lang="en-US" dirty="0" smtClean="0"/>
-              <a:t> Coverage Results</a:t>
-            </a:r>
-            <a:endParaRPr lang="en-US" dirty="0"/>
-          </a:p>
-        </p:txBody>
-      </p:sp>
-      <p:pic>
-        <p:nvPicPr>
-          <p:cNvPr id="4" name="Picture 2" descr="http://www.suggestcamera.com/wp-content/uploads/2015/08/Canon-logo.png"/>
-          <p:cNvPicPr>
-            <a:picLocks noChangeAspect="1" noChangeArrowheads="1"/>
-          </p:cNvPicPr>
-          <p:nvPr/>
-        </p:nvPicPr>
-        <p:blipFill>
-          <a:blip r:embed="rId2" cstate="print"/>
-          <a:srcRect/>
-          <a:stretch>
-            <a:fillRect/>
-          </a:stretch>
-        </p:blipFill>
-        <p:spPr bwMode="auto">
-          <a:xfrm>
-            <a:off x="0" y="0"/>
-            <a:ext cx="1981200" cy="554117"/>
-          </a:xfrm>
-          <a:prstGeom prst="rect">
-            <a:avLst/>
-          </a:prstGeom>
-          <a:noFill/>
-        </p:spPr>
-      </p:pic>
-      <p:pic>
-        <p:nvPicPr>
-          <p:cNvPr id="6" name="Content Placeholder 5" descr="Untitled5.png"/>
-          <p:cNvPicPr>
-            <a:picLocks noGrp="1" noChangeAspect="1"/>
-          </p:cNvPicPr>
-          <p:nvPr>
-            <p:ph idx="1"/>
-          </p:nvPr>
-        </p:nvPicPr>
-        <p:blipFill>
-          <a:blip r:embed="rId3" cstate="print"/>
-          <a:stretch>
-            <a:fillRect/>
-          </a:stretch>
-        </p:blipFill>
-        <p:spPr>
-          <a:xfrm>
-            <a:off x="548922" y="1600200"/>
-            <a:ext cx="8046156" cy="4525963"/>
-          </a:xfrm>
-        </p:spPr>
-      </p:pic>
-    </p:spTree>
-  </p:cSld>
-  <p:clrMapOvr>
-    <a:masterClrMapping/>
-  </p:clrMapOvr>
-</p:sld>
-</file>
-
-<file path=ppt/slides/slide33.xml><?xml version="1.0" encoding="utf-8"?>
-<p:sld xmlns:a="http://schemas.openxmlformats.org/drawingml/2006/main" xmlns:r="http://schemas.openxmlformats.org/officeDocument/2006/relationships" xmlns:p="http://schemas.openxmlformats.org/presentationml/2006/main">
-  <p:cSld>
-    <p:spTree>
-      <p:nvGrpSpPr>
-        <p:cNvPr id="1" name=""/>
-        <p:cNvGrpSpPr/>
-        <p:nvPr/>
-      </p:nvGrpSpPr>
-      <p:grpSpPr>
-        <a:xfrm>
-          <a:off x="0" y="0"/>
-          <a:ext cx="0" cy="0"/>
-          <a:chOff x="0" y="0"/>
-          <a:chExt cx="0" cy="0"/>
-        </a:xfrm>
-      </p:grpSpPr>
-      <p:sp>
-        <p:nvSpPr>
-          <p:cNvPr id="2" name="Title 1"/>
-          <p:cNvSpPr>
-            <a:spLocks noGrp="1"/>
-          </p:cNvSpPr>
-          <p:nvPr>
-            <p:ph type="title"/>
-          </p:nvPr>
-        </p:nvSpPr>
-        <p:spPr>
-          <a:xfrm>
-            <a:off x="533400" y="609600"/>
-            <a:ext cx="8229600" cy="1143000"/>
-          </a:xfrm>
-        </p:spPr>
-        <p:txBody>
-          <a:bodyPr>
-            <a:normAutofit/>
-          </a:bodyPr>
-          <a:lstStyle/>
-          <a:p>
-            <a:r>
-              <a:rPr lang="en-US" dirty="0" smtClean="0"/>
-              <a:t>FIFO </a:t>
+              <a:t>Verilog</a:t>
+            </a:r>
+            <a:r>
+              <a:rPr lang="en-US" dirty="0" smtClean="0"/>
+              <a:t> are as listed below. </a:t>
+            </a:r>
+          </a:p>
+          <a:p>
+            <a:pPr lvl="1"/>
+            <a:r>
+              <a:rPr lang="en-US" dirty="0" smtClean="0"/>
+              <a:t>C type data types like </a:t>
             </a:r>
             <a:r>
               <a:rPr lang="en-US" dirty="0" err="1" smtClean="0"/>
-              <a:t>Testbench</a:t>
-            </a:r>
-            <a:r>
-              <a:rPr lang="en-US" dirty="0" smtClean="0"/>
-              <a:t> Coverage Results</a:t>
-            </a:r>
-            <a:endParaRPr lang="en-US" dirty="0"/>
-          </a:p>
-        </p:txBody>
-      </p:sp>
-      <p:pic>
-        <p:nvPicPr>
-          <p:cNvPr id="4" name="Picture 2" descr="http://www.suggestcamera.com/wp-content/uploads/2015/08/Canon-logo.png"/>
-          <p:cNvPicPr>
-            <a:picLocks noChangeAspect="1" noChangeArrowheads="1"/>
-          </p:cNvPicPr>
-          <p:nvPr/>
-        </p:nvPicPr>
-        <p:blipFill>
-          <a:blip r:embed="rId2" cstate="print"/>
-          <a:srcRect/>
-          <a:stretch>
-            <a:fillRect/>
-          </a:stretch>
-        </p:blipFill>
-        <p:spPr bwMode="auto">
-          <a:xfrm>
-            <a:off x="0" y="0"/>
-            <a:ext cx="1981200" cy="554117"/>
-          </a:xfrm>
-          <a:prstGeom prst="rect">
-            <a:avLst/>
-          </a:prstGeom>
-          <a:noFill/>
-        </p:spPr>
-      </p:pic>
-      <p:pic>
-        <p:nvPicPr>
-          <p:cNvPr id="6" name="Content Placeholder 5" descr="Untitled2.png"/>
-          <p:cNvPicPr>
-            <a:picLocks noGrp="1" noChangeAspect="1"/>
-          </p:cNvPicPr>
-          <p:nvPr>
-            <p:ph idx="1"/>
-          </p:nvPr>
-        </p:nvPicPr>
-        <p:blipFill>
-          <a:blip r:embed="rId3" cstate="print"/>
-          <a:stretch>
-            <a:fillRect/>
-          </a:stretch>
-        </p:blipFill>
-        <p:spPr>
-          <a:xfrm>
-            <a:off x="548922" y="1600200"/>
-            <a:ext cx="8046156" cy="4525963"/>
-          </a:xfrm>
-        </p:spPr>
-      </p:pic>
-    </p:spTree>
-  </p:cSld>
-  <p:clrMapOvr>
-    <a:masterClrMapping/>
-  </p:clrMapOvr>
-</p:sld>
-</file>
-
-<file path=ppt/slides/slide4.xml><?xml version="1.0" encoding="utf-8"?>
-<p:sld xmlns:a="http://schemas.openxmlformats.org/drawingml/2006/main" xmlns:r="http://schemas.openxmlformats.org/officeDocument/2006/relationships" xmlns:p="http://schemas.openxmlformats.org/presentationml/2006/main">
-  <p:cSld>
-    <p:spTree>
-      <p:nvGrpSpPr>
-        <p:cNvPr id="1" name=""/>
-        <p:cNvGrpSpPr/>
-        <p:nvPr/>
-      </p:nvGrpSpPr>
-      <p:grpSpPr>
-        <a:xfrm>
-          <a:off x="0" y="0"/>
-          <a:ext cx="0" cy="0"/>
-          <a:chOff x="0" y="0"/>
-          <a:chExt cx="0" cy="0"/>
-        </a:xfrm>
-      </p:grpSpPr>
-      <p:sp>
-        <p:nvSpPr>
-          <p:cNvPr id="2" name="Title 1"/>
-          <p:cNvSpPr>
-            <a:spLocks noGrp="1"/>
-          </p:cNvSpPr>
-          <p:nvPr>
-            <p:ph type="title"/>
-          </p:nvPr>
-        </p:nvSpPr>
-        <p:spPr>
-          <a:xfrm>
-            <a:off x="457200" y="609600"/>
-            <a:ext cx="8229600" cy="1143000"/>
-          </a:xfrm>
-        </p:spPr>
-        <p:txBody>
-          <a:bodyPr>
-            <a:normAutofit/>
-          </a:bodyPr>
-          <a:lstStyle/>
-          <a:p>
-            <a:r>
-              <a:rPr lang="en-US" dirty="0" smtClean="0"/>
-              <a:t>PERL PROGRAMMING</a:t>
-            </a:r>
-            <a:endParaRPr lang="en-US" dirty="0"/>
-          </a:p>
-        </p:txBody>
-      </p:sp>
-      <p:sp>
-        <p:nvSpPr>
-          <p:cNvPr id="3" name="Content Placeholder 2"/>
-          <p:cNvSpPr>
-            <a:spLocks noGrp="1"/>
-          </p:cNvSpPr>
-          <p:nvPr>
-            <p:ph idx="1"/>
-          </p:nvPr>
-        </p:nvSpPr>
-        <p:spPr/>
-        <p:txBody>
-          <a:bodyPr>
-            <a:normAutofit fontScale="92500" lnSpcReduction="10000"/>
-          </a:bodyPr>
-          <a:lstStyle/>
-          <a:p>
-            <a:r>
-              <a:rPr lang="en-US" dirty="0" smtClean="0"/>
-              <a:t>First scripting language undertaken for learning.</a:t>
-            </a:r>
-          </a:p>
-          <a:p>
-            <a:r>
-              <a:rPr lang="en-US" dirty="0" smtClean="0"/>
-              <a:t>Perl is quite a user friendly language which allows user to code in his style(no predefined rules and indents).</a:t>
-            </a:r>
-          </a:p>
-          <a:p>
-            <a:r>
-              <a:rPr lang="en-US" dirty="0" smtClean="0"/>
-              <a:t>Two slogans in PERL include : </a:t>
+              <a:t>int</a:t>
+            </a:r>
+            <a:r>
+              <a:rPr lang="en-US" dirty="0" smtClean="0"/>
+              <a:t>, </a:t>
+            </a:r>
+            <a:r>
+              <a:rPr lang="en-US" dirty="0" err="1" smtClean="0"/>
+              <a:t>typedef</a:t>
+            </a:r>
+            <a:r>
+              <a:rPr lang="en-US" dirty="0" smtClean="0"/>
+              <a:t>, </a:t>
+            </a:r>
+            <a:r>
+              <a:rPr lang="en-US" dirty="0" err="1" smtClean="0"/>
+              <a:t>struct</a:t>
+            </a:r>
+            <a:r>
+              <a:rPr lang="en-US" dirty="0" smtClean="0"/>
+              <a:t>, union, </a:t>
+            </a:r>
+            <a:r>
+              <a:rPr lang="en-US" dirty="0" err="1" smtClean="0"/>
+              <a:t>enum</a:t>
+            </a:r>
+            <a:r>
+              <a:rPr lang="en-US" dirty="0" smtClean="0"/>
+              <a:t>.</a:t>
             </a:r>
           </a:p>
           <a:p>
             <a:pPr lvl="1"/>
             <a:r>
               <a:rPr lang="en-US" dirty="0" smtClean="0"/>
-              <a:t>"There's more than one way to do it“</a:t>
+              <a:t>Dynamic data types : </a:t>
+            </a:r>
+            <a:r>
+              <a:rPr lang="en-US" dirty="0" err="1" smtClean="0"/>
+              <a:t>struct</a:t>
+            </a:r>
+            <a:r>
+              <a:rPr lang="en-US" dirty="0" smtClean="0"/>
+              <a:t>, classes, dynamic queues, dynamic arrays</a:t>
             </a:r>
           </a:p>
           <a:p>
             <a:pPr lvl="1"/>
             <a:r>
               <a:rPr lang="en-US" dirty="0" smtClean="0"/>
-              <a:t>"Easy things should be easy and hard things should be possible".</a:t>
-            </a:r>
-          </a:p>
-          <a:p>
-            <a:r>
-              <a:rPr lang="en-US" dirty="0" smtClean="0"/>
-              <a:t>The language is more practical, has cross platform application and a large collection of modules.</a:t>
-            </a:r>
-          </a:p>
-          <a:p>
-            <a:endParaRPr lang="en-US" dirty="0" smtClean="0"/>
-          </a:p>
-          <a:p>
+              <a:t>New operators and built in methods</a:t>
+            </a:r>
+          </a:p>
+          <a:p>
+            <a:pPr lvl="1"/>
+            <a:r>
+              <a:rPr lang="en-US" dirty="0" smtClean="0"/>
+              <a:t>Enhanced flow control like, </a:t>
+            </a:r>
+            <a:r>
+              <a:rPr lang="en-US" dirty="0" err="1" smtClean="0"/>
+              <a:t>foreach</a:t>
+            </a:r>
+            <a:r>
+              <a:rPr lang="en-US" dirty="0" smtClean="0"/>
+              <a:t>, return, break, continue</a:t>
+            </a:r>
+          </a:p>
+          <a:p>
+            <a:pPr lvl="1"/>
+            <a:r>
+              <a:rPr lang="en-US" dirty="0" smtClean="0"/>
+              <a:t>Semaphores, mailboxes, event extensions</a:t>
+            </a:r>
+          </a:p>
+          <a:p>
+            <a:pPr lvl="1"/>
+            <a:r>
+              <a:rPr lang="en-US" dirty="0" smtClean="0"/>
+              <a:t>Classes for object oriented programming</a:t>
+            </a:r>
+          </a:p>
+          <a:p>
+            <a:pPr lvl="1"/>
+            <a:r>
+              <a:rPr lang="en-US" dirty="0" smtClean="0"/>
+              <a:t>Assertions</a:t>
+            </a:r>
+          </a:p>
+          <a:p>
+            <a:pPr lvl="1"/>
+            <a:r>
+              <a:rPr lang="en-US" dirty="0" smtClean="0"/>
+              <a:t>Coverage</a:t>
+            </a:r>
+          </a:p>
+          <a:p>
+            <a:pPr>
+              <a:buNone/>
+            </a:pPr>
             <a:endParaRPr lang="en-US" dirty="0"/>
           </a:p>
         </p:txBody>
@@ -9876,6 +9109,1966 @@
 </p:sld>
 </file>
 
+<file path=ppt/slides/slide29.xml><?xml version="1.0" encoding="utf-8"?>
+<p:sld xmlns:a="http://schemas.openxmlformats.org/drawingml/2006/main" xmlns:r="http://schemas.openxmlformats.org/officeDocument/2006/relationships" xmlns:p="http://schemas.openxmlformats.org/presentationml/2006/main">
+  <p:cSld>
+    <p:spTree>
+      <p:nvGrpSpPr>
+        <p:cNvPr id="1" name=""/>
+        <p:cNvGrpSpPr/>
+        <p:nvPr/>
+      </p:nvGrpSpPr>
+      <p:grpSpPr>
+        <a:xfrm>
+          <a:off x="0" y="0"/>
+          <a:ext cx="0" cy="0"/>
+          <a:chOff x="0" y="0"/>
+          <a:chExt cx="0" cy="0"/>
+        </a:xfrm>
+      </p:grpSpPr>
+      <p:sp>
+        <p:nvSpPr>
+          <p:cNvPr id="2" name="Title 1"/>
+          <p:cNvSpPr>
+            <a:spLocks noGrp="1"/>
+          </p:cNvSpPr>
+          <p:nvPr>
+            <p:ph type="title"/>
+          </p:nvPr>
+        </p:nvSpPr>
+        <p:spPr>
+          <a:xfrm>
+            <a:off x="533400" y="609600"/>
+            <a:ext cx="8229600" cy="1143000"/>
+          </a:xfrm>
+        </p:spPr>
+        <p:txBody>
+          <a:bodyPr>
+            <a:normAutofit fontScale="90000"/>
+          </a:bodyPr>
+          <a:lstStyle/>
+          <a:p>
+            <a:r>
+              <a:rPr lang="en-US" dirty="0" smtClean="0"/>
+              <a:t>Basic Block Diagram of System </a:t>
+            </a:r>
+            <a:r>
+              <a:rPr lang="en-US" dirty="0" err="1" smtClean="0"/>
+              <a:t>Verilog</a:t>
+            </a:r>
+            <a:r>
+              <a:rPr lang="en-US" dirty="0" smtClean="0"/>
+              <a:t> </a:t>
+            </a:r>
+            <a:r>
+              <a:rPr lang="en-US" dirty="0" err="1" smtClean="0"/>
+              <a:t>Testbench</a:t>
+            </a:r>
+            <a:endParaRPr lang="en-US" dirty="0"/>
+          </a:p>
+        </p:txBody>
+      </p:sp>
+      <p:pic>
+        <p:nvPicPr>
+          <p:cNvPr id="5" name="Content Placeholder 4" descr="onescounterenv.PNG"/>
+          <p:cNvPicPr>
+            <a:picLocks noGrp="1" noChangeAspect="1"/>
+          </p:cNvPicPr>
+          <p:nvPr>
+            <p:ph idx="1"/>
+          </p:nvPr>
+        </p:nvPicPr>
+        <p:blipFill>
+          <a:blip r:embed="rId2" cstate="print"/>
+          <a:stretch>
+            <a:fillRect/>
+          </a:stretch>
+        </p:blipFill>
+        <p:spPr>
+          <a:xfrm>
+            <a:off x="773834" y="1754501"/>
+            <a:ext cx="7596331" cy="4217361"/>
+          </a:xfrm>
+        </p:spPr>
+      </p:pic>
+      <p:pic>
+        <p:nvPicPr>
+          <p:cNvPr id="4" name="Picture 2" descr="http://www.suggestcamera.com/wp-content/uploads/2015/08/Canon-logo.png"/>
+          <p:cNvPicPr>
+            <a:picLocks noChangeAspect="1" noChangeArrowheads="1"/>
+          </p:cNvPicPr>
+          <p:nvPr/>
+        </p:nvPicPr>
+        <p:blipFill>
+          <a:blip r:embed="rId3" cstate="print"/>
+          <a:srcRect/>
+          <a:stretch>
+            <a:fillRect/>
+          </a:stretch>
+        </p:blipFill>
+        <p:spPr bwMode="auto">
+          <a:xfrm>
+            <a:off x="0" y="0"/>
+            <a:ext cx="1981200" cy="554117"/>
+          </a:xfrm>
+          <a:prstGeom prst="rect">
+            <a:avLst/>
+          </a:prstGeom>
+          <a:noFill/>
+        </p:spPr>
+      </p:pic>
+    </p:spTree>
+  </p:cSld>
+  <p:clrMapOvr>
+    <a:masterClrMapping/>
+  </p:clrMapOvr>
+</p:sld>
+</file>
+
+<file path=ppt/slides/slide3.xml><?xml version="1.0" encoding="utf-8"?>
+<p:sld xmlns:a="http://schemas.openxmlformats.org/drawingml/2006/main" xmlns:r="http://schemas.openxmlformats.org/officeDocument/2006/relationships" xmlns:p="http://schemas.openxmlformats.org/presentationml/2006/main">
+  <p:cSld>
+    <p:spTree>
+      <p:nvGrpSpPr>
+        <p:cNvPr id="1" name=""/>
+        <p:cNvGrpSpPr/>
+        <p:nvPr/>
+      </p:nvGrpSpPr>
+      <p:grpSpPr>
+        <a:xfrm>
+          <a:off x="0" y="0"/>
+          <a:ext cx="0" cy="0"/>
+          <a:chOff x="0" y="0"/>
+          <a:chExt cx="0" cy="0"/>
+        </a:xfrm>
+      </p:grpSpPr>
+      <p:sp>
+        <p:nvSpPr>
+          <p:cNvPr id="2" name="Title 1"/>
+          <p:cNvSpPr>
+            <a:spLocks noGrp="1"/>
+          </p:cNvSpPr>
+          <p:nvPr>
+            <p:ph type="title"/>
+          </p:nvPr>
+        </p:nvSpPr>
+        <p:spPr>
+          <a:xfrm>
+            <a:off x="457200" y="609600"/>
+            <a:ext cx="8229600" cy="1143000"/>
+          </a:xfrm>
+        </p:spPr>
+        <p:txBody>
+          <a:bodyPr>
+            <a:normAutofit/>
+          </a:bodyPr>
+          <a:lstStyle/>
+          <a:p>
+            <a:r>
+              <a:rPr lang="en-US" dirty="0" smtClean="0"/>
+              <a:t>Before Joining </a:t>
+            </a:r>
+            <a:r>
+              <a:rPr lang="en-US" dirty="0" smtClean="0"/>
+              <a:t>CANON : Overview</a:t>
+            </a:r>
+            <a:endParaRPr lang="en-US" dirty="0"/>
+          </a:p>
+        </p:txBody>
+      </p:sp>
+      <p:sp>
+        <p:nvSpPr>
+          <p:cNvPr id="3" name="Content Placeholder 2"/>
+          <p:cNvSpPr>
+            <a:spLocks noGrp="1"/>
+          </p:cNvSpPr>
+          <p:nvPr>
+            <p:ph idx="1"/>
+          </p:nvPr>
+        </p:nvSpPr>
+        <p:spPr/>
+        <p:txBody>
+          <a:bodyPr/>
+          <a:lstStyle/>
+          <a:p>
+            <a:r>
+              <a:rPr lang="en-US" dirty="0" smtClean="0"/>
+              <a:t>Worked on Linux platform for simple applications. </a:t>
+            </a:r>
+          </a:p>
+          <a:p>
+            <a:r>
+              <a:rPr lang="en-US" dirty="0" smtClean="0"/>
+              <a:t>Knew only C programming and Java.</a:t>
+            </a:r>
+          </a:p>
+          <a:p>
+            <a:r>
+              <a:rPr lang="en-US" dirty="0" smtClean="0"/>
+              <a:t>Learnt basics of </a:t>
+            </a:r>
+            <a:r>
+              <a:rPr lang="en-US" dirty="0" err="1" smtClean="0"/>
+              <a:t>Verilog</a:t>
+            </a:r>
+            <a:r>
+              <a:rPr lang="en-US" dirty="0" smtClean="0"/>
+              <a:t>.</a:t>
+            </a:r>
+          </a:p>
+          <a:p>
+            <a:r>
+              <a:rPr lang="en-US" dirty="0" smtClean="0"/>
+              <a:t>Interested towards VLSI, Artificial Intelligence and concepts related to Image Processing.</a:t>
+            </a:r>
+          </a:p>
+        </p:txBody>
+      </p:sp>
+      <p:pic>
+        <p:nvPicPr>
+          <p:cNvPr id="4" name="Picture 2" descr="http://www.suggestcamera.com/wp-content/uploads/2015/08/Canon-logo.png"/>
+          <p:cNvPicPr>
+            <a:picLocks noChangeAspect="1" noChangeArrowheads="1"/>
+          </p:cNvPicPr>
+          <p:nvPr/>
+        </p:nvPicPr>
+        <p:blipFill>
+          <a:blip r:embed="rId2" cstate="print"/>
+          <a:srcRect/>
+          <a:stretch>
+            <a:fillRect/>
+          </a:stretch>
+        </p:blipFill>
+        <p:spPr bwMode="auto">
+          <a:xfrm>
+            <a:off x="0" y="0"/>
+            <a:ext cx="1981200" cy="554117"/>
+          </a:xfrm>
+          <a:prstGeom prst="rect">
+            <a:avLst/>
+          </a:prstGeom>
+          <a:noFill/>
+        </p:spPr>
+      </p:pic>
+    </p:spTree>
+  </p:cSld>
+  <p:clrMapOvr>
+    <a:masterClrMapping/>
+  </p:clrMapOvr>
+  <p:timing>
+    <p:tnLst>
+      <p:par>
+        <p:cTn id="1" dur="indefinite" restart="never" nodeType="tmRoot"/>
+      </p:par>
+    </p:tnLst>
+  </p:timing>
+</p:sld>
+</file>
+
+<file path=ppt/slides/slide30.xml><?xml version="1.0" encoding="utf-8"?>
+<p:sld xmlns:a="http://schemas.openxmlformats.org/drawingml/2006/main" xmlns:r="http://schemas.openxmlformats.org/officeDocument/2006/relationships" xmlns:p="http://schemas.openxmlformats.org/presentationml/2006/main">
+  <p:cSld>
+    <p:spTree>
+      <p:nvGrpSpPr>
+        <p:cNvPr id="1" name=""/>
+        <p:cNvGrpSpPr/>
+        <p:nvPr/>
+      </p:nvGrpSpPr>
+      <p:grpSpPr>
+        <a:xfrm>
+          <a:off x="0" y="0"/>
+          <a:ext cx="0" cy="0"/>
+          <a:chOff x="0" y="0"/>
+          <a:chExt cx="0" cy="0"/>
+        </a:xfrm>
+      </p:grpSpPr>
+      <p:sp>
+        <p:nvSpPr>
+          <p:cNvPr id="2" name="Title 1"/>
+          <p:cNvSpPr>
+            <a:spLocks noGrp="1"/>
+          </p:cNvSpPr>
+          <p:nvPr>
+            <p:ph type="title"/>
+          </p:nvPr>
+        </p:nvSpPr>
+        <p:spPr>
+          <a:xfrm>
+            <a:off x="533400" y="609600"/>
+            <a:ext cx="8229600" cy="1143000"/>
+          </a:xfrm>
+        </p:spPr>
+        <p:txBody>
+          <a:bodyPr>
+            <a:normAutofit/>
+          </a:bodyPr>
+          <a:lstStyle/>
+          <a:p>
+            <a:r>
+              <a:rPr lang="en-US" dirty="0" smtClean="0"/>
+              <a:t>Counter </a:t>
+            </a:r>
+            <a:r>
+              <a:rPr lang="en-US" dirty="0" err="1" smtClean="0"/>
+              <a:t>Testbench</a:t>
+            </a:r>
+            <a:r>
+              <a:rPr lang="en-US" dirty="0" smtClean="0"/>
+              <a:t> Overview </a:t>
+            </a:r>
+            <a:endParaRPr lang="en-US" dirty="0"/>
+          </a:p>
+        </p:txBody>
+      </p:sp>
+      <p:pic>
+        <p:nvPicPr>
+          <p:cNvPr id="4" name="Picture 2" descr="http://www.suggestcamera.com/wp-content/uploads/2015/08/Canon-logo.png"/>
+          <p:cNvPicPr>
+            <a:picLocks noChangeAspect="1" noChangeArrowheads="1"/>
+          </p:cNvPicPr>
+          <p:nvPr/>
+        </p:nvPicPr>
+        <p:blipFill>
+          <a:blip r:embed="rId2" cstate="print"/>
+          <a:srcRect/>
+          <a:stretch>
+            <a:fillRect/>
+          </a:stretch>
+        </p:blipFill>
+        <p:spPr bwMode="auto">
+          <a:xfrm>
+            <a:off x="0" y="0"/>
+            <a:ext cx="1981200" cy="554117"/>
+          </a:xfrm>
+          <a:prstGeom prst="rect">
+            <a:avLst/>
+          </a:prstGeom>
+          <a:noFill/>
+        </p:spPr>
+      </p:pic>
+      <p:sp>
+        <p:nvSpPr>
+          <p:cNvPr id="6" name="Content Placeholder 5"/>
+          <p:cNvSpPr>
+            <a:spLocks noGrp="1"/>
+          </p:cNvSpPr>
+          <p:nvPr>
+            <p:ph idx="1"/>
+          </p:nvPr>
+        </p:nvSpPr>
+        <p:spPr/>
+        <p:txBody>
+          <a:bodyPr>
+            <a:normAutofit lnSpcReduction="10000"/>
+          </a:bodyPr>
+          <a:lstStyle/>
+          <a:p>
+            <a:r>
+              <a:rPr lang="en-US" dirty="0" smtClean="0"/>
+              <a:t>Some of the Assertions and test coverage includes:</a:t>
+            </a:r>
+          </a:p>
+          <a:p>
+            <a:pPr lvl="1"/>
+            <a:r>
+              <a:rPr lang="en-US" dirty="0" smtClean="0"/>
+              <a:t>Reset pin setting the count to zero within stipulated number of clock cycles.</a:t>
+            </a:r>
+          </a:p>
+          <a:p>
+            <a:pPr lvl="1"/>
+            <a:r>
+              <a:rPr lang="en-US" dirty="0" smtClean="0"/>
+              <a:t>Rollover of the counter when it is full.</a:t>
+            </a:r>
+          </a:p>
+          <a:p>
+            <a:pPr lvl="1"/>
+            <a:r>
+              <a:rPr lang="en-US" dirty="0" smtClean="0"/>
+              <a:t>Covering all cross possibilities of reset and enable pins to verify the case.</a:t>
+            </a:r>
+          </a:p>
+          <a:p>
+            <a:pPr lvl="1"/>
+            <a:r>
+              <a:rPr lang="en-US" dirty="0" smtClean="0"/>
+              <a:t>Checking that the devices are clock sensitive and work in synchronous with the positive edge of the clock.</a:t>
+            </a:r>
+            <a:endParaRPr lang="en-US" dirty="0"/>
+          </a:p>
+        </p:txBody>
+      </p:sp>
+    </p:spTree>
+  </p:cSld>
+  <p:clrMapOvr>
+    <a:masterClrMapping/>
+  </p:clrMapOvr>
+</p:sld>
+</file>
+
+<file path=ppt/slides/slide31.xml><?xml version="1.0" encoding="utf-8"?>
+<p:sld xmlns:a="http://schemas.openxmlformats.org/drawingml/2006/main" xmlns:r="http://schemas.openxmlformats.org/officeDocument/2006/relationships" xmlns:p="http://schemas.openxmlformats.org/presentationml/2006/main">
+  <p:cSld>
+    <p:spTree>
+      <p:nvGrpSpPr>
+        <p:cNvPr id="1" name=""/>
+        <p:cNvGrpSpPr/>
+        <p:nvPr/>
+      </p:nvGrpSpPr>
+      <p:grpSpPr>
+        <a:xfrm>
+          <a:off x="0" y="0"/>
+          <a:ext cx="0" cy="0"/>
+          <a:chOff x="0" y="0"/>
+          <a:chExt cx="0" cy="0"/>
+        </a:xfrm>
+      </p:grpSpPr>
+      <p:sp>
+        <p:nvSpPr>
+          <p:cNvPr id="2" name="Title 1"/>
+          <p:cNvSpPr>
+            <a:spLocks noGrp="1"/>
+          </p:cNvSpPr>
+          <p:nvPr>
+            <p:ph type="title"/>
+          </p:nvPr>
+        </p:nvSpPr>
+        <p:spPr>
+          <a:xfrm>
+            <a:off x="533400" y="609600"/>
+            <a:ext cx="8229600" cy="1143000"/>
+          </a:xfrm>
+        </p:spPr>
+        <p:txBody>
+          <a:bodyPr>
+            <a:normAutofit fontScale="90000"/>
+          </a:bodyPr>
+          <a:lstStyle/>
+          <a:p>
+            <a:r>
+              <a:rPr lang="en-US" dirty="0" smtClean="0"/>
+              <a:t>Counter </a:t>
+            </a:r>
+            <a:r>
+              <a:rPr lang="en-US" dirty="0" err="1" smtClean="0"/>
+              <a:t>Testbench</a:t>
+            </a:r>
+            <a:r>
+              <a:rPr lang="en-US" dirty="0" smtClean="0"/>
+              <a:t> Coverage Results</a:t>
+            </a:r>
+            <a:endParaRPr lang="en-US" dirty="0"/>
+          </a:p>
+        </p:txBody>
+      </p:sp>
+      <p:pic>
+        <p:nvPicPr>
+          <p:cNvPr id="4" name="Picture 2" descr="http://www.suggestcamera.com/wp-content/uploads/2015/08/Canon-logo.png"/>
+          <p:cNvPicPr>
+            <a:picLocks noChangeAspect="1" noChangeArrowheads="1"/>
+          </p:cNvPicPr>
+          <p:nvPr/>
+        </p:nvPicPr>
+        <p:blipFill>
+          <a:blip r:embed="rId2" cstate="print"/>
+          <a:srcRect/>
+          <a:stretch>
+            <a:fillRect/>
+          </a:stretch>
+        </p:blipFill>
+        <p:spPr bwMode="auto">
+          <a:xfrm>
+            <a:off x="0" y="0"/>
+            <a:ext cx="1981200" cy="554117"/>
+          </a:xfrm>
+          <a:prstGeom prst="rect">
+            <a:avLst/>
+          </a:prstGeom>
+          <a:noFill/>
+        </p:spPr>
+      </p:pic>
+      <p:sp>
+        <p:nvSpPr>
+          <p:cNvPr id="6" name="Content Placeholder 5"/>
+          <p:cNvSpPr>
+            <a:spLocks noGrp="1"/>
+          </p:cNvSpPr>
+          <p:nvPr>
+            <p:ph idx="1"/>
+          </p:nvPr>
+        </p:nvSpPr>
+        <p:spPr/>
+        <p:txBody>
+          <a:bodyPr>
+            <a:normAutofit/>
+          </a:bodyPr>
+          <a:lstStyle/>
+          <a:p>
+            <a:r>
+              <a:rPr lang="en-US" dirty="0" smtClean="0"/>
+              <a:t>Some of the results include:</a:t>
+            </a:r>
+          </a:p>
+          <a:p>
+            <a:pPr lvl="1"/>
+            <a:r>
+              <a:rPr lang="en-US" dirty="0" smtClean="0"/>
+              <a:t>100% coverage to all the values of the counter</a:t>
+            </a:r>
+          </a:p>
+          <a:p>
+            <a:pPr lvl="1"/>
+            <a:r>
+              <a:rPr lang="en-US" dirty="0" smtClean="0"/>
+              <a:t>100% coverage to all the cross coverage features of the reset and enable pins</a:t>
+            </a:r>
+          </a:p>
+          <a:p>
+            <a:pPr lvl="1"/>
+            <a:r>
+              <a:rPr lang="en-US" dirty="0" smtClean="0"/>
+              <a:t>100% coverage to the </a:t>
+            </a:r>
+            <a:r>
+              <a:rPr lang="en-US" dirty="0" err="1" smtClean="0"/>
+              <a:t>coverpoint</a:t>
+            </a:r>
+            <a:r>
+              <a:rPr lang="en-US" dirty="0" smtClean="0"/>
+              <a:t> involving the rollover of the count variable</a:t>
+            </a:r>
+          </a:p>
+          <a:p>
+            <a:pPr lvl="1"/>
+            <a:r>
+              <a:rPr lang="en-US" dirty="0" smtClean="0"/>
+              <a:t>Verification of the Reset and an assertion in case of an error in the design.</a:t>
+            </a:r>
+          </a:p>
+        </p:txBody>
+      </p:sp>
+    </p:spTree>
+  </p:cSld>
+  <p:clrMapOvr>
+    <a:masterClrMapping/>
+  </p:clrMapOvr>
+</p:sld>
+</file>
+
+<file path=ppt/slides/slide32.xml><?xml version="1.0" encoding="utf-8"?>
+<p:sld xmlns:a="http://schemas.openxmlformats.org/drawingml/2006/main" xmlns:r="http://schemas.openxmlformats.org/officeDocument/2006/relationships" xmlns:p="http://schemas.openxmlformats.org/presentationml/2006/main">
+  <p:cSld>
+    <p:spTree>
+      <p:nvGrpSpPr>
+        <p:cNvPr id="1" name=""/>
+        <p:cNvGrpSpPr/>
+        <p:nvPr/>
+      </p:nvGrpSpPr>
+      <p:grpSpPr>
+        <a:xfrm>
+          <a:off x="0" y="0"/>
+          <a:ext cx="0" cy="0"/>
+          <a:chOff x="0" y="0"/>
+          <a:chExt cx="0" cy="0"/>
+        </a:xfrm>
+      </p:grpSpPr>
+      <p:sp>
+        <p:nvSpPr>
+          <p:cNvPr id="2" name="Title 1"/>
+          <p:cNvSpPr>
+            <a:spLocks noGrp="1"/>
+          </p:cNvSpPr>
+          <p:nvPr>
+            <p:ph type="title"/>
+          </p:nvPr>
+        </p:nvSpPr>
+        <p:spPr>
+          <a:xfrm>
+            <a:off x="533400" y="533400"/>
+            <a:ext cx="8229600" cy="1143000"/>
+          </a:xfrm>
+        </p:spPr>
+        <p:txBody>
+          <a:bodyPr>
+            <a:normAutofit/>
+          </a:bodyPr>
+          <a:lstStyle/>
+          <a:p>
+            <a:r>
+              <a:rPr lang="en-US" dirty="0" smtClean="0"/>
+              <a:t>FIFO </a:t>
+            </a:r>
+            <a:r>
+              <a:rPr lang="en-US" dirty="0" err="1" smtClean="0"/>
+              <a:t>Testbench</a:t>
+            </a:r>
+            <a:endParaRPr lang="en-US" dirty="0"/>
+          </a:p>
+        </p:txBody>
+      </p:sp>
+      <p:pic>
+        <p:nvPicPr>
+          <p:cNvPr id="4" name="Picture 2" descr="http://www.suggestcamera.com/wp-content/uploads/2015/08/Canon-logo.png"/>
+          <p:cNvPicPr>
+            <a:picLocks noChangeAspect="1" noChangeArrowheads="1"/>
+          </p:cNvPicPr>
+          <p:nvPr/>
+        </p:nvPicPr>
+        <p:blipFill>
+          <a:blip r:embed="rId2" cstate="print"/>
+          <a:srcRect/>
+          <a:stretch>
+            <a:fillRect/>
+          </a:stretch>
+        </p:blipFill>
+        <p:spPr bwMode="auto">
+          <a:xfrm>
+            <a:off x="0" y="0"/>
+            <a:ext cx="1981200" cy="554117"/>
+          </a:xfrm>
+          <a:prstGeom prst="rect">
+            <a:avLst/>
+          </a:prstGeom>
+          <a:noFill/>
+        </p:spPr>
+      </p:pic>
+      <p:sp>
+        <p:nvSpPr>
+          <p:cNvPr id="6" name="Content Placeholder 5"/>
+          <p:cNvSpPr>
+            <a:spLocks noGrp="1"/>
+          </p:cNvSpPr>
+          <p:nvPr>
+            <p:ph idx="1"/>
+          </p:nvPr>
+        </p:nvSpPr>
+        <p:spPr>
+          <a:xfrm>
+            <a:off x="457200" y="1524000"/>
+            <a:ext cx="8229600" cy="4525963"/>
+          </a:xfrm>
+        </p:spPr>
+        <p:txBody>
+          <a:bodyPr>
+            <a:normAutofit/>
+          </a:bodyPr>
+          <a:lstStyle/>
+          <a:p>
+            <a:r>
+              <a:rPr lang="en-US" dirty="0" smtClean="0"/>
+              <a:t>Some of the components of the test bench include:</a:t>
+            </a:r>
+          </a:p>
+          <a:p>
+            <a:pPr lvl="1"/>
+            <a:r>
+              <a:rPr lang="en-US" dirty="0" smtClean="0"/>
+              <a:t>Interface.sv</a:t>
+            </a:r>
+          </a:p>
+          <a:p>
+            <a:pPr lvl="1"/>
+            <a:r>
+              <a:rPr lang="en-US" dirty="0" smtClean="0"/>
+              <a:t>Randomization .</a:t>
+            </a:r>
+            <a:r>
+              <a:rPr lang="en-US" dirty="0" err="1" smtClean="0"/>
+              <a:t>sv</a:t>
+            </a:r>
+            <a:endParaRPr lang="en-US" dirty="0" smtClean="0"/>
+          </a:p>
+          <a:p>
+            <a:pPr lvl="1"/>
+            <a:r>
+              <a:rPr lang="en-US" dirty="0" smtClean="0"/>
+              <a:t>Test.sv</a:t>
+            </a:r>
+          </a:p>
+          <a:p>
+            <a:pPr lvl="1"/>
+            <a:r>
+              <a:rPr lang="en-US" dirty="0" smtClean="0"/>
+              <a:t>Checker.sv</a:t>
+            </a:r>
+          </a:p>
+          <a:p>
+            <a:pPr lvl="1"/>
+            <a:r>
+              <a:rPr lang="en-US" dirty="0" smtClean="0"/>
+              <a:t>Top.sv</a:t>
+            </a:r>
+          </a:p>
+        </p:txBody>
+      </p:sp>
+    </p:spTree>
+  </p:cSld>
+  <p:clrMapOvr>
+    <a:masterClrMapping/>
+  </p:clrMapOvr>
+</p:sld>
+</file>
+
+<file path=ppt/slides/slide33.xml><?xml version="1.0" encoding="utf-8"?>
+<p:sld xmlns:a="http://schemas.openxmlformats.org/drawingml/2006/main" xmlns:r="http://schemas.openxmlformats.org/officeDocument/2006/relationships" xmlns:p="http://schemas.openxmlformats.org/presentationml/2006/main">
+  <p:cSld>
+    <p:spTree>
+      <p:nvGrpSpPr>
+        <p:cNvPr id="1" name=""/>
+        <p:cNvGrpSpPr/>
+        <p:nvPr/>
+      </p:nvGrpSpPr>
+      <p:grpSpPr>
+        <a:xfrm>
+          <a:off x="0" y="0"/>
+          <a:ext cx="0" cy="0"/>
+          <a:chOff x="0" y="0"/>
+          <a:chExt cx="0" cy="0"/>
+        </a:xfrm>
+      </p:grpSpPr>
+      <p:sp>
+        <p:nvSpPr>
+          <p:cNvPr id="2" name="Title 1"/>
+          <p:cNvSpPr>
+            <a:spLocks noGrp="1"/>
+          </p:cNvSpPr>
+          <p:nvPr>
+            <p:ph type="title"/>
+          </p:nvPr>
+        </p:nvSpPr>
+        <p:spPr>
+          <a:xfrm>
+            <a:off x="533400" y="533400"/>
+            <a:ext cx="8229600" cy="1143000"/>
+          </a:xfrm>
+        </p:spPr>
+        <p:txBody>
+          <a:bodyPr>
+            <a:normAutofit/>
+          </a:bodyPr>
+          <a:lstStyle/>
+          <a:p>
+            <a:r>
+              <a:rPr lang="en-US" dirty="0" smtClean="0"/>
+              <a:t>FIFO </a:t>
+            </a:r>
+            <a:r>
+              <a:rPr lang="en-US" dirty="0" err="1" smtClean="0"/>
+              <a:t>Testbench</a:t>
+            </a:r>
+            <a:r>
+              <a:rPr lang="en-US" dirty="0" smtClean="0"/>
+              <a:t> Overview </a:t>
+            </a:r>
+            <a:endParaRPr lang="en-US" dirty="0"/>
+          </a:p>
+        </p:txBody>
+      </p:sp>
+      <p:pic>
+        <p:nvPicPr>
+          <p:cNvPr id="4" name="Picture 2" descr="http://www.suggestcamera.com/wp-content/uploads/2015/08/Canon-logo.png"/>
+          <p:cNvPicPr>
+            <a:picLocks noChangeAspect="1" noChangeArrowheads="1"/>
+          </p:cNvPicPr>
+          <p:nvPr/>
+        </p:nvPicPr>
+        <p:blipFill>
+          <a:blip r:embed="rId2" cstate="print"/>
+          <a:srcRect/>
+          <a:stretch>
+            <a:fillRect/>
+          </a:stretch>
+        </p:blipFill>
+        <p:spPr bwMode="auto">
+          <a:xfrm>
+            <a:off x="0" y="0"/>
+            <a:ext cx="1981200" cy="554117"/>
+          </a:xfrm>
+          <a:prstGeom prst="rect">
+            <a:avLst/>
+          </a:prstGeom>
+          <a:noFill/>
+        </p:spPr>
+      </p:pic>
+      <p:sp>
+        <p:nvSpPr>
+          <p:cNvPr id="6" name="Content Placeholder 5"/>
+          <p:cNvSpPr>
+            <a:spLocks noGrp="1"/>
+          </p:cNvSpPr>
+          <p:nvPr>
+            <p:ph idx="1"/>
+          </p:nvPr>
+        </p:nvSpPr>
+        <p:spPr>
+          <a:xfrm>
+            <a:off x="457200" y="1524000"/>
+            <a:ext cx="8229600" cy="4525963"/>
+          </a:xfrm>
+        </p:spPr>
+        <p:txBody>
+          <a:bodyPr>
+            <a:normAutofit fontScale="92500"/>
+          </a:bodyPr>
+          <a:lstStyle/>
+          <a:p>
+            <a:r>
+              <a:rPr lang="en-US" dirty="0" smtClean="0"/>
+              <a:t>Some of the test coverage cases includes:	</a:t>
+            </a:r>
+          </a:p>
+          <a:p>
+            <a:pPr lvl="1"/>
+            <a:r>
+              <a:rPr lang="en-US" sz="2200" dirty="0" smtClean="0"/>
+              <a:t>All the read and write pointer addresses are covered i.e. from 0 to N</a:t>
+            </a:r>
+          </a:p>
+          <a:p>
+            <a:pPr lvl="1"/>
+            <a:r>
+              <a:rPr lang="en-US" sz="2200" dirty="0" smtClean="0"/>
+              <a:t>The read and write pointer addresses roll over after reaching N.</a:t>
+            </a:r>
+          </a:p>
+          <a:p>
+            <a:pPr lvl="1"/>
+            <a:r>
+              <a:rPr lang="en-US" sz="2200" dirty="0" smtClean="0"/>
+              <a:t>Read and write pointer addresses increment when the read and write enable is made high respectively.</a:t>
+            </a:r>
+          </a:p>
+          <a:p>
+            <a:pPr lvl="1"/>
+            <a:r>
+              <a:rPr lang="en-US" sz="2200" dirty="0" smtClean="0"/>
+              <a:t>All the states of Write enable are covered</a:t>
+            </a:r>
+          </a:p>
+          <a:p>
+            <a:pPr lvl="1"/>
+            <a:r>
+              <a:rPr lang="en-US" sz="2200" dirty="0" smtClean="0"/>
+              <a:t>All the states of Read enable are covered</a:t>
+            </a:r>
+          </a:p>
+          <a:p>
+            <a:pPr lvl="1"/>
+            <a:r>
+              <a:rPr lang="en-US" sz="2200" dirty="0" smtClean="0"/>
+              <a:t>All the states of Reset are covered</a:t>
+            </a:r>
+          </a:p>
+          <a:p>
+            <a:pPr lvl="1"/>
+            <a:r>
+              <a:rPr lang="en-US" sz="2200" dirty="0" smtClean="0"/>
+              <a:t>All the states of full and empty flags are covered</a:t>
+            </a:r>
+          </a:p>
+          <a:p>
+            <a:pPr lvl="1"/>
+            <a:r>
+              <a:rPr lang="en-US" sz="2200" dirty="0" smtClean="0"/>
+              <a:t>All the states of almost full and almost empty flags are covered</a:t>
+            </a:r>
+          </a:p>
+          <a:p>
+            <a:pPr lvl="1"/>
+            <a:r>
+              <a:rPr lang="en-US" sz="2200" dirty="0" smtClean="0"/>
+              <a:t>Cross Coverage for read enable, write enable and reset is covered with all possible combinations of the same.</a:t>
+            </a:r>
+          </a:p>
+        </p:txBody>
+      </p:sp>
+    </p:spTree>
+  </p:cSld>
+  <p:clrMapOvr>
+    <a:masterClrMapping/>
+  </p:clrMapOvr>
+</p:sld>
+</file>
+
+<file path=ppt/slides/slide34.xml><?xml version="1.0" encoding="utf-8"?>
+<p:sld xmlns:a="http://schemas.openxmlformats.org/drawingml/2006/main" xmlns:r="http://schemas.openxmlformats.org/officeDocument/2006/relationships" xmlns:p="http://schemas.openxmlformats.org/presentationml/2006/main">
+  <p:cSld>
+    <p:spTree>
+      <p:nvGrpSpPr>
+        <p:cNvPr id="1" name=""/>
+        <p:cNvGrpSpPr/>
+        <p:nvPr/>
+      </p:nvGrpSpPr>
+      <p:grpSpPr>
+        <a:xfrm>
+          <a:off x="0" y="0"/>
+          <a:ext cx="0" cy="0"/>
+          <a:chOff x="0" y="0"/>
+          <a:chExt cx="0" cy="0"/>
+        </a:xfrm>
+      </p:grpSpPr>
+      <p:sp>
+        <p:nvSpPr>
+          <p:cNvPr id="2" name="Title 1"/>
+          <p:cNvSpPr>
+            <a:spLocks noGrp="1"/>
+          </p:cNvSpPr>
+          <p:nvPr>
+            <p:ph type="title"/>
+          </p:nvPr>
+        </p:nvSpPr>
+        <p:spPr>
+          <a:xfrm>
+            <a:off x="533400" y="533400"/>
+            <a:ext cx="8229600" cy="1143000"/>
+          </a:xfrm>
+        </p:spPr>
+        <p:txBody>
+          <a:bodyPr>
+            <a:normAutofit/>
+          </a:bodyPr>
+          <a:lstStyle/>
+          <a:p>
+            <a:r>
+              <a:rPr lang="en-US" dirty="0" smtClean="0"/>
+              <a:t>FIFO </a:t>
+            </a:r>
+            <a:r>
+              <a:rPr lang="en-US" dirty="0" err="1" smtClean="0"/>
+              <a:t>Testbench</a:t>
+            </a:r>
+            <a:r>
+              <a:rPr lang="en-US" dirty="0" smtClean="0"/>
+              <a:t> Coverage Results</a:t>
+            </a:r>
+            <a:endParaRPr lang="en-US" dirty="0"/>
+          </a:p>
+        </p:txBody>
+      </p:sp>
+      <p:pic>
+        <p:nvPicPr>
+          <p:cNvPr id="4" name="Picture 2" descr="http://www.suggestcamera.com/wp-content/uploads/2015/08/Canon-logo.png"/>
+          <p:cNvPicPr>
+            <a:picLocks noChangeAspect="1" noChangeArrowheads="1"/>
+          </p:cNvPicPr>
+          <p:nvPr/>
+        </p:nvPicPr>
+        <p:blipFill>
+          <a:blip r:embed="rId2" cstate="print"/>
+          <a:srcRect/>
+          <a:stretch>
+            <a:fillRect/>
+          </a:stretch>
+        </p:blipFill>
+        <p:spPr bwMode="auto">
+          <a:xfrm>
+            <a:off x="0" y="0"/>
+            <a:ext cx="1981200" cy="554117"/>
+          </a:xfrm>
+          <a:prstGeom prst="rect">
+            <a:avLst/>
+          </a:prstGeom>
+          <a:noFill/>
+        </p:spPr>
+      </p:pic>
+      <p:pic>
+        <p:nvPicPr>
+          <p:cNvPr id="5" name="Content Placeholder 11" descr="Untitled.png"/>
+          <p:cNvPicPr>
+            <a:picLocks noGrp="1" noChangeAspect="1"/>
+          </p:cNvPicPr>
+          <p:nvPr>
+            <p:ph idx="1"/>
+          </p:nvPr>
+        </p:nvPicPr>
+        <p:blipFill>
+          <a:blip r:embed="rId3" cstate="print"/>
+          <a:stretch>
+            <a:fillRect/>
+          </a:stretch>
+        </p:blipFill>
+        <p:spPr>
+          <a:xfrm>
+            <a:off x="1447800" y="1524000"/>
+            <a:ext cx="6084756" cy="5184849"/>
+          </a:xfrm>
+        </p:spPr>
+      </p:pic>
+    </p:spTree>
+  </p:cSld>
+  <p:clrMapOvr>
+    <a:masterClrMapping/>
+  </p:clrMapOvr>
+</p:sld>
+</file>
+
+<file path=ppt/slides/slide35.xml><?xml version="1.0" encoding="utf-8"?>
+<p:sld xmlns:a="http://schemas.openxmlformats.org/drawingml/2006/main" xmlns:r="http://schemas.openxmlformats.org/officeDocument/2006/relationships" xmlns:p="http://schemas.openxmlformats.org/presentationml/2006/main">
+  <p:cSld>
+    <p:spTree>
+      <p:nvGrpSpPr>
+        <p:cNvPr id="1" name=""/>
+        <p:cNvGrpSpPr/>
+        <p:nvPr/>
+      </p:nvGrpSpPr>
+      <p:grpSpPr>
+        <a:xfrm>
+          <a:off x="0" y="0"/>
+          <a:ext cx="0" cy="0"/>
+          <a:chOff x="0" y="0"/>
+          <a:chExt cx="0" cy="0"/>
+        </a:xfrm>
+      </p:grpSpPr>
+      <p:sp>
+        <p:nvSpPr>
+          <p:cNvPr id="2" name="Title 1"/>
+          <p:cNvSpPr>
+            <a:spLocks noGrp="1"/>
+          </p:cNvSpPr>
+          <p:nvPr>
+            <p:ph type="title"/>
+          </p:nvPr>
+        </p:nvSpPr>
+        <p:spPr>
+          <a:xfrm>
+            <a:off x="533400" y="609600"/>
+            <a:ext cx="8229600" cy="1143000"/>
+          </a:xfrm>
+        </p:spPr>
+        <p:txBody>
+          <a:bodyPr>
+            <a:normAutofit fontScale="90000"/>
+          </a:bodyPr>
+          <a:lstStyle/>
+          <a:p>
+            <a:r>
+              <a:rPr lang="en-US" dirty="0" smtClean="0"/>
+              <a:t>FIFO </a:t>
+            </a:r>
+            <a:r>
+              <a:rPr lang="en-US" dirty="0" err="1" smtClean="0"/>
+              <a:t>Testbench</a:t>
+            </a:r>
+            <a:r>
+              <a:rPr lang="en-US" dirty="0" smtClean="0"/>
+              <a:t> Coverage Results: </a:t>
+            </a:r>
+            <a:br>
+              <a:rPr lang="en-US" dirty="0" smtClean="0"/>
+            </a:br>
+            <a:r>
+              <a:rPr lang="en-US" dirty="0" smtClean="0"/>
+              <a:t>Top View</a:t>
+            </a:r>
+            <a:endParaRPr lang="en-US" dirty="0"/>
+          </a:p>
+        </p:txBody>
+      </p:sp>
+      <p:pic>
+        <p:nvPicPr>
+          <p:cNvPr id="4" name="Picture 2" descr="http://www.suggestcamera.com/wp-content/uploads/2015/08/Canon-logo.png"/>
+          <p:cNvPicPr>
+            <a:picLocks noChangeAspect="1" noChangeArrowheads="1"/>
+          </p:cNvPicPr>
+          <p:nvPr/>
+        </p:nvPicPr>
+        <p:blipFill>
+          <a:blip r:embed="rId2" cstate="print"/>
+          <a:srcRect/>
+          <a:stretch>
+            <a:fillRect/>
+          </a:stretch>
+        </p:blipFill>
+        <p:spPr bwMode="auto">
+          <a:xfrm>
+            <a:off x="0" y="0"/>
+            <a:ext cx="1981200" cy="554117"/>
+          </a:xfrm>
+          <a:prstGeom prst="rect">
+            <a:avLst/>
+          </a:prstGeom>
+          <a:noFill/>
+        </p:spPr>
+      </p:pic>
+      <p:pic>
+        <p:nvPicPr>
+          <p:cNvPr id="6" name="Content Placeholder 5" descr="Untitled1.png"/>
+          <p:cNvPicPr>
+            <a:picLocks noGrp="1" noChangeAspect="1"/>
+          </p:cNvPicPr>
+          <p:nvPr>
+            <p:ph idx="1"/>
+          </p:nvPr>
+        </p:nvPicPr>
+        <p:blipFill>
+          <a:blip r:embed="rId3" cstate="print"/>
+          <a:stretch>
+            <a:fillRect/>
+          </a:stretch>
+        </p:blipFill>
+        <p:spPr>
+          <a:xfrm>
+            <a:off x="457200" y="1774381"/>
+            <a:ext cx="8229600" cy="4177600"/>
+          </a:xfrm>
+        </p:spPr>
+      </p:pic>
+    </p:spTree>
+  </p:cSld>
+  <p:clrMapOvr>
+    <a:masterClrMapping/>
+  </p:clrMapOvr>
+</p:sld>
+</file>
+
+<file path=ppt/slides/slide36.xml><?xml version="1.0" encoding="utf-8"?>
+<p:sld xmlns:a="http://schemas.openxmlformats.org/drawingml/2006/main" xmlns:r="http://schemas.openxmlformats.org/officeDocument/2006/relationships" xmlns:p="http://schemas.openxmlformats.org/presentationml/2006/main">
+  <p:cSld>
+    <p:spTree>
+      <p:nvGrpSpPr>
+        <p:cNvPr id="1" name=""/>
+        <p:cNvGrpSpPr/>
+        <p:nvPr/>
+      </p:nvGrpSpPr>
+      <p:grpSpPr>
+        <a:xfrm>
+          <a:off x="0" y="0"/>
+          <a:ext cx="0" cy="0"/>
+          <a:chOff x="0" y="0"/>
+          <a:chExt cx="0" cy="0"/>
+        </a:xfrm>
+      </p:grpSpPr>
+      <p:sp>
+        <p:nvSpPr>
+          <p:cNvPr id="2" name="Title 1"/>
+          <p:cNvSpPr>
+            <a:spLocks noGrp="1"/>
+          </p:cNvSpPr>
+          <p:nvPr>
+            <p:ph type="title"/>
+          </p:nvPr>
+        </p:nvSpPr>
+        <p:spPr>
+          <a:xfrm>
+            <a:off x="533400" y="609600"/>
+            <a:ext cx="8229600" cy="1143000"/>
+          </a:xfrm>
+        </p:spPr>
+        <p:txBody>
+          <a:bodyPr>
+            <a:normAutofit fontScale="90000"/>
+          </a:bodyPr>
+          <a:lstStyle/>
+          <a:p>
+            <a:r>
+              <a:rPr lang="en-US" dirty="0" smtClean="0"/>
+              <a:t>FIFO </a:t>
+            </a:r>
+            <a:r>
+              <a:rPr lang="en-US" dirty="0" err="1" smtClean="0"/>
+              <a:t>Testbench</a:t>
+            </a:r>
+            <a:r>
+              <a:rPr lang="en-US" dirty="0" smtClean="0"/>
+              <a:t> Cover group Analysis</a:t>
+            </a:r>
+            <a:endParaRPr lang="en-US" dirty="0"/>
+          </a:p>
+        </p:txBody>
+      </p:sp>
+      <p:pic>
+        <p:nvPicPr>
+          <p:cNvPr id="4" name="Picture 2" descr="http://www.suggestcamera.com/wp-content/uploads/2015/08/Canon-logo.png"/>
+          <p:cNvPicPr>
+            <a:picLocks noChangeAspect="1" noChangeArrowheads="1"/>
+          </p:cNvPicPr>
+          <p:nvPr/>
+        </p:nvPicPr>
+        <p:blipFill>
+          <a:blip r:embed="rId2" cstate="print"/>
+          <a:srcRect/>
+          <a:stretch>
+            <a:fillRect/>
+          </a:stretch>
+        </p:blipFill>
+        <p:spPr bwMode="auto">
+          <a:xfrm>
+            <a:off x="0" y="0"/>
+            <a:ext cx="1981200" cy="554117"/>
+          </a:xfrm>
+          <a:prstGeom prst="rect">
+            <a:avLst/>
+          </a:prstGeom>
+          <a:noFill/>
+        </p:spPr>
+      </p:pic>
+      <p:pic>
+        <p:nvPicPr>
+          <p:cNvPr id="7" name="Content Placeholder 6" descr="Paint2.png"/>
+          <p:cNvPicPr>
+            <a:picLocks noGrp="1" noChangeAspect="1"/>
+          </p:cNvPicPr>
+          <p:nvPr>
+            <p:ph idx="1"/>
+          </p:nvPr>
+        </p:nvPicPr>
+        <p:blipFill>
+          <a:blip r:embed="rId3" cstate="print"/>
+          <a:stretch>
+            <a:fillRect/>
+          </a:stretch>
+        </p:blipFill>
+        <p:spPr>
+          <a:xfrm>
+            <a:off x="457200" y="1665905"/>
+            <a:ext cx="8229600" cy="4394552"/>
+          </a:xfrm>
+        </p:spPr>
+      </p:pic>
+    </p:spTree>
+  </p:cSld>
+  <p:clrMapOvr>
+    <a:masterClrMapping/>
+  </p:clrMapOvr>
+</p:sld>
+</file>
+
+<file path=ppt/slides/slide37.xml><?xml version="1.0" encoding="utf-8"?>
+<p:sld xmlns:a="http://schemas.openxmlformats.org/drawingml/2006/main" xmlns:r="http://schemas.openxmlformats.org/officeDocument/2006/relationships" xmlns:p="http://schemas.openxmlformats.org/presentationml/2006/main">
+  <p:cSld>
+    <p:spTree>
+      <p:nvGrpSpPr>
+        <p:cNvPr id="1" name=""/>
+        <p:cNvGrpSpPr/>
+        <p:nvPr/>
+      </p:nvGrpSpPr>
+      <p:grpSpPr>
+        <a:xfrm>
+          <a:off x="0" y="0"/>
+          <a:ext cx="0" cy="0"/>
+          <a:chOff x="0" y="0"/>
+          <a:chExt cx="0" cy="0"/>
+        </a:xfrm>
+      </p:grpSpPr>
+      <p:sp>
+        <p:nvSpPr>
+          <p:cNvPr id="2" name="Title 1"/>
+          <p:cNvSpPr>
+            <a:spLocks noGrp="1"/>
+          </p:cNvSpPr>
+          <p:nvPr>
+            <p:ph type="title"/>
+          </p:nvPr>
+        </p:nvSpPr>
+        <p:spPr>
+          <a:xfrm>
+            <a:off x="533400" y="609600"/>
+            <a:ext cx="8229600" cy="1143000"/>
+          </a:xfrm>
+        </p:spPr>
+        <p:txBody>
+          <a:bodyPr>
+            <a:normAutofit fontScale="90000"/>
+          </a:bodyPr>
+          <a:lstStyle/>
+          <a:p>
+            <a:r>
+              <a:rPr lang="en-US" dirty="0" smtClean="0"/>
+              <a:t>FIFO </a:t>
+            </a:r>
+            <a:r>
+              <a:rPr lang="en-US" dirty="0" err="1" smtClean="0"/>
+              <a:t>Testbench</a:t>
+            </a:r>
+            <a:r>
+              <a:rPr lang="en-US" dirty="0" smtClean="0"/>
+              <a:t> Block Coverage Results</a:t>
+            </a:r>
+            <a:endParaRPr lang="en-US" dirty="0"/>
+          </a:p>
+        </p:txBody>
+      </p:sp>
+      <p:pic>
+        <p:nvPicPr>
+          <p:cNvPr id="4" name="Picture 2" descr="http://www.suggestcamera.com/wp-content/uploads/2015/08/Canon-logo.png"/>
+          <p:cNvPicPr>
+            <a:picLocks noChangeAspect="1" noChangeArrowheads="1"/>
+          </p:cNvPicPr>
+          <p:nvPr/>
+        </p:nvPicPr>
+        <p:blipFill>
+          <a:blip r:embed="rId2" cstate="print"/>
+          <a:srcRect/>
+          <a:stretch>
+            <a:fillRect/>
+          </a:stretch>
+        </p:blipFill>
+        <p:spPr bwMode="auto">
+          <a:xfrm>
+            <a:off x="0" y="0"/>
+            <a:ext cx="1981200" cy="554117"/>
+          </a:xfrm>
+          <a:prstGeom prst="rect">
+            <a:avLst/>
+          </a:prstGeom>
+          <a:noFill/>
+        </p:spPr>
+      </p:pic>
+      <p:pic>
+        <p:nvPicPr>
+          <p:cNvPr id="7" name="Content Placeholder 6" descr="Paint5.png"/>
+          <p:cNvPicPr>
+            <a:picLocks noGrp="1" noChangeAspect="1"/>
+          </p:cNvPicPr>
+          <p:nvPr>
+            <p:ph idx="1"/>
+          </p:nvPr>
+        </p:nvPicPr>
+        <p:blipFill>
+          <a:blip r:embed="rId3" cstate="print"/>
+          <a:stretch>
+            <a:fillRect/>
+          </a:stretch>
+        </p:blipFill>
+        <p:spPr>
+          <a:xfrm>
+            <a:off x="457200" y="1768822"/>
+            <a:ext cx="8229600" cy="4188718"/>
+          </a:xfrm>
+        </p:spPr>
+      </p:pic>
+    </p:spTree>
+  </p:cSld>
+  <p:clrMapOvr>
+    <a:masterClrMapping/>
+  </p:clrMapOvr>
+</p:sld>
+</file>
+
+<file path=ppt/slides/slide38.xml><?xml version="1.0" encoding="utf-8"?>
+<p:sld xmlns:a="http://schemas.openxmlformats.org/drawingml/2006/main" xmlns:r="http://schemas.openxmlformats.org/officeDocument/2006/relationships" xmlns:p="http://schemas.openxmlformats.org/presentationml/2006/main">
+  <p:cSld>
+    <p:spTree>
+      <p:nvGrpSpPr>
+        <p:cNvPr id="1" name=""/>
+        <p:cNvGrpSpPr/>
+        <p:nvPr/>
+      </p:nvGrpSpPr>
+      <p:grpSpPr>
+        <a:xfrm>
+          <a:off x="0" y="0"/>
+          <a:ext cx="0" cy="0"/>
+          <a:chOff x="0" y="0"/>
+          <a:chExt cx="0" cy="0"/>
+        </a:xfrm>
+      </p:grpSpPr>
+      <p:sp>
+        <p:nvSpPr>
+          <p:cNvPr id="2" name="Title 1"/>
+          <p:cNvSpPr>
+            <a:spLocks noGrp="1"/>
+          </p:cNvSpPr>
+          <p:nvPr>
+            <p:ph type="title"/>
+          </p:nvPr>
+        </p:nvSpPr>
+        <p:spPr>
+          <a:xfrm>
+            <a:off x="533400" y="609600"/>
+            <a:ext cx="8229600" cy="1143000"/>
+          </a:xfrm>
+        </p:spPr>
+        <p:txBody>
+          <a:bodyPr>
+            <a:normAutofit fontScale="90000"/>
+          </a:bodyPr>
+          <a:lstStyle/>
+          <a:p>
+            <a:r>
+              <a:rPr lang="en-US" dirty="0" smtClean="0"/>
+              <a:t>FIFO </a:t>
+            </a:r>
+            <a:r>
+              <a:rPr lang="en-US" dirty="0" err="1" smtClean="0"/>
+              <a:t>Testbench</a:t>
+            </a:r>
+            <a:r>
+              <a:rPr lang="en-US" dirty="0" smtClean="0"/>
+              <a:t> Toggle Coverage Results</a:t>
+            </a:r>
+            <a:endParaRPr lang="en-US" dirty="0"/>
+          </a:p>
+        </p:txBody>
+      </p:sp>
+      <p:pic>
+        <p:nvPicPr>
+          <p:cNvPr id="4" name="Picture 2" descr="http://www.suggestcamera.com/wp-content/uploads/2015/08/Canon-logo.png"/>
+          <p:cNvPicPr>
+            <a:picLocks noChangeAspect="1" noChangeArrowheads="1"/>
+          </p:cNvPicPr>
+          <p:nvPr/>
+        </p:nvPicPr>
+        <p:blipFill>
+          <a:blip r:embed="rId2" cstate="print"/>
+          <a:srcRect/>
+          <a:stretch>
+            <a:fillRect/>
+          </a:stretch>
+        </p:blipFill>
+        <p:spPr bwMode="auto">
+          <a:xfrm>
+            <a:off x="0" y="0"/>
+            <a:ext cx="1981200" cy="554117"/>
+          </a:xfrm>
+          <a:prstGeom prst="rect">
+            <a:avLst/>
+          </a:prstGeom>
+          <a:noFill/>
+        </p:spPr>
+      </p:pic>
+      <p:pic>
+        <p:nvPicPr>
+          <p:cNvPr id="7" name="Content Placeholder 6" descr="Untitled3.png"/>
+          <p:cNvPicPr>
+            <a:picLocks noGrp="1" noChangeAspect="1"/>
+          </p:cNvPicPr>
+          <p:nvPr>
+            <p:ph idx="1"/>
+          </p:nvPr>
+        </p:nvPicPr>
+        <p:blipFill>
+          <a:blip r:embed="rId3" cstate="print"/>
+          <a:stretch>
+            <a:fillRect/>
+          </a:stretch>
+        </p:blipFill>
+        <p:spPr>
+          <a:xfrm>
+            <a:off x="457200" y="1757998"/>
+            <a:ext cx="8229600" cy="4210366"/>
+          </a:xfrm>
+        </p:spPr>
+      </p:pic>
+    </p:spTree>
+  </p:cSld>
+  <p:clrMapOvr>
+    <a:masterClrMapping/>
+  </p:clrMapOvr>
+</p:sld>
+</file>
+
+<file path=ppt/slides/slide39.xml><?xml version="1.0" encoding="utf-8"?>
+<p:sld xmlns:a="http://schemas.openxmlformats.org/drawingml/2006/main" xmlns:r="http://schemas.openxmlformats.org/officeDocument/2006/relationships" xmlns:p="http://schemas.openxmlformats.org/presentationml/2006/main">
+  <p:cSld>
+    <p:spTree>
+      <p:nvGrpSpPr>
+        <p:cNvPr id="1" name=""/>
+        <p:cNvGrpSpPr/>
+        <p:nvPr/>
+      </p:nvGrpSpPr>
+      <p:grpSpPr>
+        <a:xfrm>
+          <a:off x="0" y="0"/>
+          <a:ext cx="0" cy="0"/>
+          <a:chOff x="0" y="0"/>
+          <a:chExt cx="0" cy="0"/>
+        </a:xfrm>
+      </p:grpSpPr>
+      <p:sp>
+        <p:nvSpPr>
+          <p:cNvPr id="2" name="Title 1"/>
+          <p:cNvSpPr>
+            <a:spLocks noGrp="1"/>
+          </p:cNvSpPr>
+          <p:nvPr>
+            <p:ph type="title"/>
+          </p:nvPr>
+        </p:nvSpPr>
+        <p:spPr>
+          <a:xfrm>
+            <a:off x="533400" y="609600"/>
+            <a:ext cx="8229600" cy="1143000"/>
+          </a:xfrm>
+        </p:spPr>
+        <p:txBody>
+          <a:bodyPr>
+            <a:normAutofit/>
+          </a:bodyPr>
+          <a:lstStyle/>
+          <a:p>
+            <a:r>
+              <a:rPr lang="en-US" dirty="0" smtClean="0"/>
+              <a:t>FIFO </a:t>
+            </a:r>
+            <a:r>
+              <a:rPr lang="en-US" dirty="0" err="1" smtClean="0"/>
+              <a:t>Testbench</a:t>
+            </a:r>
+            <a:r>
+              <a:rPr lang="en-US" dirty="0" smtClean="0"/>
+              <a:t> Coverage: Legend</a:t>
+            </a:r>
+            <a:endParaRPr lang="en-US" dirty="0"/>
+          </a:p>
+        </p:txBody>
+      </p:sp>
+      <p:pic>
+        <p:nvPicPr>
+          <p:cNvPr id="4" name="Picture 2" descr="http://www.suggestcamera.com/wp-content/uploads/2015/08/Canon-logo.png"/>
+          <p:cNvPicPr>
+            <a:picLocks noChangeAspect="1" noChangeArrowheads="1"/>
+          </p:cNvPicPr>
+          <p:nvPr/>
+        </p:nvPicPr>
+        <p:blipFill>
+          <a:blip r:embed="rId2" cstate="print"/>
+          <a:srcRect/>
+          <a:stretch>
+            <a:fillRect/>
+          </a:stretch>
+        </p:blipFill>
+        <p:spPr bwMode="auto">
+          <a:xfrm>
+            <a:off x="0" y="0"/>
+            <a:ext cx="1981200" cy="554117"/>
+          </a:xfrm>
+          <a:prstGeom prst="rect">
+            <a:avLst/>
+          </a:prstGeom>
+          <a:noFill/>
+        </p:spPr>
+      </p:pic>
+      <p:pic>
+        <p:nvPicPr>
+          <p:cNvPr id="7" name="Content Placeholder 6" descr="Untitled9.png"/>
+          <p:cNvPicPr>
+            <a:picLocks noGrp="1" noChangeAspect="1"/>
+          </p:cNvPicPr>
+          <p:nvPr>
+            <p:ph idx="1"/>
+          </p:nvPr>
+        </p:nvPicPr>
+        <p:blipFill>
+          <a:blip r:embed="rId3" cstate="print"/>
+          <a:stretch>
+            <a:fillRect/>
+          </a:stretch>
+        </p:blipFill>
+        <p:spPr>
+          <a:xfrm>
+            <a:off x="457200" y="2020898"/>
+            <a:ext cx="8229600" cy="3684566"/>
+          </a:xfrm>
+        </p:spPr>
+      </p:pic>
+    </p:spTree>
+  </p:cSld>
+  <p:clrMapOvr>
+    <a:masterClrMapping/>
+  </p:clrMapOvr>
+</p:sld>
+</file>
+
+<file path=ppt/slides/slide4.xml><?xml version="1.0" encoding="utf-8"?>
+<p:sld xmlns:a="http://schemas.openxmlformats.org/drawingml/2006/main" xmlns:r="http://schemas.openxmlformats.org/officeDocument/2006/relationships" xmlns:p="http://schemas.openxmlformats.org/presentationml/2006/main">
+  <p:cSld>
+    <p:spTree>
+      <p:nvGrpSpPr>
+        <p:cNvPr id="1" name=""/>
+        <p:cNvGrpSpPr/>
+        <p:nvPr/>
+      </p:nvGrpSpPr>
+      <p:grpSpPr>
+        <a:xfrm>
+          <a:off x="0" y="0"/>
+          <a:ext cx="0" cy="0"/>
+          <a:chOff x="0" y="0"/>
+          <a:chExt cx="0" cy="0"/>
+        </a:xfrm>
+      </p:grpSpPr>
+      <p:sp>
+        <p:nvSpPr>
+          <p:cNvPr id="2" name="Title 1"/>
+          <p:cNvSpPr>
+            <a:spLocks noGrp="1"/>
+          </p:cNvSpPr>
+          <p:nvPr>
+            <p:ph type="title"/>
+          </p:nvPr>
+        </p:nvSpPr>
+        <p:spPr>
+          <a:xfrm>
+            <a:off x="457200" y="381000"/>
+            <a:ext cx="8229600" cy="1143000"/>
+          </a:xfrm>
+        </p:spPr>
+        <p:txBody>
+          <a:bodyPr>
+            <a:normAutofit/>
+          </a:bodyPr>
+          <a:lstStyle/>
+          <a:p>
+            <a:r>
+              <a:rPr lang="en-US" dirty="0" smtClean="0"/>
+              <a:t>Lessons learnt at Canon</a:t>
+            </a:r>
+            <a:endParaRPr lang="en-US" dirty="0"/>
+          </a:p>
+        </p:txBody>
+      </p:sp>
+      <p:pic>
+        <p:nvPicPr>
+          <p:cNvPr id="4" name="Picture 2" descr="http://www.suggestcamera.com/wp-content/uploads/2015/08/Canon-logo.png"/>
+          <p:cNvPicPr>
+            <a:picLocks noChangeAspect="1" noChangeArrowheads="1"/>
+          </p:cNvPicPr>
+          <p:nvPr/>
+        </p:nvPicPr>
+        <p:blipFill>
+          <a:blip r:embed="rId2" cstate="print"/>
+          <a:srcRect/>
+          <a:stretch>
+            <a:fillRect/>
+          </a:stretch>
+        </p:blipFill>
+        <p:spPr bwMode="auto">
+          <a:xfrm>
+            <a:off x="0" y="0"/>
+            <a:ext cx="1981200" cy="554117"/>
+          </a:xfrm>
+          <a:prstGeom prst="rect">
+            <a:avLst/>
+          </a:prstGeom>
+          <a:noFill/>
+        </p:spPr>
+      </p:pic>
+      <p:graphicFrame>
+        <p:nvGraphicFramePr>
+          <p:cNvPr id="5" name="Content Placeholder 3"/>
+          <p:cNvGraphicFramePr>
+            <a:graphicFrameLocks noGrp="1"/>
+          </p:cNvGraphicFramePr>
+          <p:nvPr>
+            <p:ph idx="1"/>
+          </p:nvPr>
+        </p:nvGraphicFramePr>
+        <p:xfrm>
+          <a:off x="457200" y="1600200"/>
+          <a:ext cx="8229600" cy="4525963"/>
+        </p:xfrm>
+        <a:graphic>
+          <a:graphicData uri="http://schemas.openxmlformats.org/drawingml/2006/diagram">
+            <dgm:relIds xmlns:dgm="http://schemas.openxmlformats.org/drawingml/2006/diagram" xmlns:r="http://schemas.openxmlformats.org/officeDocument/2006/relationships" r:dm="rId3" r:lo="rId4" r:qs="rId5" r:cs="rId6"/>
+          </a:graphicData>
+        </a:graphic>
+      </p:graphicFrame>
+    </p:spTree>
+  </p:cSld>
+  <p:clrMapOvr>
+    <a:masterClrMapping/>
+  </p:clrMapOvr>
+</p:sld>
+</file>
+
+<file path=ppt/slides/slide40.xml><?xml version="1.0" encoding="utf-8"?>
+<p:sld xmlns:a="http://schemas.openxmlformats.org/drawingml/2006/main" xmlns:r="http://schemas.openxmlformats.org/officeDocument/2006/relationships" xmlns:p="http://schemas.openxmlformats.org/presentationml/2006/main">
+  <p:cSld>
+    <p:spTree>
+      <p:nvGrpSpPr>
+        <p:cNvPr id="1" name=""/>
+        <p:cNvGrpSpPr/>
+        <p:nvPr/>
+      </p:nvGrpSpPr>
+      <p:grpSpPr>
+        <a:xfrm>
+          <a:off x="0" y="0"/>
+          <a:ext cx="0" cy="0"/>
+          <a:chOff x="0" y="0"/>
+          <a:chExt cx="0" cy="0"/>
+        </a:xfrm>
+      </p:grpSpPr>
+      <p:sp>
+        <p:nvSpPr>
+          <p:cNvPr id="2" name="Title 1"/>
+          <p:cNvSpPr>
+            <a:spLocks noGrp="1"/>
+          </p:cNvSpPr>
+          <p:nvPr>
+            <p:ph type="title"/>
+          </p:nvPr>
+        </p:nvSpPr>
+        <p:spPr>
+          <a:xfrm>
+            <a:off x="533400" y="609600"/>
+            <a:ext cx="8229600" cy="1143000"/>
+          </a:xfrm>
+        </p:spPr>
+        <p:txBody>
+          <a:bodyPr>
+            <a:normAutofit fontScale="90000"/>
+          </a:bodyPr>
+          <a:lstStyle/>
+          <a:p>
+            <a:r>
+              <a:rPr lang="en-US" dirty="0" smtClean="0"/>
+              <a:t>FIFO </a:t>
+            </a:r>
+            <a:r>
+              <a:rPr lang="en-US" dirty="0" err="1" smtClean="0"/>
+              <a:t>Testbench</a:t>
+            </a:r>
+            <a:r>
+              <a:rPr lang="en-US" dirty="0" smtClean="0"/>
+              <a:t> Coverage Results: Top</a:t>
+            </a:r>
+            <a:endParaRPr lang="en-US" dirty="0"/>
+          </a:p>
+        </p:txBody>
+      </p:sp>
+      <p:pic>
+        <p:nvPicPr>
+          <p:cNvPr id="4" name="Picture 2" descr="http://www.suggestcamera.com/wp-content/uploads/2015/08/Canon-logo.png"/>
+          <p:cNvPicPr>
+            <a:picLocks noChangeAspect="1" noChangeArrowheads="1"/>
+          </p:cNvPicPr>
+          <p:nvPr/>
+        </p:nvPicPr>
+        <p:blipFill>
+          <a:blip r:embed="rId2" cstate="print"/>
+          <a:srcRect/>
+          <a:stretch>
+            <a:fillRect/>
+          </a:stretch>
+        </p:blipFill>
+        <p:spPr bwMode="auto">
+          <a:xfrm>
+            <a:off x="0" y="0"/>
+            <a:ext cx="1981200" cy="554117"/>
+          </a:xfrm>
+          <a:prstGeom prst="rect">
+            <a:avLst/>
+          </a:prstGeom>
+          <a:noFill/>
+        </p:spPr>
+      </p:pic>
+      <p:pic>
+        <p:nvPicPr>
+          <p:cNvPr id="6" name="Content Placeholder 5" descr="Untitled11.png"/>
+          <p:cNvPicPr>
+            <a:picLocks noGrp="1" noChangeAspect="1"/>
+          </p:cNvPicPr>
+          <p:nvPr>
+            <p:ph idx="1"/>
+          </p:nvPr>
+        </p:nvPicPr>
+        <p:blipFill>
+          <a:blip r:embed="rId3" cstate="print"/>
+          <a:stretch>
+            <a:fillRect/>
+          </a:stretch>
+        </p:blipFill>
+        <p:spPr>
+          <a:xfrm>
+            <a:off x="457200" y="2420542"/>
+            <a:ext cx="8229600" cy="3675458"/>
+          </a:xfrm>
+        </p:spPr>
+      </p:pic>
+    </p:spTree>
+  </p:cSld>
+  <p:clrMapOvr>
+    <a:masterClrMapping/>
+  </p:clrMapOvr>
+</p:sld>
+</file>
+
+<file path=ppt/slides/slide41.xml><?xml version="1.0" encoding="utf-8"?>
+<p:sld xmlns:a="http://schemas.openxmlformats.org/drawingml/2006/main" xmlns:r="http://schemas.openxmlformats.org/officeDocument/2006/relationships" xmlns:p="http://schemas.openxmlformats.org/presentationml/2006/main">
+  <p:cSld>
+    <p:spTree>
+      <p:nvGrpSpPr>
+        <p:cNvPr id="1" name=""/>
+        <p:cNvGrpSpPr/>
+        <p:nvPr/>
+      </p:nvGrpSpPr>
+      <p:grpSpPr>
+        <a:xfrm>
+          <a:off x="0" y="0"/>
+          <a:ext cx="0" cy="0"/>
+          <a:chOff x="0" y="0"/>
+          <a:chExt cx="0" cy="0"/>
+        </a:xfrm>
+      </p:grpSpPr>
+      <p:sp>
+        <p:nvSpPr>
+          <p:cNvPr id="2" name="Title 1"/>
+          <p:cNvSpPr>
+            <a:spLocks noGrp="1"/>
+          </p:cNvSpPr>
+          <p:nvPr>
+            <p:ph type="title"/>
+          </p:nvPr>
+        </p:nvSpPr>
+        <p:spPr>
+          <a:xfrm>
+            <a:off x="533400" y="609600"/>
+            <a:ext cx="8229600" cy="1143000"/>
+          </a:xfrm>
+        </p:spPr>
+        <p:txBody>
+          <a:bodyPr>
+            <a:normAutofit fontScale="90000"/>
+          </a:bodyPr>
+          <a:lstStyle/>
+          <a:p>
+            <a:r>
+              <a:rPr lang="en-US" dirty="0" smtClean="0"/>
+              <a:t>FIFO </a:t>
+            </a:r>
+            <a:r>
+              <a:rPr lang="en-US" dirty="0" err="1" smtClean="0"/>
+              <a:t>Testbench</a:t>
+            </a:r>
+            <a:r>
+              <a:rPr lang="en-US" dirty="0" smtClean="0"/>
+              <a:t> Coverage Results: Top.DUT</a:t>
+            </a:r>
+            <a:endParaRPr lang="en-US" dirty="0"/>
+          </a:p>
+        </p:txBody>
+      </p:sp>
+      <p:pic>
+        <p:nvPicPr>
+          <p:cNvPr id="4" name="Picture 2" descr="http://www.suggestcamera.com/wp-content/uploads/2015/08/Canon-logo.png"/>
+          <p:cNvPicPr>
+            <a:picLocks noChangeAspect="1" noChangeArrowheads="1"/>
+          </p:cNvPicPr>
+          <p:nvPr/>
+        </p:nvPicPr>
+        <p:blipFill>
+          <a:blip r:embed="rId2" cstate="print"/>
+          <a:srcRect/>
+          <a:stretch>
+            <a:fillRect/>
+          </a:stretch>
+        </p:blipFill>
+        <p:spPr bwMode="auto">
+          <a:xfrm>
+            <a:off x="0" y="0"/>
+            <a:ext cx="1981200" cy="554117"/>
+          </a:xfrm>
+          <a:prstGeom prst="rect">
+            <a:avLst/>
+          </a:prstGeom>
+          <a:noFill/>
+        </p:spPr>
+      </p:pic>
+      <p:pic>
+        <p:nvPicPr>
+          <p:cNvPr id="7" name="Content Placeholder 6" descr="Untitled10.png"/>
+          <p:cNvPicPr>
+            <a:picLocks noGrp="1" noChangeAspect="1"/>
+          </p:cNvPicPr>
+          <p:nvPr>
+            <p:ph idx="1"/>
+          </p:nvPr>
+        </p:nvPicPr>
+        <p:blipFill>
+          <a:blip r:embed="rId3" cstate="print"/>
+          <a:stretch>
+            <a:fillRect/>
+          </a:stretch>
+        </p:blipFill>
+        <p:spPr>
+          <a:xfrm>
+            <a:off x="457200" y="2204557"/>
+            <a:ext cx="8229600" cy="3815243"/>
+          </a:xfrm>
+        </p:spPr>
+      </p:pic>
+    </p:spTree>
+  </p:cSld>
+  <p:clrMapOvr>
+    <a:masterClrMapping/>
+  </p:clrMapOvr>
+</p:sld>
+</file>
+
+<file path=ppt/slides/slide42.xml><?xml version="1.0" encoding="utf-8"?>
+<p:sld xmlns:a="http://schemas.openxmlformats.org/drawingml/2006/main" xmlns:r="http://schemas.openxmlformats.org/officeDocument/2006/relationships" xmlns:p="http://schemas.openxmlformats.org/presentationml/2006/main">
+  <p:cSld>
+    <p:spTree>
+      <p:nvGrpSpPr>
+        <p:cNvPr id="1" name=""/>
+        <p:cNvGrpSpPr/>
+        <p:nvPr/>
+      </p:nvGrpSpPr>
+      <p:grpSpPr>
+        <a:xfrm>
+          <a:off x="0" y="0"/>
+          <a:ext cx="0" cy="0"/>
+          <a:chOff x="0" y="0"/>
+          <a:chExt cx="0" cy="0"/>
+        </a:xfrm>
+      </p:grpSpPr>
+      <p:pic>
+        <p:nvPicPr>
+          <p:cNvPr id="4" name="Picture 2" descr="http://www.suggestcamera.com/wp-content/uploads/2015/08/Canon-logo.png"/>
+          <p:cNvPicPr>
+            <a:picLocks noChangeAspect="1" noChangeArrowheads="1"/>
+          </p:cNvPicPr>
+          <p:nvPr/>
+        </p:nvPicPr>
+        <p:blipFill>
+          <a:blip r:embed="rId2" cstate="print"/>
+          <a:srcRect/>
+          <a:stretch>
+            <a:fillRect/>
+          </a:stretch>
+        </p:blipFill>
+        <p:spPr bwMode="auto">
+          <a:xfrm>
+            <a:off x="0" y="0"/>
+            <a:ext cx="1981200" cy="554117"/>
+          </a:xfrm>
+          <a:prstGeom prst="rect">
+            <a:avLst/>
+          </a:prstGeom>
+          <a:noFill/>
+        </p:spPr>
+      </p:pic>
+      <p:pic>
+        <p:nvPicPr>
+          <p:cNvPr id="8" name="Content Placeholder 7" descr="National_Thank_You_Day.png"/>
+          <p:cNvPicPr>
+            <a:picLocks noGrp="1" noChangeAspect="1"/>
+          </p:cNvPicPr>
+          <p:nvPr>
+            <p:ph idx="1"/>
+          </p:nvPr>
+        </p:nvPicPr>
+        <p:blipFill>
+          <a:blip r:embed="rId3" cstate="print"/>
+          <a:stretch>
+            <a:fillRect/>
+          </a:stretch>
+        </p:blipFill>
+        <p:spPr>
+          <a:xfrm>
+            <a:off x="762000" y="1828800"/>
+            <a:ext cx="7620000" cy="3333750"/>
+          </a:xfrm>
+        </p:spPr>
+      </p:pic>
+    </p:spTree>
+  </p:cSld>
+  <p:clrMapOvr>
+    <a:masterClrMapping/>
+  </p:clrMapOvr>
+</p:sld>
+</file>
+
 <file path=ppt/slides/slide5.xml><?xml version="1.0" encoding="utf-8"?>
 <p:sld xmlns:a="http://schemas.openxmlformats.org/drawingml/2006/main" xmlns:r="http://schemas.openxmlformats.org/officeDocument/2006/relationships" xmlns:p="http://schemas.openxmlformats.org/presentationml/2006/main">
   <p:cSld>
@@ -9917,7 +11110,7 @@
           <a:p>
             <a:r>
               <a:rPr lang="en-US" dirty="0" smtClean="0"/>
-              <a:t>PERL PROGRAMMING</a:t>
+              <a:t>PERL Programming</a:t>
             </a:r>
             <a:endParaRPr lang="en-US" dirty="0"/>
           </a:p>
@@ -9935,62 +11128,53 @@
         </p:nvSpPr>
         <p:spPr/>
         <p:txBody>
-          <a:bodyPr/>
+          <a:bodyPr>
+            <a:normAutofit fontScale="92500" lnSpcReduction="10000"/>
+          </a:bodyPr>
           <a:lstStyle/>
           <a:p>
             <a:r>
               <a:rPr lang="en-US" dirty="0" smtClean="0"/>
-              <a:t>Learning Involved-</a:t>
+              <a:t>First scripting language undertaken for learning.</a:t>
+            </a:r>
+          </a:p>
+          <a:p>
+            <a:r>
+              <a:rPr lang="en-US" dirty="0" smtClean="0"/>
+              <a:t>Perl is quite a user friendly language which allows user to code in his style(no predefined rules and indents).</a:t>
+            </a:r>
+          </a:p>
+          <a:p>
+            <a:r>
+              <a:rPr lang="en-US" dirty="0" smtClean="0"/>
+              <a:t>Two slogans in PERL include : </a:t>
             </a:r>
           </a:p>
           <a:p>
             <a:pPr lvl="1"/>
             <a:r>
               <a:rPr lang="en-US" dirty="0" smtClean="0"/>
-              <a:t>Language Style </a:t>
+              <a:t>"There's more than one way to do it“</a:t>
             </a:r>
           </a:p>
           <a:p>
             <a:pPr lvl="1"/>
             <a:r>
               <a:rPr lang="en-US" dirty="0" smtClean="0"/>
-              <a:t>Building control flow constructs</a:t>
-            </a:r>
-          </a:p>
-          <a:p>
-            <a:pPr lvl="1"/>
-            <a:r>
-              <a:rPr lang="en-US" dirty="0" smtClean="0"/>
-              <a:t>Looping Statements</a:t>
-            </a:r>
-          </a:p>
-          <a:p>
-            <a:pPr lvl="1"/>
-            <a:r>
-              <a:rPr lang="en-US" dirty="0" smtClean="0"/>
-              <a:t>File I/O</a:t>
-            </a:r>
-          </a:p>
-          <a:p>
-            <a:pPr lvl="1"/>
-            <a:r>
-              <a:rPr lang="en-US" dirty="0" smtClean="0"/>
-              <a:t>Formatting</a:t>
-            </a:r>
-          </a:p>
-          <a:p>
-            <a:pPr lvl="1"/>
-            <a:r>
-              <a:rPr lang="en-US" dirty="0" smtClean="0"/>
-              <a:t>Referencing and Dereferencing</a:t>
-            </a:r>
-          </a:p>
-          <a:p>
-            <a:pPr lvl="1"/>
-            <a:r>
-              <a:rPr lang="en-US" dirty="0" smtClean="0"/>
-              <a:t>Concept of MAKE File</a:t>
-            </a:r>
+              <a:t>"Easy things should be easy and hard things should be possible".</a:t>
+            </a:r>
+          </a:p>
+          <a:p>
+            <a:r>
+              <a:rPr lang="en-US" dirty="0" smtClean="0"/>
+              <a:t>The language is more practical, has cross platform application and a large collection of modules.</a:t>
+            </a:r>
+          </a:p>
+          <a:p>
+            <a:endParaRPr lang="en-US" dirty="0" smtClean="0"/>
+          </a:p>
+          <a:p>
+            <a:endParaRPr lang="en-US" dirty="0"/>
           </a:p>
         </p:txBody>
       </p:sp>
@@ -10069,7 +11253,7 @@
           <a:p>
             <a:r>
               <a:rPr lang="en-US" dirty="0" smtClean="0"/>
-              <a:t>PERL PROGRAMMING-Exercise</a:t>
+              <a:t>PERL Programming</a:t>
             </a:r>
             <a:endParaRPr lang="en-US" dirty="0"/>
           </a:p>
@@ -10087,48 +11271,61 @@
         </p:nvSpPr>
         <p:spPr/>
         <p:txBody>
-          <a:bodyPr>
-            <a:normAutofit lnSpcReduction="10000"/>
-          </a:bodyPr>
+          <a:bodyPr/>
           <a:lstStyle/>
           <a:p>
-            <a:pPr lvl="1">
-              <a:buFont typeface="Arial" pitchFamily="34" charset="0"/>
-              <a:buChar char="•"/>
-            </a:pPr>
-            <a:r>
-              <a:rPr lang="en-US" dirty="0" smtClean="0"/>
-              <a:t>Basic PERL exercises like sorting names from a file was performed.</a:t>
-            </a:r>
-          </a:p>
-          <a:p>
-            <a:pPr lvl="1">
-              <a:buFont typeface="Arial" pitchFamily="34" charset="0"/>
-              <a:buChar char="•"/>
-            </a:pPr>
-            <a:r>
-              <a:rPr lang="en-US" dirty="0" smtClean="0"/>
-              <a:t>Similar exercise involving marks was performed from text and excel files.</a:t>
-            </a:r>
-          </a:p>
-          <a:p>
-            <a:pPr lvl="1">
-              <a:buFont typeface="Arial" pitchFamily="34" charset="0"/>
-              <a:buChar char="•"/>
-            </a:pPr>
-            <a:r>
-              <a:rPr lang="en-US" dirty="0" smtClean="0"/>
-              <a:t>A Make file is one that instructs the program make how to compile and link a program. It helps in compiling the part of the code which is modified and which is dependent on the modifications.</a:t>
-            </a:r>
-          </a:p>
-          <a:p>
-            <a:pPr lvl="1">
-              <a:buFont typeface="Arial" pitchFamily="34" charset="0"/>
-              <a:buChar char="•"/>
-            </a:pPr>
-            <a:r>
-              <a:rPr lang="en-US" dirty="0" smtClean="0"/>
-              <a:t>Make files for the exercises was developed and linked with different programs. </a:t>
+            <a:r>
+              <a:rPr lang="en-US" dirty="0" smtClean="0"/>
+              <a:t>Learning Involved-</a:t>
+            </a:r>
+          </a:p>
+          <a:p>
+            <a:pPr lvl="1"/>
+            <a:r>
+              <a:rPr lang="en-US" dirty="0" smtClean="0"/>
+              <a:t>Language Style </a:t>
+            </a:r>
+          </a:p>
+          <a:p>
+            <a:pPr lvl="1"/>
+            <a:r>
+              <a:rPr lang="en-US" dirty="0" smtClean="0"/>
+              <a:t>Building control flow constructs</a:t>
+            </a:r>
+          </a:p>
+          <a:p>
+            <a:pPr lvl="1"/>
+            <a:r>
+              <a:rPr lang="en-US" dirty="0" smtClean="0"/>
+              <a:t>Looping Statements</a:t>
+            </a:r>
+          </a:p>
+          <a:p>
+            <a:pPr lvl="1"/>
+            <a:r>
+              <a:rPr lang="en-US" dirty="0" smtClean="0"/>
+              <a:t>File I/O</a:t>
+            </a:r>
+          </a:p>
+          <a:p>
+            <a:pPr lvl="1"/>
+            <a:r>
+              <a:rPr lang="en-US" dirty="0" smtClean="0"/>
+              <a:t>Formatting</a:t>
+            </a:r>
+          </a:p>
+          <a:p>
+            <a:pPr lvl="1"/>
+            <a:r>
+              <a:rPr lang="en-US" dirty="0" smtClean="0"/>
+              <a:t>Referencing and Dereferencing</a:t>
+            </a:r>
+          </a:p>
+          <a:p>
+            <a:pPr lvl="1"/>
+            <a:r>
+              <a:rPr lang="en-US" dirty="0" smtClean="0"/>
+              <a:t>Concept of MAKE File</a:t>
             </a:r>
           </a:p>
         </p:txBody>
@@ -10208,7 +11405,7 @@
           <a:p>
             <a:r>
               <a:rPr lang="en-US" dirty="0" smtClean="0"/>
-              <a:t>UNIX and Shell Programming</a:t>
+              <a:t>PERL Programming - Exercise</a:t>
             </a:r>
             <a:endParaRPr lang="en-US" dirty="0"/>
           </a:p>
@@ -10226,30 +11423,48 @@
         </p:nvSpPr>
         <p:spPr/>
         <p:txBody>
-          <a:bodyPr/>
+          <a:bodyPr>
+            <a:normAutofit lnSpcReduction="10000"/>
+          </a:bodyPr>
           <a:lstStyle/>
           <a:p>
-            <a:r>
-              <a:rPr lang="en-US" dirty="0" smtClean="0"/>
-              <a:t>Most widely used Development Platform.</a:t>
-            </a:r>
-          </a:p>
-          <a:p>
-            <a:r>
-              <a:rPr lang="en-US" dirty="0" smtClean="0"/>
-              <a:t>Open Source and implements less of user interface.</a:t>
-            </a:r>
-          </a:p>
-          <a:p>
-            <a:r>
-              <a:rPr lang="en-US" dirty="0" smtClean="0"/>
-              <a:t>Allows the user to experience the working unlike some of the GUI based systems.</a:t>
-            </a:r>
-          </a:p>
-          <a:p>
-            <a:r>
-              <a:rPr lang="en-US" dirty="0" smtClean="0"/>
-              <a:t>Allows multifunctional programming and invoking by using terminal.</a:t>
+            <a:pPr lvl="1">
+              <a:buFont typeface="Arial" pitchFamily="34" charset="0"/>
+              <a:buChar char="•"/>
+            </a:pPr>
+            <a:r>
+              <a:rPr lang="en-US" dirty="0" smtClean="0"/>
+              <a:t>Basic PERL exercises like sorting names from a file was performed.</a:t>
+            </a:r>
+          </a:p>
+          <a:p>
+            <a:pPr lvl="1">
+              <a:buFont typeface="Arial" pitchFamily="34" charset="0"/>
+              <a:buChar char="•"/>
+            </a:pPr>
+            <a:r>
+              <a:rPr lang="en-US" dirty="0" smtClean="0"/>
+              <a:t>Similar exercise involving marks was performed from text and excel files.</a:t>
+            </a:r>
+          </a:p>
+          <a:p>
+            <a:pPr lvl="1">
+              <a:buFont typeface="Arial" pitchFamily="34" charset="0"/>
+              <a:buChar char="•"/>
+            </a:pPr>
+            <a:r>
+              <a:rPr lang="en-US" dirty="0" smtClean="0"/>
+              <a:t>A Make file is one that instructs the program make how to compile and link a program. It helps in compiling the part of the code which is modified and which is dependent on the modifications.</a:t>
+            </a:r>
+          </a:p>
+          <a:p>
+            <a:pPr lvl="1">
+              <a:buFont typeface="Arial" pitchFamily="34" charset="0"/>
+              <a:buChar char="•"/>
+            </a:pPr>
+            <a:r>
+              <a:rPr lang="en-US" dirty="0" smtClean="0"/>
+              <a:t>Make files for the exercises was developed and linked with different programs. </a:t>
             </a:r>
           </a:p>
         </p:txBody>
@@ -10317,7 +11532,7 @@
         </p:nvSpPr>
         <p:spPr>
           <a:xfrm>
-            <a:off x="457200" y="609600"/>
+            <a:off x="457200" y="554117"/>
             <a:ext cx="8229600" cy="1143000"/>
           </a:xfrm>
         </p:spPr>
@@ -10352,53 +11567,26 @@
           <a:p>
             <a:r>
               <a:rPr lang="en-US" dirty="0" smtClean="0"/>
-              <a:t>Learning Involved-</a:t>
-            </a:r>
-          </a:p>
-          <a:p>
-            <a:pPr lvl="1"/>
-            <a:r>
-              <a:rPr lang="en-US" dirty="0" smtClean="0"/>
-              <a:t>Getting stated with </a:t>
-            </a:r>
-            <a:r>
-              <a:rPr lang="en-US" dirty="0" err="1" smtClean="0"/>
-              <a:t>teminal</a:t>
-            </a:r>
-            <a:endParaRPr lang="en-US" dirty="0" smtClean="0"/>
-          </a:p>
-          <a:p>
-            <a:pPr lvl="1"/>
-            <a:r>
-              <a:rPr lang="en-US" dirty="0" smtClean="0"/>
-              <a:t>File Hierarchy System </a:t>
-            </a:r>
-          </a:p>
-          <a:p>
-            <a:pPr lvl="1"/>
-            <a:r>
-              <a:rPr lang="en-US" dirty="0" smtClean="0"/>
-              <a:t>Shell commands for some of the operations involving creation and deletion</a:t>
-            </a:r>
-          </a:p>
-          <a:p>
-            <a:pPr lvl="1"/>
-            <a:r>
-              <a:rPr lang="en-US" dirty="0" smtClean="0"/>
-              <a:t>Concept of Bash file and Make File</a:t>
-            </a:r>
-          </a:p>
-          <a:p>
-            <a:pPr lvl="1"/>
-            <a:r>
-              <a:rPr lang="en-US" dirty="0" smtClean="0"/>
-              <a:t>Concept of Macros and its </a:t>
-            </a:r>
-            <a:r>
-              <a:rPr lang="en-US" dirty="0" err="1" smtClean="0"/>
-              <a:t>implemetation</a:t>
-            </a:r>
-            <a:endParaRPr lang="en-US" dirty="0" smtClean="0"/>
+              <a:t>Most widely used Development Platform.</a:t>
+            </a:r>
+          </a:p>
+          <a:p>
+            <a:r>
+              <a:rPr lang="en-US" dirty="0" smtClean="0"/>
+              <a:t>Open Source and implements less of user interface.</a:t>
+            </a:r>
+          </a:p>
+          <a:p>
+            <a:r>
+              <a:rPr lang="en-US" dirty="0" smtClean="0"/>
+              <a:t>Allows the user to experience the working unlike some of the GUI based systems.</a:t>
+            </a:r>
+          </a:p>
+          <a:p>
+            <a:r>
+              <a:rPr lang="en-US" dirty="0" smtClean="0"/>
+              <a:t>Allows multifunctional programming and invoking by using terminal.</a:t>
+            </a:r>
           </a:p>
         </p:txBody>
       </p:sp>
@@ -10477,65 +11665,76 @@
           <a:p>
             <a:r>
               <a:rPr lang="en-US" dirty="0" smtClean="0"/>
-              <a:t>VHDL and </a:t>
+              <a:t>UNIX and Shell Programming</a:t>
+            </a:r>
+            <a:endParaRPr lang="en-US" dirty="0"/>
+          </a:p>
+        </p:txBody>
+      </p:sp>
+      <p:sp>
+        <p:nvSpPr>
+          <p:cNvPr id="3" name="Content Placeholder 2"/>
+          <p:cNvSpPr>
+            <a:spLocks noGrp="1"/>
+          </p:cNvSpPr>
+          <p:nvPr>
+            <p:ph idx="1"/>
+          </p:nvPr>
+        </p:nvSpPr>
+        <p:spPr/>
+        <p:txBody>
+          <a:bodyPr/>
+          <a:lstStyle/>
+          <a:p>
+            <a:r>
+              <a:rPr lang="en-US" dirty="0" smtClean="0"/>
+              <a:t>Learning Involved-</a:t>
+            </a:r>
+          </a:p>
+          <a:p>
+            <a:pPr lvl="1"/>
+            <a:r>
+              <a:rPr lang="en-US" dirty="0" smtClean="0"/>
+              <a:t>Getting stated with </a:t>
             </a:r>
             <a:r>
               <a:rPr lang="en-US" dirty="0" err="1" smtClean="0"/>
-              <a:t>Verilog</a:t>
-            </a:r>
-            <a:endParaRPr lang="en-US" dirty="0"/>
-          </a:p>
-        </p:txBody>
-      </p:sp>
-      <p:sp>
-        <p:nvSpPr>
-          <p:cNvPr id="3" name="Content Placeholder 2"/>
-          <p:cNvSpPr>
-            <a:spLocks noGrp="1"/>
-          </p:cNvSpPr>
-          <p:nvPr>
-            <p:ph idx="1"/>
-          </p:nvPr>
-        </p:nvSpPr>
-        <p:spPr/>
-        <p:txBody>
-          <a:bodyPr>
-            <a:normAutofit lnSpcReduction="10000"/>
-          </a:bodyPr>
-          <a:lstStyle/>
-          <a:p>
-            <a:r>
-              <a:rPr lang="en-US" dirty="0" smtClean="0"/>
-              <a:t>Well known Hardware Descriptive Language widely used all over the globe.</a:t>
-            </a:r>
-          </a:p>
-          <a:p>
-            <a:r>
-              <a:rPr lang="en-US" dirty="0" smtClean="0"/>
-              <a:t>Having known the basics of </a:t>
+              <a:t>teminal</a:t>
+            </a:r>
+            <a:endParaRPr lang="en-US" dirty="0" smtClean="0"/>
+          </a:p>
+          <a:p>
+            <a:pPr lvl="1"/>
+            <a:r>
+              <a:rPr lang="en-US" dirty="0" smtClean="0"/>
+              <a:t>File Hierarchy System </a:t>
+            </a:r>
+          </a:p>
+          <a:p>
+            <a:pPr lvl="1"/>
+            <a:r>
+              <a:rPr lang="en-US" dirty="0" smtClean="0"/>
+              <a:t>Shell commands for some of the operations involving creation and deletion</a:t>
+            </a:r>
+          </a:p>
+          <a:p>
+            <a:pPr lvl="1"/>
+            <a:r>
+              <a:rPr lang="en-US" dirty="0" smtClean="0"/>
+              <a:t>Concept of Bash file and Make File</a:t>
+            </a:r>
+          </a:p>
+          <a:p>
+            <a:pPr lvl="1"/>
+            <a:r>
+              <a:rPr lang="en-US" dirty="0" smtClean="0"/>
+              <a:t>Concept of Macros and its </a:t>
             </a:r>
             <a:r>
               <a:rPr lang="en-US" dirty="0" err="1" smtClean="0"/>
-              <a:t>Verilog</a:t>
-            </a:r>
-            <a:r>
-              <a:rPr lang="en-US" dirty="0" smtClean="0"/>
-              <a:t>, it was easy to learn the pre-</a:t>
-            </a:r>
-            <a:r>
-              <a:rPr lang="en-US" dirty="0" err="1" smtClean="0"/>
-              <a:t>Verilog</a:t>
-            </a:r>
-            <a:r>
-              <a:rPr lang="en-US" dirty="0" smtClean="0"/>
-              <a:t> version i.e.”VHDL”.</a:t>
-            </a:r>
-          </a:p>
-          <a:p>
-            <a:r>
-              <a:rPr lang="en-US" dirty="0" smtClean="0"/>
-              <a:t>VHDL is strongly typed and is known for the standard coding style. This feature gives less flexibility but helps a new person understand the code easily.</a:t>
-            </a:r>
+              <a:t>implemetation</a:t>
+            </a:r>
+            <a:endParaRPr lang="en-US" dirty="0" smtClean="0"/>
           </a:p>
         </p:txBody>
       </p:sp>
